--- a/Slides/Tailwind Essentials.pptx
+++ b/Slides/Tailwind Essentials.pptx
@@ -5,13 +5,40 @@
     <p:sldMasterId id="2147483648" r:id="rId1"/>
   </p:sldMasterIdLst>
   <p:notesMasterIdLst>
-    <p:notesMasterId r:id="rId6"/>
+    <p:notesMasterId r:id="rId33"/>
   </p:notesMasterIdLst>
   <p:sldIdLst>
     <p:sldId id="256" r:id="rId2"/>
     <p:sldId id="257" r:id="rId3"/>
     <p:sldId id="259" r:id="rId4"/>
     <p:sldId id="258" r:id="rId5"/>
+    <p:sldId id="260" r:id="rId6"/>
+    <p:sldId id="261" r:id="rId7"/>
+    <p:sldId id="262" r:id="rId8"/>
+    <p:sldId id="263" r:id="rId9"/>
+    <p:sldId id="264" r:id="rId10"/>
+    <p:sldId id="265" r:id="rId11"/>
+    <p:sldId id="266" r:id="rId12"/>
+    <p:sldId id="267" r:id="rId13"/>
+    <p:sldId id="268" r:id="rId14"/>
+    <p:sldId id="269" r:id="rId15"/>
+    <p:sldId id="270" r:id="rId16"/>
+    <p:sldId id="271" r:id="rId17"/>
+    <p:sldId id="272" r:id="rId18"/>
+    <p:sldId id="283" r:id="rId19"/>
+    <p:sldId id="273" r:id="rId20"/>
+    <p:sldId id="274" r:id="rId21"/>
+    <p:sldId id="275" r:id="rId22"/>
+    <p:sldId id="276" r:id="rId23"/>
+    <p:sldId id="284" r:id="rId24"/>
+    <p:sldId id="282" r:id="rId25"/>
+    <p:sldId id="285" r:id="rId26"/>
+    <p:sldId id="286" r:id="rId27"/>
+    <p:sldId id="287" r:id="rId28"/>
+    <p:sldId id="277" r:id="rId29"/>
+    <p:sldId id="278" r:id="rId30"/>
+    <p:sldId id="279" r:id="rId31"/>
+    <p:sldId id="281" r:id="rId32"/>
   </p:sldIdLst>
   <p:sldSz cx="12192000" cy="6858000"/>
   <p:notesSz cx="6858000" cy="9144000"/>
@@ -537,6 +564,90 @@
     <p:extLst>
       <p:ext uri="{BB962C8B-B14F-4D97-AF65-F5344CB8AC3E}">
         <p14:creationId xmlns:p14="http://schemas.microsoft.com/office/powerpoint/2010/main" val="2887913278"/>
+      </p:ext>
+    </p:extLst>
+  </p:cSld>
+  <p:clrMapOvr>
+    <a:masterClrMapping/>
+  </p:clrMapOvr>
+</p:notes>
+</file>
+
+<file path=ppt/notesSlides/notesSlide2.xml><?xml version="1.0" encoding="utf-8"?>
+<p:notes xmlns:a="http://schemas.openxmlformats.org/drawingml/2006/main" xmlns:r="http://schemas.openxmlformats.org/officeDocument/2006/relationships" xmlns:p="http://schemas.openxmlformats.org/presentationml/2006/main">
+  <p:cSld>
+    <p:spTree>
+      <p:nvGrpSpPr>
+        <p:cNvPr id="1" name=""/>
+        <p:cNvGrpSpPr/>
+        <p:nvPr/>
+      </p:nvGrpSpPr>
+      <p:grpSpPr>
+        <a:xfrm>
+          <a:off x="0" y="0"/>
+          <a:ext cx="0" cy="0"/>
+          <a:chOff x="0" y="0"/>
+          <a:chExt cx="0" cy="0"/>
+        </a:xfrm>
+      </p:grpSpPr>
+      <p:sp>
+        <p:nvSpPr>
+          <p:cNvPr id="2" name="Slide Image Placeholder 1"/>
+          <p:cNvSpPr>
+            <a:spLocks noGrp="1" noRot="1" noChangeAspect="1"/>
+          </p:cNvSpPr>
+          <p:nvPr>
+            <p:ph type="sldImg"/>
+          </p:nvPr>
+        </p:nvSpPr>
+        <p:spPr/>
+      </p:sp>
+      <p:sp>
+        <p:nvSpPr>
+          <p:cNvPr id="3" name="Notes Placeholder 2"/>
+          <p:cNvSpPr>
+            <a:spLocks noGrp="1"/>
+          </p:cNvSpPr>
+          <p:nvPr>
+            <p:ph type="body" idx="1"/>
+          </p:nvPr>
+        </p:nvSpPr>
+        <p:spPr/>
+        <p:txBody>
+          <a:bodyPr/>
+          <a:lstStyle/>
+          <a:p>
+            <a:endParaRPr lang="en-US" dirty="0"/>
+          </a:p>
+        </p:txBody>
+      </p:sp>
+      <p:sp>
+        <p:nvSpPr>
+          <p:cNvPr id="4" name="Slide Number Placeholder 3"/>
+          <p:cNvSpPr>
+            <a:spLocks noGrp="1"/>
+          </p:cNvSpPr>
+          <p:nvPr>
+            <p:ph type="sldNum" sz="quarter" idx="5"/>
+          </p:nvPr>
+        </p:nvSpPr>
+        <p:spPr/>
+        <p:txBody>
+          <a:bodyPr/>
+          <a:lstStyle/>
+          <a:p>
+            <a:fld id="{2D685A82-563E-4343-8EA6-0CF94D6DE585}" type="slidenum">
+              <a:rPr lang="en-US" smtClean="0"/>
+              <a:t>31</a:t>
+            </a:fld>
+            <a:endParaRPr lang="en-US"/>
+          </a:p>
+        </p:txBody>
+      </p:sp>
+    </p:spTree>
+    <p:extLst>
+      <p:ext uri="{BB962C8B-B14F-4D97-AF65-F5344CB8AC3E}">
+        <p14:creationId xmlns:p14="http://schemas.microsoft.com/office/powerpoint/2010/main" val="2336881444"/>
       </p:ext>
     </p:extLst>
   </p:cSld>
@@ -3859,6 +3970,1821 @@
 </p:sld>
 </file>
 
+<file path=ppt/slides/slide10.xml><?xml version="1.0" encoding="utf-8"?>
+<p:sld xmlns:a="http://schemas.openxmlformats.org/drawingml/2006/main" xmlns:r="http://schemas.openxmlformats.org/officeDocument/2006/relationships" xmlns:p="http://schemas.openxmlformats.org/presentationml/2006/main">
+  <p:cSld>
+    <p:spTree>
+      <p:nvGrpSpPr>
+        <p:cNvPr id="1" name=""/>
+        <p:cNvGrpSpPr/>
+        <p:nvPr/>
+      </p:nvGrpSpPr>
+      <p:grpSpPr>
+        <a:xfrm>
+          <a:off x="0" y="0"/>
+          <a:ext cx="0" cy="0"/>
+          <a:chOff x="0" y="0"/>
+          <a:chExt cx="0" cy="0"/>
+        </a:xfrm>
+      </p:grpSpPr>
+      <p:sp>
+        <p:nvSpPr>
+          <p:cNvPr id="2" name="Title 1">
+            <a:extLst>
+              <a:ext uri="{FF2B5EF4-FFF2-40B4-BE49-F238E27FC236}">
+                <a16:creationId xmlns:a16="http://schemas.microsoft.com/office/drawing/2014/main" id="{8AB3EBC1-B05F-4776-B1BC-36D6374403F6}"/>
+              </a:ext>
+            </a:extLst>
+          </p:cNvPr>
+          <p:cNvSpPr>
+            <a:spLocks noGrp="1"/>
+          </p:cNvSpPr>
+          <p:nvPr>
+            <p:ph type="title"/>
+          </p:nvPr>
+        </p:nvSpPr>
+        <p:spPr/>
+        <p:txBody>
+          <a:bodyPr/>
+          <a:lstStyle/>
+          <a:p>
+            <a:r>
+              <a:rPr lang="en-US" dirty="0"/>
+              <a:t>Box Model Helpers</a:t>
+            </a:r>
+          </a:p>
+        </p:txBody>
+      </p:sp>
+      <p:sp>
+        <p:nvSpPr>
+          <p:cNvPr id="24" name="Rectangle 23">
+            <a:extLst>
+              <a:ext uri="{FF2B5EF4-FFF2-40B4-BE49-F238E27FC236}">
+                <a16:creationId xmlns:a16="http://schemas.microsoft.com/office/drawing/2014/main" id="{8FBDD923-8243-44D8-8353-F3B3930BA6DD}"/>
+              </a:ext>
+            </a:extLst>
+          </p:cNvPr>
+          <p:cNvSpPr/>
+          <p:nvPr/>
+        </p:nvSpPr>
+        <p:spPr>
+          <a:xfrm>
+            <a:off x="3214255" y="2438399"/>
+            <a:ext cx="6082145" cy="3602183"/>
+          </a:xfrm>
+          <a:prstGeom prst="rect">
+            <a:avLst/>
+          </a:prstGeom>
+          <a:solidFill>
+            <a:schemeClr val="bg1"/>
+          </a:solidFill>
+        </p:spPr>
+        <p:style>
+          <a:lnRef idx="2">
+            <a:schemeClr val="accent1">
+              <a:shade val="50000"/>
+            </a:schemeClr>
+          </a:lnRef>
+          <a:fillRef idx="1">
+            <a:schemeClr val="accent1"/>
+          </a:fillRef>
+          <a:effectRef idx="0">
+            <a:schemeClr val="accent1"/>
+          </a:effectRef>
+          <a:fontRef idx="minor">
+            <a:schemeClr val="lt1"/>
+          </a:fontRef>
+        </p:style>
+        <p:txBody>
+          <a:bodyPr rtlCol="0" anchor="ctr"/>
+          <a:lstStyle/>
+          <a:p>
+            <a:pPr algn="ctr"/>
+            <a:r>
+              <a:rPr lang="en-US" sz="3200" dirty="0">
+                <a:solidFill>
+                  <a:schemeClr val="tx1"/>
+                </a:solidFill>
+              </a:rPr>
+              <a:t>&lt;div&gt;&lt;/div&gt;</a:t>
+            </a:r>
+          </a:p>
+        </p:txBody>
+      </p:sp>
+    </p:spTree>
+    <p:extLst>
+      <p:ext uri="{BB962C8B-B14F-4D97-AF65-F5344CB8AC3E}">
+        <p14:creationId xmlns:p14="http://schemas.microsoft.com/office/powerpoint/2010/main" val="1610380207"/>
+      </p:ext>
+    </p:extLst>
+  </p:cSld>
+  <p:clrMapOvr>
+    <a:masterClrMapping/>
+  </p:clrMapOvr>
+</p:sld>
+</file>
+
+<file path=ppt/slides/slide11.xml><?xml version="1.0" encoding="utf-8"?>
+<p:sld xmlns:a="http://schemas.openxmlformats.org/drawingml/2006/main" xmlns:r="http://schemas.openxmlformats.org/officeDocument/2006/relationships" xmlns:p="http://schemas.openxmlformats.org/presentationml/2006/main">
+  <p:cSld>
+    <p:spTree>
+      <p:nvGrpSpPr>
+        <p:cNvPr id="1" name=""/>
+        <p:cNvGrpSpPr/>
+        <p:nvPr/>
+      </p:nvGrpSpPr>
+      <p:grpSpPr>
+        <a:xfrm>
+          <a:off x="0" y="0"/>
+          <a:ext cx="0" cy="0"/>
+          <a:chOff x="0" y="0"/>
+          <a:chExt cx="0" cy="0"/>
+        </a:xfrm>
+      </p:grpSpPr>
+      <p:sp>
+        <p:nvSpPr>
+          <p:cNvPr id="2" name="Title 1">
+            <a:extLst>
+              <a:ext uri="{FF2B5EF4-FFF2-40B4-BE49-F238E27FC236}">
+                <a16:creationId xmlns:a16="http://schemas.microsoft.com/office/drawing/2014/main" id="{8AB3EBC1-B05F-4776-B1BC-36D6374403F6}"/>
+              </a:ext>
+            </a:extLst>
+          </p:cNvPr>
+          <p:cNvSpPr>
+            <a:spLocks noGrp="1"/>
+          </p:cNvSpPr>
+          <p:nvPr>
+            <p:ph type="title"/>
+          </p:nvPr>
+        </p:nvSpPr>
+        <p:spPr/>
+        <p:txBody>
+          <a:bodyPr/>
+          <a:lstStyle/>
+          <a:p>
+            <a:r>
+              <a:rPr lang="en-US" dirty="0"/>
+              <a:t>Box Model Helpers</a:t>
+            </a:r>
+          </a:p>
+        </p:txBody>
+      </p:sp>
+      <p:sp>
+        <p:nvSpPr>
+          <p:cNvPr id="24" name="Rectangle 23">
+            <a:extLst>
+              <a:ext uri="{FF2B5EF4-FFF2-40B4-BE49-F238E27FC236}">
+                <a16:creationId xmlns:a16="http://schemas.microsoft.com/office/drawing/2014/main" id="{8FBDD923-8243-44D8-8353-F3B3930BA6DD}"/>
+              </a:ext>
+            </a:extLst>
+          </p:cNvPr>
+          <p:cNvSpPr/>
+          <p:nvPr/>
+        </p:nvSpPr>
+        <p:spPr>
+          <a:xfrm>
+            <a:off x="3214255" y="2438399"/>
+            <a:ext cx="6082145" cy="3602183"/>
+          </a:xfrm>
+          <a:prstGeom prst="rect">
+            <a:avLst/>
+          </a:prstGeom>
+          <a:solidFill>
+            <a:schemeClr val="bg1"/>
+          </a:solidFill>
+        </p:spPr>
+        <p:style>
+          <a:lnRef idx="2">
+            <a:schemeClr val="accent1">
+              <a:shade val="50000"/>
+            </a:schemeClr>
+          </a:lnRef>
+          <a:fillRef idx="1">
+            <a:schemeClr val="accent1"/>
+          </a:fillRef>
+          <a:effectRef idx="0">
+            <a:schemeClr val="accent1"/>
+          </a:effectRef>
+          <a:fontRef idx="minor">
+            <a:schemeClr val="lt1"/>
+          </a:fontRef>
+        </p:style>
+        <p:txBody>
+          <a:bodyPr rtlCol="0" anchor="ctr"/>
+          <a:lstStyle/>
+          <a:p>
+            <a:pPr algn="ctr"/>
+            <a:r>
+              <a:rPr lang="en-US" sz="3200" dirty="0">
+                <a:solidFill>
+                  <a:schemeClr val="tx1"/>
+                </a:solidFill>
+              </a:rPr>
+              <a:t>&lt;div class=“</a:t>
+            </a:r>
+            <a:r>
+              <a:rPr lang="en-US" sz="3200" b="1" dirty="0">
+                <a:solidFill>
+                  <a:schemeClr val="tx1"/>
+                </a:solidFill>
+              </a:rPr>
+              <a:t>p-5</a:t>
+            </a:r>
+            <a:r>
+              <a:rPr lang="en-US" sz="3200" dirty="0">
+                <a:solidFill>
+                  <a:schemeClr val="tx1"/>
+                </a:solidFill>
+              </a:rPr>
+              <a:t>”&gt;</a:t>
+            </a:r>
+          </a:p>
+          <a:p>
+            <a:pPr algn="ctr"/>
+            <a:r>
+              <a:rPr lang="en-US" sz="3200" dirty="0">
+                <a:solidFill>
+                  <a:schemeClr val="tx1"/>
+                </a:solidFill>
+              </a:rPr>
+              <a:t>&lt;/div&gt;</a:t>
+            </a:r>
+          </a:p>
+        </p:txBody>
+      </p:sp>
+      <p:sp>
+        <p:nvSpPr>
+          <p:cNvPr id="4" name="Rectangle 3">
+            <a:extLst>
+              <a:ext uri="{FF2B5EF4-FFF2-40B4-BE49-F238E27FC236}">
+                <a16:creationId xmlns:a16="http://schemas.microsoft.com/office/drawing/2014/main" id="{0456CF99-1884-4DE6-9F76-B4A981965D37}"/>
+              </a:ext>
+            </a:extLst>
+          </p:cNvPr>
+          <p:cNvSpPr/>
+          <p:nvPr/>
+        </p:nvSpPr>
+        <p:spPr>
+          <a:xfrm>
+            <a:off x="2895600" y="2133600"/>
+            <a:ext cx="6677891" cy="4197927"/>
+          </a:xfrm>
+          <a:prstGeom prst="rect">
+            <a:avLst/>
+          </a:prstGeom>
+          <a:noFill/>
+          <a:ln>
+            <a:prstDash val="dash"/>
+          </a:ln>
+        </p:spPr>
+        <p:style>
+          <a:lnRef idx="2">
+            <a:schemeClr val="accent1">
+              <a:shade val="50000"/>
+            </a:schemeClr>
+          </a:lnRef>
+          <a:fillRef idx="1">
+            <a:schemeClr val="accent1"/>
+          </a:fillRef>
+          <a:effectRef idx="0">
+            <a:schemeClr val="accent1"/>
+          </a:effectRef>
+          <a:fontRef idx="minor">
+            <a:schemeClr val="lt1"/>
+          </a:fontRef>
+        </p:style>
+        <p:txBody>
+          <a:bodyPr rtlCol="0" anchor="ctr"/>
+          <a:lstStyle/>
+          <a:p>
+            <a:pPr algn="ctr"/>
+            <a:endParaRPr lang="en-US" sz="3200" dirty="0">
+              <a:solidFill>
+                <a:schemeClr val="tx1"/>
+              </a:solidFill>
+            </a:endParaRPr>
+          </a:p>
+        </p:txBody>
+      </p:sp>
+    </p:spTree>
+    <p:extLst>
+      <p:ext uri="{BB962C8B-B14F-4D97-AF65-F5344CB8AC3E}">
+        <p14:creationId xmlns:p14="http://schemas.microsoft.com/office/powerpoint/2010/main" val="3994417940"/>
+      </p:ext>
+    </p:extLst>
+  </p:cSld>
+  <p:clrMapOvr>
+    <a:masterClrMapping/>
+  </p:clrMapOvr>
+</p:sld>
+</file>
+
+<file path=ppt/slides/slide12.xml><?xml version="1.0" encoding="utf-8"?>
+<p:sld xmlns:a="http://schemas.openxmlformats.org/drawingml/2006/main" xmlns:r="http://schemas.openxmlformats.org/officeDocument/2006/relationships" xmlns:p="http://schemas.openxmlformats.org/presentationml/2006/main">
+  <p:cSld>
+    <p:spTree>
+      <p:nvGrpSpPr>
+        <p:cNvPr id="1" name=""/>
+        <p:cNvGrpSpPr/>
+        <p:nvPr/>
+      </p:nvGrpSpPr>
+      <p:grpSpPr>
+        <a:xfrm>
+          <a:off x="0" y="0"/>
+          <a:ext cx="0" cy="0"/>
+          <a:chOff x="0" y="0"/>
+          <a:chExt cx="0" cy="0"/>
+        </a:xfrm>
+      </p:grpSpPr>
+      <p:sp>
+        <p:nvSpPr>
+          <p:cNvPr id="2" name="Title 1">
+            <a:extLst>
+              <a:ext uri="{FF2B5EF4-FFF2-40B4-BE49-F238E27FC236}">
+                <a16:creationId xmlns:a16="http://schemas.microsoft.com/office/drawing/2014/main" id="{8AB3EBC1-B05F-4776-B1BC-36D6374403F6}"/>
+              </a:ext>
+            </a:extLst>
+          </p:cNvPr>
+          <p:cNvSpPr>
+            <a:spLocks noGrp="1"/>
+          </p:cNvSpPr>
+          <p:nvPr>
+            <p:ph type="title"/>
+          </p:nvPr>
+        </p:nvSpPr>
+        <p:spPr/>
+        <p:txBody>
+          <a:bodyPr/>
+          <a:lstStyle/>
+          <a:p>
+            <a:r>
+              <a:rPr lang="en-US" dirty="0"/>
+              <a:t>Box Model Helpers</a:t>
+            </a:r>
+          </a:p>
+        </p:txBody>
+      </p:sp>
+      <p:sp>
+        <p:nvSpPr>
+          <p:cNvPr id="24" name="Rectangle 23">
+            <a:extLst>
+              <a:ext uri="{FF2B5EF4-FFF2-40B4-BE49-F238E27FC236}">
+                <a16:creationId xmlns:a16="http://schemas.microsoft.com/office/drawing/2014/main" id="{8FBDD923-8243-44D8-8353-F3B3930BA6DD}"/>
+              </a:ext>
+            </a:extLst>
+          </p:cNvPr>
+          <p:cNvSpPr/>
+          <p:nvPr/>
+        </p:nvSpPr>
+        <p:spPr>
+          <a:xfrm>
+            <a:off x="3214255" y="2438399"/>
+            <a:ext cx="6082145" cy="3602183"/>
+          </a:xfrm>
+          <a:prstGeom prst="rect">
+            <a:avLst/>
+          </a:prstGeom>
+          <a:solidFill>
+            <a:schemeClr val="bg1"/>
+          </a:solidFill>
+        </p:spPr>
+        <p:style>
+          <a:lnRef idx="2">
+            <a:schemeClr val="accent1">
+              <a:shade val="50000"/>
+            </a:schemeClr>
+          </a:lnRef>
+          <a:fillRef idx="1">
+            <a:schemeClr val="accent1"/>
+          </a:fillRef>
+          <a:effectRef idx="0">
+            <a:schemeClr val="accent1"/>
+          </a:effectRef>
+          <a:fontRef idx="minor">
+            <a:schemeClr val="lt1"/>
+          </a:fontRef>
+        </p:style>
+        <p:txBody>
+          <a:bodyPr rtlCol="0" anchor="ctr"/>
+          <a:lstStyle/>
+          <a:p>
+            <a:pPr algn="ctr"/>
+            <a:r>
+              <a:rPr lang="en-US" sz="3200" dirty="0">
+                <a:solidFill>
+                  <a:schemeClr val="tx1"/>
+                </a:solidFill>
+              </a:rPr>
+              <a:t>&lt;div class=“</a:t>
+            </a:r>
+            <a:r>
+              <a:rPr lang="en-US" sz="3200" b="1" dirty="0">
+                <a:solidFill>
+                  <a:schemeClr val="tx1"/>
+                </a:solidFill>
+              </a:rPr>
+              <a:t>pt-5</a:t>
+            </a:r>
+            <a:r>
+              <a:rPr lang="en-US" sz="3200" dirty="0">
+                <a:solidFill>
+                  <a:schemeClr val="tx1"/>
+                </a:solidFill>
+              </a:rPr>
+              <a:t>”&gt;</a:t>
+            </a:r>
+          </a:p>
+          <a:p>
+            <a:pPr algn="ctr"/>
+            <a:r>
+              <a:rPr lang="en-US" sz="3200" dirty="0">
+                <a:solidFill>
+                  <a:schemeClr val="tx1"/>
+                </a:solidFill>
+              </a:rPr>
+              <a:t>&lt;/div&gt;</a:t>
+            </a:r>
+          </a:p>
+        </p:txBody>
+      </p:sp>
+      <p:sp>
+        <p:nvSpPr>
+          <p:cNvPr id="4" name="Rectangle 3">
+            <a:extLst>
+              <a:ext uri="{FF2B5EF4-FFF2-40B4-BE49-F238E27FC236}">
+                <a16:creationId xmlns:a16="http://schemas.microsoft.com/office/drawing/2014/main" id="{0456CF99-1884-4DE6-9F76-B4A981965D37}"/>
+              </a:ext>
+            </a:extLst>
+          </p:cNvPr>
+          <p:cNvSpPr/>
+          <p:nvPr/>
+        </p:nvSpPr>
+        <p:spPr>
+          <a:xfrm>
+            <a:off x="3214255" y="2133601"/>
+            <a:ext cx="6082146" cy="3906982"/>
+          </a:xfrm>
+          <a:prstGeom prst="rect">
+            <a:avLst/>
+          </a:prstGeom>
+          <a:noFill/>
+          <a:ln>
+            <a:prstDash val="dash"/>
+          </a:ln>
+        </p:spPr>
+        <p:style>
+          <a:lnRef idx="2">
+            <a:schemeClr val="accent1">
+              <a:shade val="50000"/>
+            </a:schemeClr>
+          </a:lnRef>
+          <a:fillRef idx="1">
+            <a:schemeClr val="accent1"/>
+          </a:fillRef>
+          <a:effectRef idx="0">
+            <a:schemeClr val="accent1"/>
+          </a:effectRef>
+          <a:fontRef idx="minor">
+            <a:schemeClr val="lt1"/>
+          </a:fontRef>
+        </p:style>
+        <p:txBody>
+          <a:bodyPr rtlCol="0" anchor="ctr"/>
+          <a:lstStyle/>
+          <a:p>
+            <a:pPr algn="ctr"/>
+            <a:endParaRPr lang="en-US" sz="3200" dirty="0">
+              <a:solidFill>
+                <a:schemeClr val="tx1"/>
+              </a:solidFill>
+            </a:endParaRPr>
+          </a:p>
+        </p:txBody>
+      </p:sp>
+    </p:spTree>
+    <p:extLst>
+      <p:ext uri="{BB962C8B-B14F-4D97-AF65-F5344CB8AC3E}">
+        <p14:creationId xmlns:p14="http://schemas.microsoft.com/office/powerpoint/2010/main" val="703203873"/>
+      </p:ext>
+    </p:extLst>
+  </p:cSld>
+  <p:clrMapOvr>
+    <a:masterClrMapping/>
+  </p:clrMapOvr>
+</p:sld>
+</file>
+
+<file path=ppt/slides/slide13.xml><?xml version="1.0" encoding="utf-8"?>
+<p:sld xmlns:a="http://schemas.openxmlformats.org/drawingml/2006/main" xmlns:r="http://schemas.openxmlformats.org/officeDocument/2006/relationships" xmlns:p="http://schemas.openxmlformats.org/presentationml/2006/main">
+  <p:cSld>
+    <p:spTree>
+      <p:nvGrpSpPr>
+        <p:cNvPr id="1" name=""/>
+        <p:cNvGrpSpPr/>
+        <p:nvPr/>
+      </p:nvGrpSpPr>
+      <p:grpSpPr>
+        <a:xfrm>
+          <a:off x="0" y="0"/>
+          <a:ext cx="0" cy="0"/>
+          <a:chOff x="0" y="0"/>
+          <a:chExt cx="0" cy="0"/>
+        </a:xfrm>
+      </p:grpSpPr>
+      <p:sp>
+        <p:nvSpPr>
+          <p:cNvPr id="2" name="Title 1">
+            <a:extLst>
+              <a:ext uri="{FF2B5EF4-FFF2-40B4-BE49-F238E27FC236}">
+                <a16:creationId xmlns:a16="http://schemas.microsoft.com/office/drawing/2014/main" id="{8AB3EBC1-B05F-4776-B1BC-36D6374403F6}"/>
+              </a:ext>
+            </a:extLst>
+          </p:cNvPr>
+          <p:cNvSpPr>
+            <a:spLocks noGrp="1"/>
+          </p:cNvSpPr>
+          <p:nvPr>
+            <p:ph type="title"/>
+          </p:nvPr>
+        </p:nvSpPr>
+        <p:spPr/>
+        <p:txBody>
+          <a:bodyPr/>
+          <a:lstStyle/>
+          <a:p>
+            <a:r>
+              <a:rPr lang="en-US" dirty="0"/>
+              <a:t>Box Model Helpers</a:t>
+            </a:r>
+          </a:p>
+        </p:txBody>
+      </p:sp>
+      <p:sp>
+        <p:nvSpPr>
+          <p:cNvPr id="24" name="Rectangle 23">
+            <a:extLst>
+              <a:ext uri="{FF2B5EF4-FFF2-40B4-BE49-F238E27FC236}">
+                <a16:creationId xmlns:a16="http://schemas.microsoft.com/office/drawing/2014/main" id="{8FBDD923-8243-44D8-8353-F3B3930BA6DD}"/>
+              </a:ext>
+            </a:extLst>
+          </p:cNvPr>
+          <p:cNvSpPr/>
+          <p:nvPr/>
+        </p:nvSpPr>
+        <p:spPr>
+          <a:xfrm>
+            <a:off x="3214255" y="2438399"/>
+            <a:ext cx="6082145" cy="3602183"/>
+          </a:xfrm>
+          <a:prstGeom prst="rect">
+            <a:avLst/>
+          </a:prstGeom>
+          <a:solidFill>
+            <a:schemeClr val="bg1"/>
+          </a:solidFill>
+        </p:spPr>
+        <p:style>
+          <a:lnRef idx="2">
+            <a:schemeClr val="accent1">
+              <a:shade val="50000"/>
+            </a:schemeClr>
+          </a:lnRef>
+          <a:fillRef idx="1">
+            <a:schemeClr val="accent1"/>
+          </a:fillRef>
+          <a:effectRef idx="0">
+            <a:schemeClr val="accent1"/>
+          </a:effectRef>
+          <a:fontRef idx="minor">
+            <a:schemeClr val="lt1"/>
+          </a:fontRef>
+        </p:style>
+        <p:txBody>
+          <a:bodyPr rtlCol="0" anchor="ctr"/>
+          <a:lstStyle/>
+          <a:p>
+            <a:pPr algn="ctr"/>
+            <a:r>
+              <a:rPr lang="en-US" sz="3200" dirty="0">
+                <a:solidFill>
+                  <a:schemeClr val="tx1"/>
+                </a:solidFill>
+              </a:rPr>
+              <a:t>&lt;div class=“</a:t>
+            </a:r>
+            <a:r>
+              <a:rPr lang="en-US" sz="3200" b="1" dirty="0">
+                <a:solidFill>
+                  <a:schemeClr val="tx1"/>
+                </a:solidFill>
+              </a:rPr>
+              <a:t>pb-5</a:t>
+            </a:r>
+            <a:r>
+              <a:rPr lang="en-US" sz="3200" dirty="0">
+                <a:solidFill>
+                  <a:schemeClr val="tx1"/>
+                </a:solidFill>
+              </a:rPr>
+              <a:t>”&gt;</a:t>
+            </a:r>
+          </a:p>
+          <a:p>
+            <a:pPr algn="ctr"/>
+            <a:r>
+              <a:rPr lang="en-US" sz="3200" dirty="0">
+                <a:solidFill>
+                  <a:schemeClr val="tx1"/>
+                </a:solidFill>
+              </a:rPr>
+              <a:t>&lt;/div&gt;</a:t>
+            </a:r>
+          </a:p>
+        </p:txBody>
+      </p:sp>
+      <p:sp>
+        <p:nvSpPr>
+          <p:cNvPr id="4" name="Rectangle 3">
+            <a:extLst>
+              <a:ext uri="{FF2B5EF4-FFF2-40B4-BE49-F238E27FC236}">
+                <a16:creationId xmlns:a16="http://schemas.microsoft.com/office/drawing/2014/main" id="{0456CF99-1884-4DE6-9F76-B4A981965D37}"/>
+              </a:ext>
+            </a:extLst>
+          </p:cNvPr>
+          <p:cNvSpPr/>
+          <p:nvPr/>
+        </p:nvSpPr>
+        <p:spPr>
+          <a:xfrm>
+            <a:off x="3214255" y="2438399"/>
+            <a:ext cx="6082145" cy="3893128"/>
+          </a:xfrm>
+          <a:prstGeom prst="rect">
+            <a:avLst/>
+          </a:prstGeom>
+          <a:noFill/>
+          <a:ln>
+            <a:prstDash val="dash"/>
+          </a:ln>
+        </p:spPr>
+        <p:style>
+          <a:lnRef idx="2">
+            <a:schemeClr val="accent1">
+              <a:shade val="50000"/>
+            </a:schemeClr>
+          </a:lnRef>
+          <a:fillRef idx="1">
+            <a:schemeClr val="accent1"/>
+          </a:fillRef>
+          <a:effectRef idx="0">
+            <a:schemeClr val="accent1"/>
+          </a:effectRef>
+          <a:fontRef idx="minor">
+            <a:schemeClr val="lt1"/>
+          </a:fontRef>
+        </p:style>
+        <p:txBody>
+          <a:bodyPr rtlCol="0" anchor="ctr"/>
+          <a:lstStyle/>
+          <a:p>
+            <a:pPr algn="ctr"/>
+            <a:endParaRPr lang="en-US" sz="3200" dirty="0">
+              <a:solidFill>
+                <a:schemeClr val="tx1"/>
+              </a:solidFill>
+            </a:endParaRPr>
+          </a:p>
+        </p:txBody>
+      </p:sp>
+    </p:spTree>
+    <p:extLst>
+      <p:ext uri="{BB962C8B-B14F-4D97-AF65-F5344CB8AC3E}">
+        <p14:creationId xmlns:p14="http://schemas.microsoft.com/office/powerpoint/2010/main" val="4282030919"/>
+      </p:ext>
+    </p:extLst>
+  </p:cSld>
+  <p:clrMapOvr>
+    <a:masterClrMapping/>
+  </p:clrMapOvr>
+</p:sld>
+</file>
+
+<file path=ppt/slides/slide14.xml><?xml version="1.0" encoding="utf-8"?>
+<p:sld xmlns:a="http://schemas.openxmlformats.org/drawingml/2006/main" xmlns:r="http://schemas.openxmlformats.org/officeDocument/2006/relationships" xmlns:p="http://schemas.openxmlformats.org/presentationml/2006/main">
+  <p:cSld>
+    <p:spTree>
+      <p:nvGrpSpPr>
+        <p:cNvPr id="1" name=""/>
+        <p:cNvGrpSpPr/>
+        <p:nvPr/>
+      </p:nvGrpSpPr>
+      <p:grpSpPr>
+        <a:xfrm>
+          <a:off x="0" y="0"/>
+          <a:ext cx="0" cy="0"/>
+          <a:chOff x="0" y="0"/>
+          <a:chExt cx="0" cy="0"/>
+        </a:xfrm>
+      </p:grpSpPr>
+      <p:sp>
+        <p:nvSpPr>
+          <p:cNvPr id="2" name="Title 1">
+            <a:extLst>
+              <a:ext uri="{FF2B5EF4-FFF2-40B4-BE49-F238E27FC236}">
+                <a16:creationId xmlns:a16="http://schemas.microsoft.com/office/drawing/2014/main" id="{8AB3EBC1-B05F-4776-B1BC-36D6374403F6}"/>
+              </a:ext>
+            </a:extLst>
+          </p:cNvPr>
+          <p:cNvSpPr>
+            <a:spLocks noGrp="1"/>
+          </p:cNvSpPr>
+          <p:nvPr>
+            <p:ph type="title"/>
+          </p:nvPr>
+        </p:nvSpPr>
+        <p:spPr/>
+        <p:txBody>
+          <a:bodyPr/>
+          <a:lstStyle/>
+          <a:p>
+            <a:r>
+              <a:rPr lang="en-US" dirty="0"/>
+              <a:t>Box Model Helpers</a:t>
+            </a:r>
+          </a:p>
+        </p:txBody>
+      </p:sp>
+      <p:sp>
+        <p:nvSpPr>
+          <p:cNvPr id="24" name="Rectangle 23">
+            <a:extLst>
+              <a:ext uri="{FF2B5EF4-FFF2-40B4-BE49-F238E27FC236}">
+                <a16:creationId xmlns:a16="http://schemas.microsoft.com/office/drawing/2014/main" id="{8FBDD923-8243-44D8-8353-F3B3930BA6DD}"/>
+              </a:ext>
+            </a:extLst>
+          </p:cNvPr>
+          <p:cNvSpPr/>
+          <p:nvPr/>
+        </p:nvSpPr>
+        <p:spPr>
+          <a:xfrm>
+            <a:off x="1330034" y="2438399"/>
+            <a:ext cx="3574475" cy="3602183"/>
+          </a:xfrm>
+          <a:prstGeom prst="rect">
+            <a:avLst/>
+          </a:prstGeom>
+          <a:solidFill>
+            <a:schemeClr val="bg1"/>
+          </a:solidFill>
+        </p:spPr>
+        <p:style>
+          <a:lnRef idx="2">
+            <a:schemeClr val="accent1">
+              <a:shade val="50000"/>
+            </a:schemeClr>
+          </a:lnRef>
+          <a:fillRef idx="1">
+            <a:schemeClr val="accent1"/>
+          </a:fillRef>
+          <a:effectRef idx="0">
+            <a:schemeClr val="accent1"/>
+          </a:effectRef>
+          <a:fontRef idx="minor">
+            <a:schemeClr val="lt1"/>
+          </a:fontRef>
+        </p:style>
+        <p:txBody>
+          <a:bodyPr rtlCol="0" anchor="ctr"/>
+          <a:lstStyle/>
+          <a:p>
+            <a:pPr algn="ctr"/>
+            <a:r>
+              <a:rPr lang="en-US" sz="3200" dirty="0">
+                <a:solidFill>
+                  <a:schemeClr val="tx1"/>
+                </a:solidFill>
+              </a:rPr>
+              <a:t>&lt;div class=“</a:t>
+            </a:r>
+            <a:r>
+              <a:rPr lang="en-US" sz="3200" b="1" dirty="0">
+                <a:solidFill>
+                  <a:schemeClr val="tx1"/>
+                </a:solidFill>
+              </a:rPr>
+              <a:t>pl-5</a:t>
+            </a:r>
+            <a:r>
+              <a:rPr lang="en-US" sz="3200" dirty="0">
+                <a:solidFill>
+                  <a:schemeClr val="tx1"/>
+                </a:solidFill>
+              </a:rPr>
+              <a:t>”&gt;</a:t>
+            </a:r>
+          </a:p>
+          <a:p>
+            <a:pPr algn="ctr"/>
+            <a:r>
+              <a:rPr lang="en-US" sz="3200" dirty="0">
+                <a:solidFill>
+                  <a:schemeClr val="tx1"/>
+                </a:solidFill>
+              </a:rPr>
+              <a:t>&lt;/div&gt;</a:t>
+            </a:r>
+          </a:p>
+        </p:txBody>
+      </p:sp>
+      <p:sp>
+        <p:nvSpPr>
+          <p:cNvPr id="4" name="Rectangle 3">
+            <a:extLst>
+              <a:ext uri="{FF2B5EF4-FFF2-40B4-BE49-F238E27FC236}">
+                <a16:creationId xmlns:a16="http://schemas.microsoft.com/office/drawing/2014/main" id="{0456CF99-1884-4DE6-9F76-B4A981965D37}"/>
+              </a:ext>
+            </a:extLst>
+          </p:cNvPr>
+          <p:cNvSpPr/>
+          <p:nvPr/>
+        </p:nvSpPr>
+        <p:spPr>
+          <a:xfrm>
+            <a:off x="838200" y="2438399"/>
+            <a:ext cx="4066309" cy="3602183"/>
+          </a:xfrm>
+          <a:prstGeom prst="rect">
+            <a:avLst/>
+          </a:prstGeom>
+          <a:noFill/>
+          <a:ln>
+            <a:prstDash val="dash"/>
+          </a:ln>
+        </p:spPr>
+        <p:style>
+          <a:lnRef idx="2">
+            <a:schemeClr val="accent1">
+              <a:shade val="50000"/>
+            </a:schemeClr>
+          </a:lnRef>
+          <a:fillRef idx="1">
+            <a:schemeClr val="accent1"/>
+          </a:fillRef>
+          <a:effectRef idx="0">
+            <a:schemeClr val="accent1"/>
+          </a:effectRef>
+          <a:fontRef idx="minor">
+            <a:schemeClr val="lt1"/>
+          </a:fontRef>
+        </p:style>
+        <p:txBody>
+          <a:bodyPr rtlCol="0" anchor="ctr"/>
+          <a:lstStyle/>
+          <a:p>
+            <a:pPr algn="ctr"/>
+            <a:endParaRPr lang="en-US" sz="3200" dirty="0">
+              <a:solidFill>
+                <a:schemeClr val="tx1"/>
+              </a:solidFill>
+            </a:endParaRPr>
+          </a:p>
+        </p:txBody>
+      </p:sp>
+      <p:sp>
+        <p:nvSpPr>
+          <p:cNvPr id="7" name="Rectangle 6">
+            <a:extLst>
+              <a:ext uri="{FF2B5EF4-FFF2-40B4-BE49-F238E27FC236}">
+                <a16:creationId xmlns:a16="http://schemas.microsoft.com/office/drawing/2014/main" id="{E9F08396-4362-4F6A-9720-B9D1DFAE0772}"/>
+              </a:ext>
+            </a:extLst>
+          </p:cNvPr>
+          <p:cNvSpPr/>
+          <p:nvPr/>
+        </p:nvSpPr>
+        <p:spPr>
+          <a:xfrm>
+            <a:off x="7287491" y="2438399"/>
+            <a:ext cx="3574475" cy="3602183"/>
+          </a:xfrm>
+          <a:prstGeom prst="rect">
+            <a:avLst/>
+          </a:prstGeom>
+          <a:solidFill>
+            <a:schemeClr val="bg1"/>
+          </a:solidFill>
+        </p:spPr>
+        <p:style>
+          <a:lnRef idx="2">
+            <a:schemeClr val="accent1">
+              <a:shade val="50000"/>
+            </a:schemeClr>
+          </a:lnRef>
+          <a:fillRef idx="1">
+            <a:schemeClr val="accent1"/>
+          </a:fillRef>
+          <a:effectRef idx="0">
+            <a:schemeClr val="accent1"/>
+          </a:effectRef>
+          <a:fontRef idx="minor">
+            <a:schemeClr val="lt1"/>
+          </a:fontRef>
+        </p:style>
+        <p:txBody>
+          <a:bodyPr rtlCol="0" anchor="ctr"/>
+          <a:lstStyle/>
+          <a:p>
+            <a:pPr algn="ctr"/>
+            <a:r>
+              <a:rPr lang="en-US" sz="3200" dirty="0">
+                <a:solidFill>
+                  <a:schemeClr val="tx1"/>
+                </a:solidFill>
+              </a:rPr>
+              <a:t>&lt;div class=“</a:t>
+            </a:r>
+            <a:r>
+              <a:rPr lang="en-US" sz="3200" b="1" dirty="0">
+                <a:solidFill>
+                  <a:schemeClr val="tx1"/>
+                </a:solidFill>
+              </a:rPr>
+              <a:t>pr-5</a:t>
+            </a:r>
+            <a:r>
+              <a:rPr lang="en-US" sz="3200" dirty="0">
+                <a:solidFill>
+                  <a:schemeClr val="tx1"/>
+                </a:solidFill>
+              </a:rPr>
+              <a:t>”&gt;</a:t>
+            </a:r>
+          </a:p>
+          <a:p>
+            <a:pPr algn="ctr"/>
+            <a:r>
+              <a:rPr lang="en-US" sz="3200" dirty="0">
+                <a:solidFill>
+                  <a:schemeClr val="tx1"/>
+                </a:solidFill>
+              </a:rPr>
+              <a:t>&lt;/div&gt;</a:t>
+            </a:r>
+          </a:p>
+        </p:txBody>
+      </p:sp>
+      <p:sp>
+        <p:nvSpPr>
+          <p:cNvPr id="8" name="Rectangle 7">
+            <a:extLst>
+              <a:ext uri="{FF2B5EF4-FFF2-40B4-BE49-F238E27FC236}">
+                <a16:creationId xmlns:a16="http://schemas.microsoft.com/office/drawing/2014/main" id="{C11056BE-8831-48D5-8F88-5634629B3E8E}"/>
+              </a:ext>
+            </a:extLst>
+          </p:cNvPr>
+          <p:cNvSpPr/>
+          <p:nvPr/>
+        </p:nvSpPr>
+        <p:spPr>
+          <a:xfrm>
+            <a:off x="7287491" y="2438399"/>
+            <a:ext cx="4066309" cy="3602183"/>
+          </a:xfrm>
+          <a:prstGeom prst="rect">
+            <a:avLst/>
+          </a:prstGeom>
+          <a:noFill/>
+          <a:ln>
+            <a:prstDash val="dash"/>
+          </a:ln>
+        </p:spPr>
+        <p:style>
+          <a:lnRef idx="2">
+            <a:schemeClr val="accent1">
+              <a:shade val="50000"/>
+            </a:schemeClr>
+          </a:lnRef>
+          <a:fillRef idx="1">
+            <a:schemeClr val="accent1"/>
+          </a:fillRef>
+          <a:effectRef idx="0">
+            <a:schemeClr val="accent1"/>
+          </a:effectRef>
+          <a:fontRef idx="minor">
+            <a:schemeClr val="lt1"/>
+          </a:fontRef>
+        </p:style>
+        <p:txBody>
+          <a:bodyPr rtlCol="0" anchor="ctr"/>
+          <a:lstStyle/>
+          <a:p>
+            <a:pPr algn="ctr"/>
+            <a:endParaRPr lang="en-US" sz="3200" dirty="0">
+              <a:solidFill>
+                <a:schemeClr val="tx1"/>
+              </a:solidFill>
+            </a:endParaRPr>
+          </a:p>
+        </p:txBody>
+      </p:sp>
+    </p:spTree>
+    <p:extLst>
+      <p:ext uri="{BB962C8B-B14F-4D97-AF65-F5344CB8AC3E}">
+        <p14:creationId xmlns:p14="http://schemas.microsoft.com/office/powerpoint/2010/main" val="3481698248"/>
+      </p:ext>
+    </p:extLst>
+  </p:cSld>
+  <p:clrMapOvr>
+    <a:masterClrMapping/>
+  </p:clrMapOvr>
+</p:sld>
+</file>
+
+<file path=ppt/slides/slide15.xml><?xml version="1.0" encoding="utf-8"?>
+<p:sld xmlns:a="http://schemas.openxmlformats.org/drawingml/2006/main" xmlns:r="http://schemas.openxmlformats.org/officeDocument/2006/relationships" xmlns:p="http://schemas.openxmlformats.org/presentationml/2006/main">
+  <p:cSld>
+    <p:spTree>
+      <p:nvGrpSpPr>
+        <p:cNvPr id="1" name=""/>
+        <p:cNvGrpSpPr/>
+        <p:nvPr/>
+      </p:nvGrpSpPr>
+      <p:grpSpPr>
+        <a:xfrm>
+          <a:off x="0" y="0"/>
+          <a:ext cx="0" cy="0"/>
+          <a:chOff x="0" y="0"/>
+          <a:chExt cx="0" cy="0"/>
+        </a:xfrm>
+      </p:grpSpPr>
+      <p:sp>
+        <p:nvSpPr>
+          <p:cNvPr id="2" name="Title 1">
+            <a:extLst>
+              <a:ext uri="{FF2B5EF4-FFF2-40B4-BE49-F238E27FC236}">
+                <a16:creationId xmlns:a16="http://schemas.microsoft.com/office/drawing/2014/main" id="{8AB3EBC1-B05F-4776-B1BC-36D6374403F6}"/>
+              </a:ext>
+            </a:extLst>
+          </p:cNvPr>
+          <p:cNvSpPr>
+            <a:spLocks noGrp="1"/>
+          </p:cNvSpPr>
+          <p:nvPr>
+            <p:ph type="title"/>
+          </p:nvPr>
+        </p:nvSpPr>
+        <p:spPr/>
+        <p:txBody>
+          <a:bodyPr/>
+          <a:lstStyle/>
+          <a:p>
+            <a:r>
+              <a:rPr lang="en-US" dirty="0"/>
+              <a:t>Box Model Helpers</a:t>
+            </a:r>
+          </a:p>
+        </p:txBody>
+      </p:sp>
+      <p:sp>
+        <p:nvSpPr>
+          <p:cNvPr id="24" name="Rectangle 23">
+            <a:extLst>
+              <a:ext uri="{FF2B5EF4-FFF2-40B4-BE49-F238E27FC236}">
+                <a16:creationId xmlns:a16="http://schemas.microsoft.com/office/drawing/2014/main" id="{8FBDD923-8243-44D8-8353-F3B3930BA6DD}"/>
+              </a:ext>
+            </a:extLst>
+          </p:cNvPr>
+          <p:cNvSpPr/>
+          <p:nvPr/>
+        </p:nvSpPr>
+        <p:spPr>
+          <a:xfrm>
+            <a:off x="3214255" y="2438399"/>
+            <a:ext cx="6082145" cy="3602183"/>
+          </a:xfrm>
+          <a:prstGeom prst="rect">
+            <a:avLst/>
+          </a:prstGeom>
+          <a:solidFill>
+            <a:schemeClr val="bg1"/>
+          </a:solidFill>
+        </p:spPr>
+        <p:style>
+          <a:lnRef idx="2">
+            <a:schemeClr val="accent1">
+              <a:shade val="50000"/>
+            </a:schemeClr>
+          </a:lnRef>
+          <a:fillRef idx="1">
+            <a:schemeClr val="accent1"/>
+          </a:fillRef>
+          <a:effectRef idx="0">
+            <a:schemeClr val="accent1"/>
+          </a:effectRef>
+          <a:fontRef idx="minor">
+            <a:schemeClr val="lt1"/>
+          </a:fontRef>
+        </p:style>
+        <p:txBody>
+          <a:bodyPr rtlCol="0" anchor="ctr"/>
+          <a:lstStyle/>
+          <a:p>
+            <a:pPr algn="ctr"/>
+            <a:r>
+              <a:rPr lang="en-US" sz="3200" dirty="0">
+                <a:solidFill>
+                  <a:schemeClr val="tx1"/>
+                </a:solidFill>
+              </a:rPr>
+              <a:t>&lt;div class=“</a:t>
+            </a:r>
+            <a:r>
+              <a:rPr lang="en-US" sz="3200" b="1" dirty="0">
+                <a:solidFill>
+                  <a:schemeClr val="tx1"/>
+                </a:solidFill>
+              </a:rPr>
+              <a:t>px-5</a:t>
+            </a:r>
+            <a:r>
+              <a:rPr lang="en-US" sz="3200" dirty="0">
+                <a:solidFill>
+                  <a:schemeClr val="tx1"/>
+                </a:solidFill>
+              </a:rPr>
+              <a:t>”&gt;</a:t>
+            </a:r>
+          </a:p>
+          <a:p>
+            <a:pPr algn="ctr"/>
+            <a:r>
+              <a:rPr lang="en-US" sz="3200" dirty="0">
+                <a:solidFill>
+                  <a:schemeClr val="tx1"/>
+                </a:solidFill>
+              </a:rPr>
+              <a:t>&lt;/div&gt;</a:t>
+            </a:r>
+          </a:p>
+        </p:txBody>
+      </p:sp>
+      <p:sp>
+        <p:nvSpPr>
+          <p:cNvPr id="4" name="Rectangle 3">
+            <a:extLst>
+              <a:ext uri="{FF2B5EF4-FFF2-40B4-BE49-F238E27FC236}">
+                <a16:creationId xmlns:a16="http://schemas.microsoft.com/office/drawing/2014/main" id="{0456CF99-1884-4DE6-9F76-B4A981965D37}"/>
+              </a:ext>
+            </a:extLst>
+          </p:cNvPr>
+          <p:cNvSpPr/>
+          <p:nvPr/>
+        </p:nvSpPr>
+        <p:spPr>
+          <a:xfrm>
+            <a:off x="2895600" y="2438399"/>
+            <a:ext cx="6677891" cy="3602183"/>
+          </a:xfrm>
+          <a:prstGeom prst="rect">
+            <a:avLst/>
+          </a:prstGeom>
+          <a:noFill/>
+          <a:ln>
+            <a:prstDash val="dash"/>
+          </a:ln>
+        </p:spPr>
+        <p:style>
+          <a:lnRef idx="2">
+            <a:schemeClr val="accent1">
+              <a:shade val="50000"/>
+            </a:schemeClr>
+          </a:lnRef>
+          <a:fillRef idx="1">
+            <a:schemeClr val="accent1"/>
+          </a:fillRef>
+          <a:effectRef idx="0">
+            <a:schemeClr val="accent1"/>
+          </a:effectRef>
+          <a:fontRef idx="minor">
+            <a:schemeClr val="lt1"/>
+          </a:fontRef>
+        </p:style>
+        <p:txBody>
+          <a:bodyPr rtlCol="0" anchor="ctr"/>
+          <a:lstStyle/>
+          <a:p>
+            <a:pPr algn="ctr"/>
+            <a:endParaRPr lang="en-US" sz="3200" dirty="0">
+              <a:solidFill>
+                <a:schemeClr val="tx1"/>
+              </a:solidFill>
+            </a:endParaRPr>
+          </a:p>
+        </p:txBody>
+      </p:sp>
+    </p:spTree>
+    <p:extLst>
+      <p:ext uri="{BB962C8B-B14F-4D97-AF65-F5344CB8AC3E}">
+        <p14:creationId xmlns:p14="http://schemas.microsoft.com/office/powerpoint/2010/main" val="1203821642"/>
+      </p:ext>
+    </p:extLst>
+  </p:cSld>
+  <p:clrMapOvr>
+    <a:masterClrMapping/>
+  </p:clrMapOvr>
+</p:sld>
+</file>
+
+<file path=ppt/slides/slide16.xml><?xml version="1.0" encoding="utf-8"?>
+<p:sld xmlns:a="http://schemas.openxmlformats.org/drawingml/2006/main" xmlns:r="http://schemas.openxmlformats.org/officeDocument/2006/relationships" xmlns:p="http://schemas.openxmlformats.org/presentationml/2006/main">
+  <p:cSld>
+    <p:spTree>
+      <p:nvGrpSpPr>
+        <p:cNvPr id="1" name=""/>
+        <p:cNvGrpSpPr/>
+        <p:nvPr/>
+      </p:nvGrpSpPr>
+      <p:grpSpPr>
+        <a:xfrm>
+          <a:off x="0" y="0"/>
+          <a:ext cx="0" cy="0"/>
+          <a:chOff x="0" y="0"/>
+          <a:chExt cx="0" cy="0"/>
+        </a:xfrm>
+      </p:grpSpPr>
+      <p:sp>
+        <p:nvSpPr>
+          <p:cNvPr id="2" name="Title 1">
+            <a:extLst>
+              <a:ext uri="{FF2B5EF4-FFF2-40B4-BE49-F238E27FC236}">
+                <a16:creationId xmlns:a16="http://schemas.microsoft.com/office/drawing/2014/main" id="{8AB3EBC1-B05F-4776-B1BC-36D6374403F6}"/>
+              </a:ext>
+            </a:extLst>
+          </p:cNvPr>
+          <p:cNvSpPr>
+            <a:spLocks noGrp="1"/>
+          </p:cNvSpPr>
+          <p:nvPr>
+            <p:ph type="title"/>
+          </p:nvPr>
+        </p:nvSpPr>
+        <p:spPr/>
+        <p:txBody>
+          <a:bodyPr/>
+          <a:lstStyle/>
+          <a:p>
+            <a:r>
+              <a:rPr lang="en-US" dirty="0"/>
+              <a:t>Box Model Helpers</a:t>
+            </a:r>
+          </a:p>
+        </p:txBody>
+      </p:sp>
+      <p:sp>
+        <p:nvSpPr>
+          <p:cNvPr id="24" name="Rectangle 23">
+            <a:extLst>
+              <a:ext uri="{FF2B5EF4-FFF2-40B4-BE49-F238E27FC236}">
+                <a16:creationId xmlns:a16="http://schemas.microsoft.com/office/drawing/2014/main" id="{8FBDD923-8243-44D8-8353-F3B3930BA6DD}"/>
+              </a:ext>
+            </a:extLst>
+          </p:cNvPr>
+          <p:cNvSpPr/>
+          <p:nvPr/>
+        </p:nvSpPr>
+        <p:spPr>
+          <a:xfrm>
+            <a:off x="3214255" y="2438399"/>
+            <a:ext cx="6082145" cy="3602183"/>
+          </a:xfrm>
+          <a:prstGeom prst="rect">
+            <a:avLst/>
+          </a:prstGeom>
+          <a:solidFill>
+            <a:schemeClr val="bg1"/>
+          </a:solidFill>
+        </p:spPr>
+        <p:style>
+          <a:lnRef idx="2">
+            <a:schemeClr val="accent1">
+              <a:shade val="50000"/>
+            </a:schemeClr>
+          </a:lnRef>
+          <a:fillRef idx="1">
+            <a:schemeClr val="accent1"/>
+          </a:fillRef>
+          <a:effectRef idx="0">
+            <a:schemeClr val="accent1"/>
+          </a:effectRef>
+          <a:fontRef idx="minor">
+            <a:schemeClr val="lt1"/>
+          </a:fontRef>
+        </p:style>
+        <p:txBody>
+          <a:bodyPr rtlCol="0" anchor="ctr"/>
+          <a:lstStyle/>
+          <a:p>
+            <a:pPr algn="ctr"/>
+            <a:r>
+              <a:rPr lang="en-US" sz="3200" dirty="0">
+                <a:solidFill>
+                  <a:schemeClr val="tx1"/>
+                </a:solidFill>
+              </a:rPr>
+              <a:t>&lt;div class=“</a:t>
+            </a:r>
+            <a:r>
+              <a:rPr lang="en-US" sz="3200" b="1" dirty="0">
+                <a:solidFill>
+                  <a:schemeClr val="tx1"/>
+                </a:solidFill>
+              </a:rPr>
+              <a:t>py-5</a:t>
+            </a:r>
+            <a:r>
+              <a:rPr lang="en-US" sz="3200" dirty="0">
+                <a:solidFill>
+                  <a:schemeClr val="tx1"/>
+                </a:solidFill>
+              </a:rPr>
+              <a:t>”&gt;</a:t>
+            </a:r>
+          </a:p>
+          <a:p>
+            <a:pPr algn="ctr"/>
+            <a:r>
+              <a:rPr lang="en-US" sz="3200" dirty="0">
+                <a:solidFill>
+                  <a:schemeClr val="tx1"/>
+                </a:solidFill>
+              </a:rPr>
+              <a:t>&lt;/div&gt;</a:t>
+            </a:r>
+          </a:p>
+        </p:txBody>
+      </p:sp>
+      <p:sp>
+        <p:nvSpPr>
+          <p:cNvPr id="4" name="Rectangle 3">
+            <a:extLst>
+              <a:ext uri="{FF2B5EF4-FFF2-40B4-BE49-F238E27FC236}">
+                <a16:creationId xmlns:a16="http://schemas.microsoft.com/office/drawing/2014/main" id="{0456CF99-1884-4DE6-9F76-B4A981965D37}"/>
+              </a:ext>
+            </a:extLst>
+          </p:cNvPr>
+          <p:cNvSpPr/>
+          <p:nvPr/>
+        </p:nvSpPr>
+        <p:spPr>
+          <a:xfrm>
+            <a:off x="3214255" y="2133600"/>
+            <a:ext cx="6082145" cy="4197927"/>
+          </a:xfrm>
+          <a:prstGeom prst="rect">
+            <a:avLst/>
+          </a:prstGeom>
+          <a:noFill/>
+          <a:ln>
+            <a:prstDash val="dash"/>
+          </a:ln>
+        </p:spPr>
+        <p:style>
+          <a:lnRef idx="2">
+            <a:schemeClr val="accent1">
+              <a:shade val="50000"/>
+            </a:schemeClr>
+          </a:lnRef>
+          <a:fillRef idx="1">
+            <a:schemeClr val="accent1"/>
+          </a:fillRef>
+          <a:effectRef idx="0">
+            <a:schemeClr val="accent1"/>
+          </a:effectRef>
+          <a:fontRef idx="minor">
+            <a:schemeClr val="lt1"/>
+          </a:fontRef>
+        </p:style>
+        <p:txBody>
+          <a:bodyPr rtlCol="0" anchor="ctr"/>
+          <a:lstStyle/>
+          <a:p>
+            <a:pPr algn="ctr"/>
+            <a:endParaRPr lang="en-US" sz="3200" dirty="0">
+              <a:solidFill>
+                <a:schemeClr val="tx1"/>
+              </a:solidFill>
+            </a:endParaRPr>
+          </a:p>
+        </p:txBody>
+      </p:sp>
+    </p:spTree>
+    <p:extLst>
+      <p:ext uri="{BB962C8B-B14F-4D97-AF65-F5344CB8AC3E}">
+        <p14:creationId xmlns:p14="http://schemas.microsoft.com/office/powerpoint/2010/main" val="1715847"/>
+      </p:ext>
+    </p:extLst>
+  </p:cSld>
+  <p:clrMapOvr>
+    <a:masterClrMapping/>
+  </p:clrMapOvr>
+</p:sld>
+</file>
+
+<file path=ppt/slides/slide17.xml><?xml version="1.0" encoding="utf-8"?>
+<p:sld xmlns:a="http://schemas.openxmlformats.org/drawingml/2006/main" xmlns:r="http://schemas.openxmlformats.org/officeDocument/2006/relationships" xmlns:p="http://schemas.openxmlformats.org/presentationml/2006/main">
+  <p:cSld>
+    <p:spTree>
+      <p:nvGrpSpPr>
+        <p:cNvPr id="1" name=""/>
+        <p:cNvGrpSpPr/>
+        <p:nvPr/>
+      </p:nvGrpSpPr>
+      <p:grpSpPr>
+        <a:xfrm>
+          <a:off x="0" y="0"/>
+          <a:ext cx="0" cy="0"/>
+          <a:chOff x="0" y="0"/>
+          <a:chExt cx="0" cy="0"/>
+        </a:xfrm>
+      </p:grpSpPr>
+      <p:sp>
+        <p:nvSpPr>
+          <p:cNvPr id="2" name="Title 1">
+            <a:extLst>
+              <a:ext uri="{FF2B5EF4-FFF2-40B4-BE49-F238E27FC236}">
+                <a16:creationId xmlns:a16="http://schemas.microsoft.com/office/drawing/2014/main" id="{8AB3EBC1-B05F-4776-B1BC-36D6374403F6}"/>
+              </a:ext>
+            </a:extLst>
+          </p:cNvPr>
+          <p:cNvSpPr>
+            <a:spLocks noGrp="1"/>
+          </p:cNvSpPr>
+          <p:nvPr>
+            <p:ph type="title"/>
+          </p:nvPr>
+        </p:nvSpPr>
+        <p:spPr/>
+        <p:txBody>
+          <a:bodyPr/>
+          <a:lstStyle/>
+          <a:p>
+            <a:r>
+              <a:rPr lang="en-US" dirty="0"/>
+              <a:t>Box Model Helpers</a:t>
+            </a:r>
+          </a:p>
+        </p:txBody>
+      </p:sp>
+      <p:sp>
+        <p:nvSpPr>
+          <p:cNvPr id="24" name="Rectangle 23">
+            <a:extLst>
+              <a:ext uri="{FF2B5EF4-FFF2-40B4-BE49-F238E27FC236}">
+                <a16:creationId xmlns:a16="http://schemas.microsoft.com/office/drawing/2014/main" id="{8FBDD923-8243-44D8-8353-F3B3930BA6DD}"/>
+              </a:ext>
+            </a:extLst>
+          </p:cNvPr>
+          <p:cNvSpPr/>
+          <p:nvPr/>
+        </p:nvSpPr>
+        <p:spPr>
+          <a:xfrm>
+            <a:off x="3214255" y="2438399"/>
+            <a:ext cx="6082145" cy="3602183"/>
+          </a:xfrm>
+          <a:prstGeom prst="rect">
+            <a:avLst/>
+          </a:prstGeom>
+          <a:solidFill>
+            <a:schemeClr val="bg1"/>
+          </a:solidFill>
+        </p:spPr>
+        <p:style>
+          <a:lnRef idx="2">
+            <a:schemeClr val="accent1">
+              <a:shade val="50000"/>
+            </a:schemeClr>
+          </a:lnRef>
+          <a:fillRef idx="1">
+            <a:schemeClr val="accent1"/>
+          </a:fillRef>
+          <a:effectRef idx="0">
+            <a:schemeClr val="accent1"/>
+          </a:effectRef>
+          <a:fontRef idx="minor">
+            <a:schemeClr val="lt1"/>
+          </a:fontRef>
+        </p:style>
+        <p:txBody>
+          <a:bodyPr rtlCol="0" anchor="ctr"/>
+          <a:lstStyle/>
+          <a:p>
+            <a:pPr algn="ctr"/>
+            <a:r>
+              <a:rPr lang="en-US" sz="3200" dirty="0">
+                <a:solidFill>
+                  <a:schemeClr val="tx1"/>
+                </a:solidFill>
+              </a:rPr>
+              <a:t>&lt;div class=“</a:t>
+            </a:r>
+            <a:r>
+              <a:rPr lang="en-US" sz="3200" b="1" dirty="0">
+                <a:solidFill>
+                  <a:schemeClr val="tx1"/>
+                </a:solidFill>
+              </a:rPr>
+              <a:t>m-5</a:t>
+            </a:r>
+            <a:r>
+              <a:rPr lang="en-US" sz="3200" dirty="0">
+                <a:solidFill>
+                  <a:schemeClr val="tx1"/>
+                </a:solidFill>
+              </a:rPr>
+              <a:t>”&gt;</a:t>
+            </a:r>
+          </a:p>
+          <a:p>
+            <a:pPr algn="ctr"/>
+            <a:r>
+              <a:rPr lang="en-US" sz="3200" dirty="0">
+                <a:solidFill>
+                  <a:schemeClr val="tx1"/>
+                </a:solidFill>
+              </a:rPr>
+              <a:t>&lt;/div&gt;</a:t>
+            </a:r>
+          </a:p>
+        </p:txBody>
+      </p:sp>
+      <p:sp>
+        <p:nvSpPr>
+          <p:cNvPr id="4" name="Rectangle 3">
+            <a:extLst>
+              <a:ext uri="{FF2B5EF4-FFF2-40B4-BE49-F238E27FC236}">
+                <a16:creationId xmlns:a16="http://schemas.microsoft.com/office/drawing/2014/main" id="{0456CF99-1884-4DE6-9F76-B4A981965D37}"/>
+              </a:ext>
+            </a:extLst>
+          </p:cNvPr>
+          <p:cNvSpPr/>
+          <p:nvPr/>
+        </p:nvSpPr>
+        <p:spPr>
+          <a:xfrm>
+            <a:off x="2895600" y="2133600"/>
+            <a:ext cx="6677891" cy="4197927"/>
+          </a:xfrm>
+          <a:prstGeom prst="rect">
+            <a:avLst/>
+          </a:prstGeom>
+          <a:noFill/>
+          <a:ln>
+            <a:prstDash val="lgDash"/>
+          </a:ln>
+        </p:spPr>
+        <p:style>
+          <a:lnRef idx="2">
+            <a:schemeClr val="accent1">
+              <a:shade val="50000"/>
+            </a:schemeClr>
+          </a:lnRef>
+          <a:fillRef idx="1">
+            <a:schemeClr val="accent1"/>
+          </a:fillRef>
+          <a:effectRef idx="0">
+            <a:schemeClr val="accent1"/>
+          </a:effectRef>
+          <a:fontRef idx="minor">
+            <a:schemeClr val="lt1"/>
+          </a:fontRef>
+        </p:style>
+        <p:txBody>
+          <a:bodyPr rtlCol="0" anchor="ctr"/>
+          <a:lstStyle/>
+          <a:p>
+            <a:pPr algn="ctr"/>
+            <a:endParaRPr lang="en-US" sz="3200" dirty="0">
+              <a:solidFill>
+                <a:schemeClr val="tx1"/>
+              </a:solidFill>
+            </a:endParaRPr>
+          </a:p>
+        </p:txBody>
+      </p:sp>
+    </p:spTree>
+    <p:extLst>
+      <p:ext uri="{BB962C8B-B14F-4D97-AF65-F5344CB8AC3E}">
+        <p14:creationId xmlns:p14="http://schemas.microsoft.com/office/powerpoint/2010/main" val="3543082722"/>
+      </p:ext>
+    </p:extLst>
+  </p:cSld>
+  <p:clrMapOvr>
+    <a:masterClrMapping/>
+  </p:clrMapOvr>
+</p:sld>
+</file>
+
+<file path=ppt/slides/slide18.xml><?xml version="1.0" encoding="utf-8"?>
+<p:sld xmlns:a="http://schemas.openxmlformats.org/drawingml/2006/main" xmlns:r="http://schemas.openxmlformats.org/officeDocument/2006/relationships" xmlns:p="http://schemas.openxmlformats.org/presentationml/2006/main">
+  <p:cSld>
+    <p:spTree>
+      <p:nvGrpSpPr>
+        <p:cNvPr id="1" name=""/>
+        <p:cNvGrpSpPr/>
+        <p:nvPr/>
+      </p:nvGrpSpPr>
+      <p:grpSpPr>
+        <a:xfrm>
+          <a:off x="0" y="0"/>
+          <a:ext cx="0" cy="0"/>
+          <a:chOff x="0" y="0"/>
+          <a:chExt cx="0" cy="0"/>
+        </a:xfrm>
+      </p:grpSpPr>
+      <p:sp>
+        <p:nvSpPr>
+          <p:cNvPr id="2" name="Title 1">
+            <a:extLst>
+              <a:ext uri="{FF2B5EF4-FFF2-40B4-BE49-F238E27FC236}">
+                <a16:creationId xmlns:a16="http://schemas.microsoft.com/office/drawing/2014/main" id="{2C8FF3E7-D908-4AB0-B3EB-522DB1B3DD4F}"/>
+              </a:ext>
+            </a:extLst>
+          </p:cNvPr>
+          <p:cNvSpPr>
+            <a:spLocks noGrp="1"/>
+          </p:cNvSpPr>
+          <p:nvPr>
+            <p:ph type="title"/>
+          </p:nvPr>
+        </p:nvSpPr>
+        <p:spPr/>
+        <p:txBody>
+          <a:bodyPr/>
+          <a:lstStyle/>
+          <a:p>
+            <a:r>
+              <a:rPr lang="en-US" dirty="0"/>
+              <a:t>Widths</a:t>
+            </a:r>
+          </a:p>
+        </p:txBody>
+      </p:sp>
+      <p:pic>
+        <p:nvPicPr>
+          <p:cNvPr id="7" name="Content Placeholder 6">
+            <a:extLst>
+              <a:ext uri="{FF2B5EF4-FFF2-40B4-BE49-F238E27FC236}">
+                <a16:creationId xmlns:a16="http://schemas.microsoft.com/office/drawing/2014/main" id="{11A77F87-995F-43D4-89F7-7C83416E6626}"/>
+              </a:ext>
+            </a:extLst>
+          </p:cNvPr>
+          <p:cNvPicPr>
+            <a:picLocks noGrp="1" noChangeAspect="1"/>
+          </p:cNvPicPr>
+          <p:nvPr>
+            <p:ph sz="half" idx="1"/>
+          </p:nvPr>
+        </p:nvPicPr>
+        <p:blipFill>
+          <a:blip r:embed="rId2"/>
+          <a:stretch>
+            <a:fillRect/>
+          </a:stretch>
+        </p:blipFill>
+        <p:spPr>
+          <a:xfrm>
+            <a:off x="838200" y="2702529"/>
+            <a:ext cx="5181600" cy="2597529"/>
+          </a:xfrm>
+        </p:spPr>
+      </p:pic>
+      <p:pic>
+        <p:nvPicPr>
+          <p:cNvPr id="9" name="Content Placeholder 8">
+            <a:extLst>
+              <a:ext uri="{FF2B5EF4-FFF2-40B4-BE49-F238E27FC236}">
+                <a16:creationId xmlns:a16="http://schemas.microsoft.com/office/drawing/2014/main" id="{5A02F8E6-95F3-4577-9CF9-69AEA6053450}"/>
+              </a:ext>
+            </a:extLst>
+          </p:cNvPr>
+          <p:cNvPicPr>
+            <a:picLocks noGrp="1" noChangeAspect="1"/>
+          </p:cNvPicPr>
+          <p:nvPr>
+            <p:ph sz="half" idx="2"/>
+          </p:nvPr>
+        </p:nvPicPr>
+        <p:blipFill>
+          <a:blip r:embed="rId3"/>
+          <a:stretch>
+            <a:fillRect/>
+          </a:stretch>
+        </p:blipFill>
+        <p:spPr>
+          <a:xfrm>
+            <a:off x="6172200" y="2660174"/>
+            <a:ext cx="5181600" cy="2682240"/>
+          </a:xfrm>
+        </p:spPr>
+      </p:pic>
+    </p:spTree>
+    <p:extLst>
+      <p:ext uri="{BB962C8B-B14F-4D97-AF65-F5344CB8AC3E}">
+        <p14:creationId xmlns:p14="http://schemas.microsoft.com/office/powerpoint/2010/main" val="2538306206"/>
+      </p:ext>
+    </p:extLst>
+  </p:cSld>
+  <p:clrMapOvr>
+    <a:masterClrMapping/>
+  </p:clrMapOvr>
+</p:sld>
+</file>
+
+<file path=ppt/slides/slide19.xml><?xml version="1.0" encoding="utf-8"?>
+<p:sld xmlns:a="http://schemas.openxmlformats.org/drawingml/2006/main" xmlns:r="http://schemas.openxmlformats.org/officeDocument/2006/relationships" xmlns:p="http://schemas.openxmlformats.org/presentationml/2006/main">
+  <p:cSld>
+    <p:spTree>
+      <p:nvGrpSpPr>
+        <p:cNvPr id="1" name=""/>
+        <p:cNvGrpSpPr/>
+        <p:nvPr/>
+      </p:nvGrpSpPr>
+      <p:grpSpPr>
+        <a:xfrm>
+          <a:off x="0" y="0"/>
+          <a:ext cx="0" cy="0"/>
+          <a:chOff x="0" y="0"/>
+          <a:chExt cx="0" cy="0"/>
+        </a:xfrm>
+      </p:grpSpPr>
+      <p:sp>
+        <p:nvSpPr>
+          <p:cNvPr id="2" name="Title 1">
+            <a:extLst>
+              <a:ext uri="{FF2B5EF4-FFF2-40B4-BE49-F238E27FC236}">
+                <a16:creationId xmlns:a16="http://schemas.microsoft.com/office/drawing/2014/main" id="{BBE60801-9EE4-42D6-8610-C5C625F04937}"/>
+              </a:ext>
+            </a:extLst>
+          </p:cNvPr>
+          <p:cNvSpPr>
+            <a:spLocks noGrp="1"/>
+          </p:cNvSpPr>
+          <p:nvPr>
+            <p:ph type="title"/>
+          </p:nvPr>
+        </p:nvSpPr>
+        <p:spPr/>
+        <p:txBody>
+          <a:bodyPr/>
+          <a:lstStyle/>
+          <a:p>
+            <a:r>
+              <a:rPr lang="en-US" dirty="0"/>
+              <a:t>Let’s dive into some examples!</a:t>
+            </a:r>
+          </a:p>
+        </p:txBody>
+      </p:sp>
+      <p:sp>
+        <p:nvSpPr>
+          <p:cNvPr id="3" name="Text Placeholder 2">
+            <a:extLst>
+              <a:ext uri="{FF2B5EF4-FFF2-40B4-BE49-F238E27FC236}">
+                <a16:creationId xmlns:a16="http://schemas.microsoft.com/office/drawing/2014/main" id="{F3E3244F-6179-405A-AC0E-31A4221B7888}"/>
+              </a:ext>
+            </a:extLst>
+          </p:cNvPr>
+          <p:cNvSpPr>
+            <a:spLocks noGrp="1"/>
+          </p:cNvSpPr>
+          <p:nvPr>
+            <p:ph type="body" idx="1"/>
+          </p:nvPr>
+        </p:nvSpPr>
+        <p:spPr/>
+        <p:txBody>
+          <a:bodyPr/>
+          <a:lstStyle/>
+          <a:p>
+            <a:endParaRPr lang="en-US"/>
+          </a:p>
+        </p:txBody>
+      </p:sp>
+    </p:spTree>
+    <p:extLst>
+      <p:ext uri="{BB962C8B-B14F-4D97-AF65-F5344CB8AC3E}">
+        <p14:creationId xmlns:p14="http://schemas.microsoft.com/office/powerpoint/2010/main" val="4037618782"/>
+      </p:ext>
+    </p:extLst>
+  </p:cSld>
+  <p:clrMapOvr>
+    <a:masterClrMapping/>
+  </p:clrMapOvr>
+</p:sld>
+</file>
+
 <file path=ppt/slides/slide2.xml><?xml version="1.0" encoding="utf-8"?>
 <p:sld xmlns:a="http://schemas.openxmlformats.org/drawingml/2006/main" xmlns:r="http://schemas.openxmlformats.org/officeDocument/2006/relationships" xmlns:p="http://schemas.openxmlformats.org/presentationml/2006/main">
   <p:cSld>
@@ -3933,6 +5859,998 @@
     <p:extLst>
       <p:ext uri="{BB962C8B-B14F-4D97-AF65-F5344CB8AC3E}">
         <p14:creationId xmlns:p14="http://schemas.microsoft.com/office/powerpoint/2010/main" val="2334082048"/>
+      </p:ext>
+    </p:extLst>
+  </p:cSld>
+  <p:clrMapOvr>
+    <a:masterClrMapping/>
+  </p:clrMapOvr>
+</p:sld>
+</file>
+
+<file path=ppt/slides/slide20.xml><?xml version="1.0" encoding="utf-8"?>
+<p:sld xmlns:a="http://schemas.openxmlformats.org/drawingml/2006/main" xmlns:r="http://schemas.openxmlformats.org/officeDocument/2006/relationships" xmlns:p="http://schemas.openxmlformats.org/presentationml/2006/main">
+  <p:cSld>
+    <p:spTree>
+      <p:nvGrpSpPr>
+        <p:cNvPr id="1" name=""/>
+        <p:cNvGrpSpPr/>
+        <p:nvPr/>
+      </p:nvGrpSpPr>
+      <p:grpSpPr>
+        <a:xfrm>
+          <a:off x="0" y="0"/>
+          <a:ext cx="0" cy="0"/>
+          <a:chOff x="0" y="0"/>
+          <a:chExt cx="0" cy="0"/>
+        </a:xfrm>
+      </p:grpSpPr>
+      <p:sp>
+        <p:nvSpPr>
+          <p:cNvPr id="4" name="Title 3">
+            <a:extLst>
+              <a:ext uri="{FF2B5EF4-FFF2-40B4-BE49-F238E27FC236}">
+                <a16:creationId xmlns:a16="http://schemas.microsoft.com/office/drawing/2014/main" id="{030D2A54-4DF0-4FD6-9C9D-B62503DF6D16}"/>
+              </a:ext>
+            </a:extLst>
+          </p:cNvPr>
+          <p:cNvSpPr>
+            <a:spLocks noGrp="1"/>
+          </p:cNvSpPr>
+          <p:nvPr>
+            <p:ph type="title"/>
+          </p:nvPr>
+        </p:nvSpPr>
+        <p:spPr/>
+        <p:txBody>
+          <a:bodyPr/>
+          <a:lstStyle/>
+          <a:p>
+            <a:r>
+              <a:rPr lang="en-US" dirty="0"/>
+              <a:t>Colors</a:t>
+            </a:r>
+          </a:p>
+        </p:txBody>
+      </p:sp>
+      <p:pic>
+        <p:nvPicPr>
+          <p:cNvPr id="7" name="Content Placeholder 6">
+            <a:extLst>
+              <a:ext uri="{FF2B5EF4-FFF2-40B4-BE49-F238E27FC236}">
+                <a16:creationId xmlns:a16="http://schemas.microsoft.com/office/drawing/2014/main" id="{C82CC52F-0388-4642-9710-49378EB81280}"/>
+              </a:ext>
+            </a:extLst>
+          </p:cNvPr>
+          <p:cNvPicPr>
+            <a:picLocks noGrp="1" noChangeAspect="1"/>
+          </p:cNvPicPr>
+          <p:nvPr>
+            <p:ph idx="1"/>
+          </p:nvPr>
+        </p:nvPicPr>
+        <p:blipFill>
+          <a:blip r:embed="rId2"/>
+          <a:stretch>
+            <a:fillRect/>
+          </a:stretch>
+        </p:blipFill>
+        <p:spPr>
+          <a:xfrm>
+            <a:off x="1137840" y="1856509"/>
+            <a:ext cx="9916320" cy="4289570"/>
+          </a:xfrm>
+        </p:spPr>
+      </p:pic>
+    </p:spTree>
+    <p:extLst>
+      <p:ext uri="{BB962C8B-B14F-4D97-AF65-F5344CB8AC3E}">
+        <p14:creationId xmlns:p14="http://schemas.microsoft.com/office/powerpoint/2010/main" val="1747515188"/>
+      </p:ext>
+    </p:extLst>
+  </p:cSld>
+  <p:clrMapOvr>
+    <a:masterClrMapping/>
+  </p:clrMapOvr>
+</p:sld>
+</file>
+
+<file path=ppt/slides/slide21.xml><?xml version="1.0" encoding="utf-8"?>
+<p:sld xmlns:a="http://schemas.openxmlformats.org/drawingml/2006/main" xmlns:r="http://schemas.openxmlformats.org/officeDocument/2006/relationships" xmlns:p="http://schemas.openxmlformats.org/presentationml/2006/main">
+  <p:cSld>
+    <p:spTree>
+      <p:nvGrpSpPr>
+        <p:cNvPr id="1" name=""/>
+        <p:cNvGrpSpPr/>
+        <p:nvPr/>
+      </p:nvGrpSpPr>
+      <p:grpSpPr>
+        <a:xfrm>
+          <a:off x="0" y="0"/>
+          <a:ext cx="0" cy="0"/>
+          <a:chOff x="0" y="0"/>
+          <a:chExt cx="0" cy="0"/>
+        </a:xfrm>
+      </p:grpSpPr>
+      <p:sp>
+        <p:nvSpPr>
+          <p:cNvPr id="4" name="Title 3">
+            <a:extLst>
+              <a:ext uri="{FF2B5EF4-FFF2-40B4-BE49-F238E27FC236}">
+                <a16:creationId xmlns:a16="http://schemas.microsoft.com/office/drawing/2014/main" id="{030D2A54-4DF0-4FD6-9C9D-B62503DF6D16}"/>
+              </a:ext>
+            </a:extLst>
+          </p:cNvPr>
+          <p:cNvSpPr>
+            <a:spLocks noGrp="1"/>
+          </p:cNvSpPr>
+          <p:nvPr>
+            <p:ph type="title"/>
+          </p:nvPr>
+        </p:nvSpPr>
+        <p:spPr/>
+        <p:txBody>
+          <a:bodyPr/>
+          <a:lstStyle/>
+          <a:p>
+            <a:r>
+              <a:rPr lang="en-US" dirty="0"/>
+              <a:t>Colors</a:t>
+            </a:r>
+          </a:p>
+        </p:txBody>
+      </p:sp>
+      <p:pic>
+        <p:nvPicPr>
+          <p:cNvPr id="6" name="Picture 5">
+            <a:extLst>
+              <a:ext uri="{FF2B5EF4-FFF2-40B4-BE49-F238E27FC236}">
+                <a16:creationId xmlns:a16="http://schemas.microsoft.com/office/drawing/2014/main" id="{E8C750D4-7E3E-41FA-80F2-8564BFA9E01E}"/>
+              </a:ext>
+            </a:extLst>
+          </p:cNvPr>
+          <p:cNvPicPr>
+            <a:picLocks noChangeAspect="1"/>
+          </p:cNvPicPr>
+          <p:nvPr/>
+        </p:nvPicPr>
+        <p:blipFill>
+          <a:blip r:embed="rId2"/>
+          <a:stretch>
+            <a:fillRect/>
+          </a:stretch>
+        </p:blipFill>
+        <p:spPr>
+          <a:xfrm>
+            <a:off x="1123348" y="1712624"/>
+            <a:ext cx="9945304" cy="4577340"/>
+          </a:xfrm>
+          <a:prstGeom prst="rect">
+            <a:avLst/>
+          </a:prstGeom>
+        </p:spPr>
+      </p:pic>
+    </p:spTree>
+    <p:extLst>
+      <p:ext uri="{BB962C8B-B14F-4D97-AF65-F5344CB8AC3E}">
+        <p14:creationId xmlns:p14="http://schemas.microsoft.com/office/powerpoint/2010/main" val="127419845"/>
+      </p:ext>
+    </p:extLst>
+  </p:cSld>
+  <p:clrMapOvr>
+    <a:masterClrMapping/>
+  </p:clrMapOvr>
+</p:sld>
+</file>
+
+<file path=ppt/slides/slide22.xml><?xml version="1.0" encoding="utf-8"?>
+<p:sld xmlns:a="http://schemas.openxmlformats.org/drawingml/2006/main" xmlns:r="http://schemas.openxmlformats.org/officeDocument/2006/relationships" xmlns:p="http://schemas.openxmlformats.org/presentationml/2006/main">
+  <p:cSld>
+    <p:spTree>
+      <p:nvGrpSpPr>
+        <p:cNvPr id="1" name=""/>
+        <p:cNvGrpSpPr/>
+        <p:nvPr/>
+      </p:nvGrpSpPr>
+      <p:grpSpPr>
+        <a:xfrm>
+          <a:off x="0" y="0"/>
+          <a:ext cx="0" cy="0"/>
+          <a:chOff x="0" y="0"/>
+          <a:chExt cx="0" cy="0"/>
+        </a:xfrm>
+      </p:grpSpPr>
+      <p:sp>
+        <p:nvSpPr>
+          <p:cNvPr id="2" name="Title 1">
+            <a:extLst>
+              <a:ext uri="{FF2B5EF4-FFF2-40B4-BE49-F238E27FC236}">
+                <a16:creationId xmlns:a16="http://schemas.microsoft.com/office/drawing/2014/main" id="{BBE60801-9EE4-42D6-8610-C5C625F04937}"/>
+              </a:ext>
+            </a:extLst>
+          </p:cNvPr>
+          <p:cNvSpPr>
+            <a:spLocks noGrp="1"/>
+          </p:cNvSpPr>
+          <p:nvPr>
+            <p:ph type="title"/>
+          </p:nvPr>
+        </p:nvSpPr>
+        <p:spPr/>
+        <p:txBody>
+          <a:bodyPr/>
+          <a:lstStyle/>
+          <a:p>
+            <a:r>
+              <a:rPr lang="en-US" dirty="0"/>
+              <a:t>Custom attributes</a:t>
+            </a:r>
+          </a:p>
+        </p:txBody>
+      </p:sp>
+      <p:sp>
+        <p:nvSpPr>
+          <p:cNvPr id="3" name="Text Placeholder 2">
+            <a:extLst>
+              <a:ext uri="{FF2B5EF4-FFF2-40B4-BE49-F238E27FC236}">
+                <a16:creationId xmlns:a16="http://schemas.microsoft.com/office/drawing/2014/main" id="{F3E3244F-6179-405A-AC0E-31A4221B7888}"/>
+              </a:ext>
+            </a:extLst>
+          </p:cNvPr>
+          <p:cNvSpPr>
+            <a:spLocks noGrp="1"/>
+          </p:cNvSpPr>
+          <p:nvPr>
+            <p:ph type="body" idx="1"/>
+          </p:nvPr>
+        </p:nvSpPr>
+        <p:spPr/>
+        <p:txBody>
+          <a:bodyPr/>
+          <a:lstStyle/>
+          <a:p>
+            <a:endParaRPr lang="en-US"/>
+          </a:p>
+        </p:txBody>
+      </p:sp>
+    </p:spTree>
+    <p:extLst>
+      <p:ext uri="{BB962C8B-B14F-4D97-AF65-F5344CB8AC3E}">
+        <p14:creationId xmlns:p14="http://schemas.microsoft.com/office/powerpoint/2010/main" val="2682378170"/>
+      </p:ext>
+    </p:extLst>
+  </p:cSld>
+  <p:clrMapOvr>
+    <a:masterClrMapping/>
+  </p:clrMapOvr>
+</p:sld>
+</file>
+
+<file path=ppt/slides/slide23.xml><?xml version="1.0" encoding="utf-8"?>
+<p:sld xmlns:a="http://schemas.openxmlformats.org/drawingml/2006/main" xmlns:r="http://schemas.openxmlformats.org/officeDocument/2006/relationships" xmlns:p="http://schemas.openxmlformats.org/presentationml/2006/main">
+  <p:cSld>
+    <p:spTree>
+      <p:nvGrpSpPr>
+        <p:cNvPr id="1" name=""/>
+        <p:cNvGrpSpPr/>
+        <p:nvPr/>
+      </p:nvGrpSpPr>
+      <p:grpSpPr>
+        <a:xfrm>
+          <a:off x="0" y="0"/>
+          <a:ext cx="0" cy="0"/>
+          <a:chOff x="0" y="0"/>
+          <a:chExt cx="0" cy="0"/>
+        </a:xfrm>
+      </p:grpSpPr>
+      <p:sp>
+        <p:nvSpPr>
+          <p:cNvPr id="4" name="Title 3">
+            <a:extLst>
+              <a:ext uri="{FF2B5EF4-FFF2-40B4-BE49-F238E27FC236}">
+                <a16:creationId xmlns:a16="http://schemas.microsoft.com/office/drawing/2014/main" id="{3747F22D-00DD-418C-912E-03C8156A9352}"/>
+              </a:ext>
+            </a:extLst>
+          </p:cNvPr>
+          <p:cNvSpPr>
+            <a:spLocks noGrp="1"/>
+          </p:cNvSpPr>
+          <p:nvPr>
+            <p:ph type="title"/>
+          </p:nvPr>
+        </p:nvSpPr>
+        <p:spPr/>
+        <p:txBody>
+          <a:bodyPr/>
+          <a:lstStyle/>
+          <a:p>
+            <a:r>
+              <a:rPr lang="en-US" dirty="0"/>
+              <a:t>Custom Attributes</a:t>
+            </a:r>
+          </a:p>
+        </p:txBody>
+      </p:sp>
+      <p:pic>
+        <p:nvPicPr>
+          <p:cNvPr id="8" name="Content Placeholder 7">
+            <a:extLst>
+              <a:ext uri="{FF2B5EF4-FFF2-40B4-BE49-F238E27FC236}">
+                <a16:creationId xmlns:a16="http://schemas.microsoft.com/office/drawing/2014/main" id="{23D344FE-E8C6-4DA7-9C32-05557B15DEB1}"/>
+              </a:ext>
+            </a:extLst>
+          </p:cNvPr>
+          <p:cNvPicPr>
+            <a:picLocks noGrp="1" noChangeAspect="1"/>
+          </p:cNvPicPr>
+          <p:nvPr>
+            <p:ph sz="half" idx="1"/>
+          </p:nvPr>
+        </p:nvPicPr>
+        <p:blipFill>
+          <a:blip r:embed="rId2"/>
+          <a:stretch>
+            <a:fillRect/>
+          </a:stretch>
+        </p:blipFill>
+        <p:spPr>
+          <a:xfrm>
+            <a:off x="838200" y="1883813"/>
+            <a:ext cx="5181600" cy="4234961"/>
+          </a:xfrm>
+        </p:spPr>
+      </p:pic>
+      <p:pic>
+        <p:nvPicPr>
+          <p:cNvPr id="10" name="Content Placeholder 9">
+            <a:extLst>
+              <a:ext uri="{FF2B5EF4-FFF2-40B4-BE49-F238E27FC236}">
+                <a16:creationId xmlns:a16="http://schemas.microsoft.com/office/drawing/2014/main" id="{DD22B1F8-CAF1-4C33-A2F3-35FA7E1C9E03}"/>
+              </a:ext>
+            </a:extLst>
+          </p:cNvPr>
+          <p:cNvPicPr>
+            <a:picLocks noGrp="1" noChangeAspect="1"/>
+          </p:cNvPicPr>
+          <p:nvPr>
+            <p:ph sz="half" idx="2"/>
+          </p:nvPr>
+        </p:nvPicPr>
+        <p:blipFill>
+          <a:blip r:embed="rId3"/>
+          <a:stretch>
+            <a:fillRect/>
+          </a:stretch>
+        </p:blipFill>
+        <p:spPr>
+          <a:xfrm>
+            <a:off x="6096000" y="1884485"/>
+            <a:ext cx="5181600" cy="1544515"/>
+          </a:xfrm>
+        </p:spPr>
+      </p:pic>
+      <p:pic>
+        <p:nvPicPr>
+          <p:cNvPr id="2050" name="Picture 2">
+            <a:extLst>
+              <a:ext uri="{FF2B5EF4-FFF2-40B4-BE49-F238E27FC236}">
+                <a16:creationId xmlns:a16="http://schemas.microsoft.com/office/drawing/2014/main" id="{A7BB7343-C063-451C-BE36-CA5897D1E50A}"/>
+              </a:ext>
+            </a:extLst>
+          </p:cNvPr>
+          <p:cNvPicPr>
+            <a:picLocks noChangeAspect="1" noChangeArrowheads="1"/>
+          </p:cNvPicPr>
+          <p:nvPr/>
+        </p:nvPicPr>
+        <p:blipFill>
+          <a:blip r:embed="rId4">
+            <a:extLst>
+              <a:ext uri="{28A0092B-C50C-407E-A947-70E740481C1C}">
+                <a14:useLocalDpi xmlns:a14="http://schemas.microsoft.com/office/drawing/2010/main" val="0"/>
+              </a:ext>
+            </a:extLst>
+          </a:blip>
+          <a:srcRect/>
+          <a:stretch>
+            <a:fillRect/>
+          </a:stretch>
+        </p:blipFill>
+        <p:spPr bwMode="auto">
+          <a:xfrm>
+            <a:off x="7615237" y="3756574"/>
+            <a:ext cx="2143125" cy="2362200"/>
+          </a:xfrm>
+          <a:prstGeom prst="rect">
+            <a:avLst/>
+          </a:prstGeom>
+          <a:noFill/>
+          <a:extLst>
+            <a:ext uri="{909E8E84-426E-40DD-AFC4-6F175D3DCCD1}">
+              <a14:hiddenFill xmlns:a14="http://schemas.microsoft.com/office/drawing/2010/main">
+                <a:solidFill>
+                  <a:srgbClr val="FFFFFF"/>
+                </a:solidFill>
+              </a14:hiddenFill>
+            </a:ext>
+          </a:extLst>
+        </p:spPr>
+      </p:pic>
+    </p:spTree>
+    <p:extLst>
+      <p:ext uri="{BB962C8B-B14F-4D97-AF65-F5344CB8AC3E}">
+        <p14:creationId xmlns:p14="http://schemas.microsoft.com/office/powerpoint/2010/main" val="817711788"/>
+      </p:ext>
+    </p:extLst>
+  </p:cSld>
+  <p:clrMapOvr>
+    <a:masterClrMapping/>
+  </p:clrMapOvr>
+</p:sld>
+</file>
+
+<file path=ppt/slides/slide24.xml><?xml version="1.0" encoding="utf-8"?>
+<p:sld xmlns:a="http://schemas.openxmlformats.org/drawingml/2006/main" xmlns:r="http://schemas.openxmlformats.org/officeDocument/2006/relationships" xmlns:p="http://schemas.openxmlformats.org/presentationml/2006/main">
+  <p:cSld>
+    <p:spTree>
+      <p:nvGrpSpPr>
+        <p:cNvPr id="1" name=""/>
+        <p:cNvGrpSpPr/>
+        <p:nvPr/>
+      </p:nvGrpSpPr>
+      <p:grpSpPr>
+        <a:xfrm>
+          <a:off x="0" y="0"/>
+          <a:ext cx="0" cy="0"/>
+          <a:chOff x="0" y="0"/>
+          <a:chExt cx="0" cy="0"/>
+        </a:xfrm>
+      </p:grpSpPr>
+      <p:sp>
+        <p:nvSpPr>
+          <p:cNvPr id="2" name="Title 1">
+            <a:extLst>
+              <a:ext uri="{FF2B5EF4-FFF2-40B4-BE49-F238E27FC236}">
+                <a16:creationId xmlns:a16="http://schemas.microsoft.com/office/drawing/2014/main" id="{BBE60801-9EE4-42D6-8610-C5C625F04937}"/>
+              </a:ext>
+            </a:extLst>
+          </p:cNvPr>
+          <p:cNvSpPr>
+            <a:spLocks noGrp="1"/>
+          </p:cNvSpPr>
+          <p:nvPr>
+            <p:ph type="title"/>
+          </p:nvPr>
+        </p:nvSpPr>
+        <p:spPr/>
+        <p:txBody>
+          <a:bodyPr/>
+          <a:lstStyle/>
+          <a:p>
+            <a:r>
+              <a:rPr lang="en-US" dirty="0"/>
+              <a:t>Variants</a:t>
+            </a:r>
+          </a:p>
+        </p:txBody>
+      </p:sp>
+      <p:sp>
+        <p:nvSpPr>
+          <p:cNvPr id="3" name="Text Placeholder 2">
+            <a:extLst>
+              <a:ext uri="{FF2B5EF4-FFF2-40B4-BE49-F238E27FC236}">
+                <a16:creationId xmlns:a16="http://schemas.microsoft.com/office/drawing/2014/main" id="{F3E3244F-6179-405A-AC0E-31A4221B7888}"/>
+              </a:ext>
+            </a:extLst>
+          </p:cNvPr>
+          <p:cNvSpPr>
+            <a:spLocks noGrp="1"/>
+          </p:cNvSpPr>
+          <p:nvPr>
+            <p:ph type="body" idx="1"/>
+          </p:nvPr>
+        </p:nvSpPr>
+        <p:spPr/>
+        <p:txBody>
+          <a:bodyPr/>
+          <a:lstStyle/>
+          <a:p>
+            <a:endParaRPr lang="en-US"/>
+          </a:p>
+        </p:txBody>
+      </p:sp>
+    </p:spTree>
+    <p:extLst>
+      <p:ext uri="{BB962C8B-B14F-4D97-AF65-F5344CB8AC3E}">
+        <p14:creationId xmlns:p14="http://schemas.microsoft.com/office/powerpoint/2010/main" val="2138411163"/>
+      </p:ext>
+    </p:extLst>
+  </p:cSld>
+  <p:clrMapOvr>
+    <a:masterClrMapping/>
+  </p:clrMapOvr>
+</p:sld>
+</file>
+
+<file path=ppt/slides/slide25.xml><?xml version="1.0" encoding="utf-8"?>
+<p:sld xmlns:a="http://schemas.openxmlformats.org/drawingml/2006/main" xmlns:r="http://schemas.openxmlformats.org/officeDocument/2006/relationships" xmlns:p="http://schemas.openxmlformats.org/presentationml/2006/main">
+  <p:cSld>
+    <p:spTree>
+      <p:nvGrpSpPr>
+        <p:cNvPr id="1" name=""/>
+        <p:cNvGrpSpPr/>
+        <p:nvPr/>
+      </p:nvGrpSpPr>
+      <p:grpSpPr>
+        <a:xfrm>
+          <a:off x="0" y="0"/>
+          <a:ext cx="0" cy="0"/>
+          <a:chOff x="0" y="0"/>
+          <a:chExt cx="0" cy="0"/>
+        </a:xfrm>
+      </p:grpSpPr>
+      <p:sp>
+        <p:nvSpPr>
+          <p:cNvPr id="4" name="Title 3">
+            <a:extLst>
+              <a:ext uri="{FF2B5EF4-FFF2-40B4-BE49-F238E27FC236}">
+                <a16:creationId xmlns:a16="http://schemas.microsoft.com/office/drawing/2014/main" id="{C05D8B13-8541-4F46-B7E0-EB8E069C27F1}"/>
+              </a:ext>
+            </a:extLst>
+          </p:cNvPr>
+          <p:cNvSpPr>
+            <a:spLocks noGrp="1"/>
+          </p:cNvSpPr>
+          <p:nvPr>
+            <p:ph type="title"/>
+          </p:nvPr>
+        </p:nvSpPr>
+        <p:spPr/>
+        <p:txBody>
+          <a:bodyPr/>
+          <a:lstStyle/>
+          <a:p>
+            <a:r>
+              <a:rPr lang="en-US" dirty="0"/>
+              <a:t>Variants (hover, active, disabled)</a:t>
+            </a:r>
+          </a:p>
+        </p:txBody>
+      </p:sp>
+      <p:pic>
+        <p:nvPicPr>
+          <p:cNvPr id="10" name="Content Placeholder 9">
+            <a:extLst>
+              <a:ext uri="{FF2B5EF4-FFF2-40B4-BE49-F238E27FC236}">
+                <a16:creationId xmlns:a16="http://schemas.microsoft.com/office/drawing/2014/main" id="{998BEEAD-A61D-4D16-8BA4-6481BDE06B66}"/>
+              </a:ext>
+            </a:extLst>
+          </p:cNvPr>
+          <p:cNvPicPr>
+            <a:picLocks noGrp="1" noChangeAspect="1"/>
+          </p:cNvPicPr>
+          <p:nvPr>
+            <p:ph sz="half" idx="2"/>
+          </p:nvPr>
+        </p:nvPicPr>
+        <p:blipFill>
+          <a:blip r:embed="rId2"/>
+          <a:stretch>
+            <a:fillRect/>
+          </a:stretch>
+        </p:blipFill>
+        <p:spPr>
+          <a:xfrm>
+            <a:off x="7643952" y="3548913"/>
+            <a:ext cx="2238095" cy="904762"/>
+          </a:xfrm>
+        </p:spPr>
+      </p:pic>
+      <p:pic>
+        <p:nvPicPr>
+          <p:cNvPr id="14" name="Content Placeholder 13">
+            <a:extLst>
+              <a:ext uri="{FF2B5EF4-FFF2-40B4-BE49-F238E27FC236}">
+                <a16:creationId xmlns:a16="http://schemas.microsoft.com/office/drawing/2014/main" id="{94518D71-6A7E-47FA-A8A4-686A787EFA92}"/>
+              </a:ext>
+            </a:extLst>
+          </p:cNvPr>
+          <p:cNvPicPr>
+            <a:picLocks noGrp="1" noChangeAspect="1"/>
+          </p:cNvPicPr>
+          <p:nvPr>
+            <p:ph sz="half" idx="1"/>
+          </p:nvPr>
+        </p:nvPicPr>
+        <p:blipFill>
+          <a:blip r:embed="rId3"/>
+          <a:stretch>
+            <a:fillRect/>
+          </a:stretch>
+        </p:blipFill>
+        <p:spPr>
+          <a:xfrm>
+            <a:off x="838200" y="3234019"/>
+            <a:ext cx="5181600" cy="1534550"/>
+          </a:xfrm>
+        </p:spPr>
+      </p:pic>
+    </p:spTree>
+    <p:extLst>
+      <p:ext uri="{BB962C8B-B14F-4D97-AF65-F5344CB8AC3E}">
+        <p14:creationId xmlns:p14="http://schemas.microsoft.com/office/powerpoint/2010/main" val="72002770"/>
+      </p:ext>
+    </p:extLst>
+  </p:cSld>
+  <p:clrMapOvr>
+    <a:masterClrMapping/>
+  </p:clrMapOvr>
+</p:sld>
+</file>
+
+<file path=ppt/slides/slide26.xml><?xml version="1.0" encoding="utf-8"?>
+<p:sld xmlns:a="http://schemas.openxmlformats.org/drawingml/2006/main" xmlns:r="http://schemas.openxmlformats.org/officeDocument/2006/relationships" xmlns:p="http://schemas.openxmlformats.org/presentationml/2006/main">
+  <p:cSld>
+    <p:spTree>
+      <p:nvGrpSpPr>
+        <p:cNvPr id="1" name=""/>
+        <p:cNvGrpSpPr/>
+        <p:nvPr/>
+      </p:nvGrpSpPr>
+      <p:grpSpPr>
+        <a:xfrm>
+          <a:off x="0" y="0"/>
+          <a:ext cx="0" cy="0"/>
+          <a:chOff x="0" y="0"/>
+          <a:chExt cx="0" cy="0"/>
+        </a:xfrm>
+      </p:grpSpPr>
+      <p:sp>
+        <p:nvSpPr>
+          <p:cNvPr id="4" name="Title 3">
+            <a:extLst>
+              <a:ext uri="{FF2B5EF4-FFF2-40B4-BE49-F238E27FC236}">
+                <a16:creationId xmlns:a16="http://schemas.microsoft.com/office/drawing/2014/main" id="{C05D8B13-8541-4F46-B7E0-EB8E069C27F1}"/>
+              </a:ext>
+            </a:extLst>
+          </p:cNvPr>
+          <p:cNvSpPr>
+            <a:spLocks noGrp="1"/>
+          </p:cNvSpPr>
+          <p:nvPr>
+            <p:ph type="title"/>
+          </p:nvPr>
+        </p:nvSpPr>
+        <p:spPr/>
+        <p:txBody>
+          <a:bodyPr/>
+          <a:lstStyle/>
+          <a:p>
+            <a:r>
+              <a:rPr lang="en-US" dirty="0"/>
+              <a:t>Variants (hover, active, disabled)</a:t>
+            </a:r>
+          </a:p>
+        </p:txBody>
+      </p:sp>
+      <p:pic>
+        <p:nvPicPr>
+          <p:cNvPr id="16" name="Content Placeholder 15">
+            <a:extLst>
+              <a:ext uri="{FF2B5EF4-FFF2-40B4-BE49-F238E27FC236}">
+                <a16:creationId xmlns:a16="http://schemas.microsoft.com/office/drawing/2014/main" id="{05F1B79F-1FBA-415E-AF25-66BFA04CE09B}"/>
+              </a:ext>
+            </a:extLst>
+          </p:cNvPr>
+          <p:cNvPicPr>
+            <a:picLocks noGrp="1" noChangeAspect="1"/>
+          </p:cNvPicPr>
+          <p:nvPr>
+            <p:ph sz="half" idx="1"/>
+          </p:nvPr>
+        </p:nvPicPr>
+        <p:blipFill>
+          <a:blip r:embed="rId2"/>
+          <a:stretch>
+            <a:fillRect/>
+          </a:stretch>
+        </p:blipFill>
+        <p:spPr>
+          <a:xfrm>
+            <a:off x="838200" y="3408392"/>
+            <a:ext cx="5181600" cy="1185803"/>
+          </a:xfrm>
+        </p:spPr>
+      </p:pic>
+      <p:pic>
+        <p:nvPicPr>
+          <p:cNvPr id="20" name="Content Placeholder 19">
+            <a:extLst>
+              <a:ext uri="{FF2B5EF4-FFF2-40B4-BE49-F238E27FC236}">
+                <a16:creationId xmlns:a16="http://schemas.microsoft.com/office/drawing/2014/main" id="{8D08A5B2-07C3-43EA-9B07-B487116E906B}"/>
+              </a:ext>
+            </a:extLst>
+          </p:cNvPr>
+          <p:cNvPicPr>
+            <a:picLocks noGrp="1" noChangeAspect="1"/>
+          </p:cNvPicPr>
+          <p:nvPr>
+            <p:ph sz="half" idx="2"/>
+          </p:nvPr>
+        </p:nvPicPr>
+        <p:blipFill>
+          <a:blip r:embed="rId3"/>
+          <a:stretch>
+            <a:fillRect/>
+          </a:stretch>
+        </p:blipFill>
+        <p:spPr>
+          <a:xfrm>
+            <a:off x="7820143" y="3653675"/>
+            <a:ext cx="1885714" cy="695238"/>
+          </a:xfrm>
+        </p:spPr>
+      </p:pic>
+    </p:spTree>
+    <p:extLst>
+      <p:ext uri="{BB962C8B-B14F-4D97-AF65-F5344CB8AC3E}">
+        <p14:creationId xmlns:p14="http://schemas.microsoft.com/office/powerpoint/2010/main" val="1892738261"/>
+      </p:ext>
+    </p:extLst>
+  </p:cSld>
+  <p:clrMapOvr>
+    <a:masterClrMapping/>
+  </p:clrMapOvr>
+</p:sld>
+</file>
+
+<file path=ppt/slides/slide27.xml><?xml version="1.0" encoding="utf-8"?>
+<p:sld xmlns:a="http://schemas.openxmlformats.org/drawingml/2006/main" xmlns:r="http://schemas.openxmlformats.org/officeDocument/2006/relationships" xmlns:p="http://schemas.openxmlformats.org/presentationml/2006/main">
+  <p:cSld>
+    <p:spTree>
+      <p:nvGrpSpPr>
+        <p:cNvPr id="1" name=""/>
+        <p:cNvGrpSpPr/>
+        <p:nvPr/>
+      </p:nvGrpSpPr>
+      <p:grpSpPr>
+        <a:xfrm>
+          <a:off x="0" y="0"/>
+          <a:ext cx="0" cy="0"/>
+          <a:chOff x="0" y="0"/>
+          <a:chExt cx="0" cy="0"/>
+        </a:xfrm>
+      </p:grpSpPr>
+      <p:sp>
+        <p:nvSpPr>
+          <p:cNvPr id="2" name="Title 1">
+            <a:extLst>
+              <a:ext uri="{FF2B5EF4-FFF2-40B4-BE49-F238E27FC236}">
+                <a16:creationId xmlns:a16="http://schemas.microsoft.com/office/drawing/2014/main" id="{BBE60801-9EE4-42D6-8610-C5C625F04937}"/>
+              </a:ext>
+            </a:extLst>
+          </p:cNvPr>
+          <p:cNvSpPr>
+            <a:spLocks noGrp="1"/>
+          </p:cNvSpPr>
+          <p:nvPr>
+            <p:ph type="title"/>
+          </p:nvPr>
+        </p:nvSpPr>
+        <p:spPr/>
+        <p:txBody>
+          <a:bodyPr/>
+          <a:lstStyle/>
+          <a:p>
+            <a:r>
+              <a:rPr lang="en-US" dirty="0"/>
+              <a:t>Speed Round</a:t>
+            </a:r>
+          </a:p>
+        </p:txBody>
+      </p:sp>
+      <p:sp>
+        <p:nvSpPr>
+          <p:cNvPr id="3" name="Text Placeholder 2">
+            <a:extLst>
+              <a:ext uri="{FF2B5EF4-FFF2-40B4-BE49-F238E27FC236}">
+                <a16:creationId xmlns:a16="http://schemas.microsoft.com/office/drawing/2014/main" id="{F3E3244F-6179-405A-AC0E-31A4221B7888}"/>
+              </a:ext>
+            </a:extLst>
+          </p:cNvPr>
+          <p:cNvSpPr>
+            <a:spLocks noGrp="1"/>
+          </p:cNvSpPr>
+          <p:nvPr>
+            <p:ph type="body" idx="1"/>
+          </p:nvPr>
+        </p:nvSpPr>
+        <p:spPr/>
+        <p:txBody>
+          <a:bodyPr/>
+          <a:lstStyle/>
+          <a:p>
+            <a:r>
+              <a:rPr lang="en-US" dirty="0"/>
+              <a:t>Let’s design </a:t>
+            </a:r>
+            <a:r>
+              <a:rPr lang="en-US"/>
+              <a:t>some buttons</a:t>
+            </a:r>
+          </a:p>
+        </p:txBody>
+      </p:sp>
+    </p:spTree>
+    <p:extLst>
+      <p:ext uri="{BB962C8B-B14F-4D97-AF65-F5344CB8AC3E}">
+        <p14:creationId xmlns:p14="http://schemas.microsoft.com/office/powerpoint/2010/main" val="1340948692"/>
+      </p:ext>
+    </p:extLst>
+  </p:cSld>
+  <p:clrMapOvr>
+    <a:masterClrMapping/>
+  </p:clrMapOvr>
+</p:sld>
+</file>
+
+<file path=ppt/slides/slide28.xml><?xml version="1.0" encoding="utf-8"?>
+<p:sld xmlns:a="http://schemas.openxmlformats.org/drawingml/2006/main" xmlns:r="http://schemas.openxmlformats.org/officeDocument/2006/relationships" xmlns:p="http://schemas.openxmlformats.org/presentationml/2006/main">
+  <p:cSld>
+    <p:spTree>
+      <p:nvGrpSpPr>
+        <p:cNvPr id="1" name=""/>
+        <p:cNvGrpSpPr/>
+        <p:nvPr/>
+      </p:nvGrpSpPr>
+      <p:grpSpPr>
+        <a:xfrm>
+          <a:off x="0" y="0"/>
+          <a:ext cx="0" cy="0"/>
+          <a:chOff x="0" y="0"/>
+          <a:chExt cx="0" cy="0"/>
+        </a:xfrm>
+      </p:grpSpPr>
+      <p:sp>
+        <p:nvSpPr>
+          <p:cNvPr id="2" name="Title 1">
+            <a:extLst>
+              <a:ext uri="{FF2B5EF4-FFF2-40B4-BE49-F238E27FC236}">
+                <a16:creationId xmlns:a16="http://schemas.microsoft.com/office/drawing/2014/main" id="{BBE60801-9EE4-42D6-8610-C5C625F04937}"/>
+              </a:ext>
+            </a:extLst>
+          </p:cNvPr>
+          <p:cNvSpPr>
+            <a:spLocks noGrp="1"/>
+          </p:cNvSpPr>
+          <p:nvPr>
+            <p:ph type="title"/>
+          </p:nvPr>
+        </p:nvSpPr>
+        <p:spPr/>
+        <p:txBody>
+          <a:bodyPr/>
+          <a:lstStyle/>
+          <a:p>
+            <a:r>
+              <a:rPr lang="en-US" dirty="0"/>
+              <a:t>Responsive Design</a:t>
+            </a:r>
+          </a:p>
+        </p:txBody>
+      </p:sp>
+      <p:sp>
+        <p:nvSpPr>
+          <p:cNvPr id="3" name="Text Placeholder 2">
+            <a:extLst>
+              <a:ext uri="{FF2B5EF4-FFF2-40B4-BE49-F238E27FC236}">
+                <a16:creationId xmlns:a16="http://schemas.microsoft.com/office/drawing/2014/main" id="{F3E3244F-6179-405A-AC0E-31A4221B7888}"/>
+              </a:ext>
+            </a:extLst>
+          </p:cNvPr>
+          <p:cNvSpPr>
+            <a:spLocks noGrp="1"/>
+          </p:cNvSpPr>
+          <p:nvPr>
+            <p:ph type="body" idx="1"/>
+          </p:nvPr>
+        </p:nvSpPr>
+        <p:spPr/>
+        <p:txBody>
+          <a:bodyPr/>
+          <a:lstStyle/>
+          <a:p>
+            <a:endParaRPr lang="en-US"/>
+          </a:p>
+        </p:txBody>
+      </p:sp>
+    </p:spTree>
+    <p:extLst>
+      <p:ext uri="{BB962C8B-B14F-4D97-AF65-F5344CB8AC3E}">
+        <p14:creationId xmlns:p14="http://schemas.microsoft.com/office/powerpoint/2010/main" val="2317953309"/>
+      </p:ext>
+    </p:extLst>
+  </p:cSld>
+  <p:clrMapOvr>
+    <a:masterClrMapping/>
+  </p:clrMapOvr>
+</p:sld>
+</file>
+
+<file path=ppt/slides/slide29.xml><?xml version="1.0" encoding="utf-8"?>
+<p:sld xmlns:a="http://schemas.openxmlformats.org/drawingml/2006/main" xmlns:r="http://schemas.openxmlformats.org/officeDocument/2006/relationships" xmlns:p="http://schemas.openxmlformats.org/presentationml/2006/main">
+  <p:cSld>
+    <p:spTree>
+      <p:nvGrpSpPr>
+        <p:cNvPr id="1" name=""/>
+        <p:cNvGrpSpPr/>
+        <p:nvPr/>
+      </p:nvGrpSpPr>
+      <p:grpSpPr>
+        <a:xfrm>
+          <a:off x="0" y="0"/>
+          <a:ext cx="0" cy="0"/>
+          <a:chOff x="0" y="0"/>
+          <a:chExt cx="0" cy="0"/>
+        </a:xfrm>
+      </p:grpSpPr>
+      <p:sp>
+        <p:nvSpPr>
+          <p:cNvPr id="2" name="Title 1">
+            <a:extLst>
+              <a:ext uri="{FF2B5EF4-FFF2-40B4-BE49-F238E27FC236}">
+                <a16:creationId xmlns:a16="http://schemas.microsoft.com/office/drawing/2014/main" id="{BBE60801-9EE4-42D6-8610-C5C625F04937}"/>
+              </a:ext>
+            </a:extLst>
+          </p:cNvPr>
+          <p:cNvSpPr>
+            <a:spLocks noGrp="1"/>
+          </p:cNvSpPr>
+          <p:nvPr>
+            <p:ph type="title"/>
+          </p:nvPr>
+        </p:nvSpPr>
+        <p:spPr/>
+        <p:txBody>
+          <a:bodyPr/>
+          <a:lstStyle/>
+          <a:p>
+            <a:r>
+              <a:rPr lang="en-US" dirty="0"/>
+              <a:t>Performance and Deployment</a:t>
+            </a:r>
+          </a:p>
+        </p:txBody>
+      </p:sp>
+      <p:sp>
+        <p:nvSpPr>
+          <p:cNvPr id="3" name="Text Placeholder 2">
+            <a:extLst>
+              <a:ext uri="{FF2B5EF4-FFF2-40B4-BE49-F238E27FC236}">
+                <a16:creationId xmlns:a16="http://schemas.microsoft.com/office/drawing/2014/main" id="{F3E3244F-6179-405A-AC0E-31A4221B7888}"/>
+              </a:ext>
+            </a:extLst>
+          </p:cNvPr>
+          <p:cNvSpPr>
+            <a:spLocks noGrp="1"/>
+          </p:cNvSpPr>
+          <p:nvPr>
+            <p:ph type="body" idx="1"/>
+          </p:nvPr>
+        </p:nvSpPr>
+        <p:spPr/>
+        <p:txBody>
+          <a:bodyPr/>
+          <a:lstStyle/>
+          <a:p>
+            <a:endParaRPr lang="en-US"/>
+          </a:p>
+        </p:txBody>
+      </p:sp>
+    </p:spTree>
+    <p:extLst>
+      <p:ext uri="{BB962C8B-B14F-4D97-AF65-F5344CB8AC3E}">
+        <p14:creationId xmlns:p14="http://schemas.microsoft.com/office/powerpoint/2010/main" val="2231968089"/>
       </p:ext>
     </p:extLst>
   </p:cSld>
@@ -4062,12 +6980,8 @@
               <a:buNone/>
             </a:pPr>
             <a:r>
-              <a:rPr lang="en-US"/>
-              <a:t>12x </a:t>
-            </a:r>
-            <a:r>
               <a:rPr lang="en-US" dirty="0"/>
-              <a:t>Microsoft MVP</a:t>
+              <a:t>12x Microsoft MVP</a:t>
             </a:r>
           </a:p>
           <a:p>
@@ -4157,6 +7071,309 @@
     <p:extLst>
       <p:ext uri="{BB962C8B-B14F-4D97-AF65-F5344CB8AC3E}">
         <p14:creationId xmlns:p14="http://schemas.microsoft.com/office/powerpoint/2010/main" val="3501742190"/>
+      </p:ext>
+    </p:extLst>
+  </p:cSld>
+  <p:clrMapOvr>
+    <a:masterClrMapping/>
+  </p:clrMapOvr>
+</p:sld>
+</file>
+
+<file path=ppt/slides/slide30.xml><?xml version="1.0" encoding="utf-8"?>
+<p:sld xmlns:a="http://schemas.openxmlformats.org/drawingml/2006/main" xmlns:r="http://schemas.openxmlformats.org/officeDocument/2006/relationships" xmlns:p="http://schemas.openxmlformats.org/presentationml/2006/main">
+  <p:cSld>
+    <p:spTree>
+      <p:nvGrpSpPr>
+        <p:cNvPr id="1" name=""/>
+        <p:cNvGrpSpPr/>
+        <p:nvPr/>
+      </p:nvGrpSpPr>
+      <p:grpSpPr>
+        <a:xfrm>
+          <a:off x="0" y="0"/>
+          <a:ext cx="0" cy="0"/>
+          <a:chOff x="0" y="0"/>
+          <a:chExt cx="0" cy="0"/>
+        </a:xfrm>
+      </p:grpSpPr>
+      <p:sp>
+        <p:nvSpPr>
+          <p:cNvPr id="2" name="Title 1">
+            <a:extLst>
+              <a:ext uri="{FF2B5EF4-FFF2-40B4-BE49-F238E27FC236}">
+                <a16:creationId xmlns:a16="http://schemas.microsoft.com/office/drawing/2014/main" id="{BBE60801-9EE4-42D6-8610-C5C625F04937}"/>
+              </a:ext>
+            </a:extLst>
+          </p:cNvPr>
+          <p:cNvSpPr>
+            <a:spLocks noGrp="1"/>
+          </p:cNvSpPr>
+          <p:nvPr>
+            <p:ph type="title"/>
+          </p:nvPr>
+        </p:nvSpPr>
+        <p:spPr/>
+        <p:txBody>
+          <a:bodyPr/>
+          <a:lstStyle/>
+          <a:p>
+            <a:r>
+              <a:rPr lang="en-US" dirty="0"/>
+              <a:t>Framework Support</a:t>
+            </a:r>
+          </a:p>
+        </p:txBody>
+      </p:sp>
+      <p:sp>
+        <p:nvSpPr>
+          <p:cNvPr id="3" name="Text Placeholder 2">
+            <a:extLst>
+              <a:ext uri="{FF2B5EF4-FFF2-40B4-BE49-F238E27FC236}">
+                <a16:creationId xmlns:a16="http://schemas.microsoft.com/office/drawing/2014/main" id="{F3E3244F-6179-405A-AC0E-31A4221B7888}"/>
+              </a:ext>
+            </a:extLst>
+          </p:cNvPr>
+          <p:cNvSpPr>
+            <a:spLocks noGrp="1"/>
+          </p:cNvSpPr>
+          <p:nvPr>
+            <p:ph type="body" idx="1"/>
+          </p:nvPr>
+        </p:nvSpPr>
+        <p:spPr/>
+        <p:txBody>
+          <a:bodyPr/>
+          <a:lstStyle/>
+          <a:p>
+            <a:endParaRPr lang="en-US"/>
+          </a:p>
+        </p:txBody>
+      </p:sp>
+    </p:spTree>
+    <p:extLst>
+      <p:ext uri="{BB962C8B-B14F-4D97-AF65-F5344CB8AC3E}">
+        <p14:creationId xmlns:p14="http://schemas.microsoft.com/office/powerpoint/2010/main" val="640980925"/>
+      </p:ext>
+    </p:extLst>
+  </p:cSld>
+  <p:clrMapOvr>
+    <a:masterClrMapping/>
+  </p:clrMapOvr>
+</p:sld>
+</file>
+
+<file path=ppt/slides/slide31.xml><?xml version="1.0" encoding="utf-8"?>
+<p:sld xmlns:a="http://schemas.openxmlformats.org/drawingml/2006/main" xmlns:r="http://schemas.openxmlformats.org/officeDocument/2006/relationships" xmlns:p="http://schemas.openxmlformats.org/presentationml/2006/main">
+  <p:cSld>
+    <p:spTree>
+      <p:nvGrpSpPr>
+        <p:cNvPr id="1" name=""/>
+        <p:cNvGrpSpPr/>
+        <p:nvPr/>
+      </p:nvGrpSpPr>
+      <p:grpSpPr>
+        <a:xfrm>
+          <a:off x="0" y="0"/>
+          <a:ext cx="0" cy="0"/>
+          <a:chOff x="0" y="0"/>
+          <a:chExt cx="0" cy="0"/>
+        </a:xfrm>
+      </p:grpSpPr>
+      <p:sp>
+        <p:nvSpPr>
+          <p:cNvPr id="2" name="Title 1">
+            <a:extLst>
+              <a:ext uri="{FF2B5EF4-FFF2-40B4-BE49-F238E27FC236}">
+                <a16:creationId xmlns:a16="http://schemas.microsoft.com/office/drawing/2014/main" id="{C6D514F6-F41F-4E8A-9AE5-A355D228AADA}"/>
+              </a:ext>
+            </a:extLst>
+          </p:cNvPr>
+          <p:cNvSpPr>
+            <a:spLocks noGrp="1"/>
+          </p:cNvSpPr>
+          <p:nvPr>
+            <p:ph type="title"/>
+          </p:nvPr>
+        </p:nvSpPr>
+        <p:spPr/>
+        <p:txBody>
+          <a:bodyPr/>
+          <a:lstStyle/>
+          <a:p>
+            <a:r>
+              <a:rPr lang="en-US" dirty="0"/>
+              <a:t>Thanks for coming!</a:t>
+            </a:r>
+          </a:p>
+        </p:txBody>
+      </p:sp>
+      <p:pic>
+        <p:nvPicPr>
+          <p:cNvPr id="9" name="Content Placeholder 8">
+            <a:extLst>
+              <a:ext uri="{FF2B5EF4-FFF2-40B4-BE49-F238E27FC236}">
+                <a16:creationId xmlns:a16="http://schemas.microsoft.com/office/drawing/2014/main" id="{BBE59C96-2891-4E22-B484-73763DC02D6D}"/>
+              </a:ext>
+            </a:extLst>
+          </p:cNvPr>
+          <p:cNvPicPr>
+            <a:picLocks noGrp="1" noChangeAspect="1"/>
+          </p:cNvPicPr>
+          <p:nvPr>
+            <p:ph sz="half" idx="1"/>
+          </p:nvPr>
+        </p:nvPicPr>
+        <p:blipFill>
+          <a:blip r:embed="rId3">
+            <a:extLst>
+              <a:ext uri="{28A0092B-C50C-407E-A947-70E740481C1C}">
+                <a14:useLocalDpi xmlns:a14="http://schemas.microsoft.com/office/drawing/2010/main" val="0"/>
+              </a:ext>
+            </a:extLst>
+          </a:blip>
+          <a:stretch>
+            <a:fillRect/>
+          </a:stretch>
+        </p:blipFill>
+        <p:spPr>
+          <a:xfrm>
+            <a:off x="819093" y="2261354"/>
+            <a:ext cx="5219814" cy="3479880"/>
+          </a:xfrm>
+        </p:spPr>
+      </p:pic>
+      <p:sp>
+        <p:nvSpPr>
+          <p:cNvPr id="5" name="Content Placeholder 4">
+            <a:extLst>
+              <a:ext uri="{FF2B5EF4-FFF2-40B4-BE49-F238E27FC236}">
+                <a16:creationId xmlns:a16="http://schemas.microsoft.com/office/drawing/2014/main" id="{2E5BBEEB-0256-45F8-AC60-B8F39778E6AF}"/>
+              </a:ext>
+            </a:extLst>
+          </p:cNvPr>
+          <p:cNvSpPr>
+            <a:spLocks noGrp="1"/>
+          </p:cNvSpPr>
+          <p:nvPr>
+            <p:ph sz="half" idx="2"/>
+          </p:nvPr>
+        </p:nvSpPr>
+        <p:spPr/>
+        <p:txBody>
+          <a:bodyPr/>
+          <a:lstStyle/>
+          <a:p>
+            <a:pPr marL="0" indent="0">
+              <a:buNone/>
+            </a:pPr>
+            <a:r>
+              <a:rPr lang="en-US" dirty="0"/>
+              <a:t>Kevin Griffin</a:t>
+            </a:r>
+          </a:p>
+          <a:p>
+            <a:pPr marL="0" indent="0">
+              <a:buNone/>
+            </a:pPr>
+            <a:endParaRPr lang="en-US" dirty="0"/>
+          </a:p>
+          <a:p>
+            <a:pPr marL="0" indent="0">
+              <a:buNone/>
+            </a:pPr>
+            <a:r>
+              <a:rPr lang="en-US" dirty="0"/>
+              <a:t>12x Microsoft MVP</a:t>
+            </a:r>
+          </a:p>
+          <a:p>
+            <a:pPr marL="0" indent="0">
+              <a:buNone/>
+            </a:pPr>
+            <a:r>
+              <a:rPr lang="en-US" dirty="0"/>
+              <a:t>ASP.NET Core, Azure, and Web</a:t>
+            </a:r>
+          </a:p>
+          <a:p>
+            <a:pPr marL="0" indent="0">
+              <a:buNone/>
+            </a:pPr>
+            <a:endParaRPr lang="en-US" dirty="0"/>
+          </a:p>
+          <a:p>
+            <a:pPr marL="0" indent="0">
+              <a:buNone/>
+            </a:pPr>
+            <a:r>
+              <a:rPr lang="en-US" dirty="0"/>
+              <a:t>consultwithgriff.com</a:t>
+            </a:r>
+          </a:p>
+          <a:p>
+            <a:pPr marL="0" indent="0">
+              <a:buNone/>
+            </a:pPr>
+            <a:r>
+              <a:rPr lang="en-US" dirty="0"/>
+              <a:t>twitter.com/1kevgriff</a:t>
+            </a:r>
+          </a:p>
+          <a:p>
+            <a:pPr marL="0" indent="0">
+              <a:buNone/>
+            </a:pPr>
+            <a:r>
+              <a:rPr lang="en-US" dirty="0"/>
+              <a:t>twitch.tv/1kevgriff</a:t>
+            </a:r>
+          </a:p>
+          <a:p>
+            <a:pPr marL="0" indent="0">
+              <a:buNone/>
+            </a:pPr>
+            <a:endParaRPr lang="en-US" dirty="0"/>
+          </a:p>
+        </p:txBody>
+      </p:sp>
+      <p:sp>
+        <p:nvSpPr>
+          <p:cNvPr id="13" name="Footer Placeholder 12">
+            <a:extLst>
+              <a:ext uri="{FF2B5EF4-FFF2-40B4-BE49-F238E27FC236}">
+                <a16:creationId xmlns:a16="http://schemas.microsoft.com/office/drawing/2014/main" id="{3D36462F-A7F2-48DA-AAF2-A311AD8A6A4E}"/>
+              </a:ext>
+            </a:extLst>
+          </p:cNvPr>
+          <p:cNvSpPr>
+            <a:spLocks noGrp="1"/>
+          </p:cNvSpPr>
+          <p:nvPr>
+            <p:ph type="ftr" sz="quarter" idx="11"/>
+          </p:nvPr>
+        </p:nvSpPr>
+        <p:spPr/>
+        <p:txBody>
+          <a:bodyPr/>
+          <a:lstStyle/>
+          <a:p>
+            <a:r>
+              <a:rPr lang="en-US"/>
+              <a:t>Say nice things about me on </a:t>
+            </a:r>
+            <a:r>
+              <a:rPr lang="en-US" b="1"/>
+              <a:t>twitter.com/1kevgriff</a:t>
+            </a:r>
+            <a:endParaRPr lang="en-US" b="1" dirty="0"/>
+          </a:p>
+        </p:txBody>
+      </p:sp>
+    </p:spTree>
+    <p:extLst>
+      <p:ext uri="{BB962C8B-B14F-4D97-AF65-F5344CB8AC3E}">
+        <p14:creationId xmlns:p14="http://schemas.microsoft.com/office/powerpoint/2010/main" val="1092764790"/>
       </p:ext>
     </p:extLst>
   </p:cSld>
@@ -4185,51 +7402,37 @@
       </p:grpSpPr>
       <p:sp>
         <p:nvSpPr>
-          <p:cNvPr id="2" name="Title 1">
-            <a:extLst>
-              <a:ext uri="{FF2B5EF4-FFF2-40B4-BE49-F238E27FC236}">
-                <a16:creationId xmlns:a16="http://schemas.microsoft.com/office/drawing/2014/main" id="{F33D918E-4220-49E3-88A8-616A0CDE909D}"/>
-              </a:ext>
-            </a:extLst>
-          </p:cNvPr>
-          <p:cNvSpPr>
-            <a:spLocks noGrp="1"/>
-          </p:cNvSpPr>
-          <p:nvPr>
-            <p:ph type="title"/>
-          </p:nvPr>
-        </p:nvSpPr>
-        <p:spPr/>
-        <p:txBody>
-          <a:bodyPr/>
-          <a:lstStyle/>
-          <a:p>
-            <a:endParaRPr lang="en-US"/>
-          </a:p>
-        </p:txBody>
-      </p:sp>
-      <p:sp>
-        <p:nvSpPr>
-          <p:cNvPr id="3" name="Text Placeholder 2">
-            <a:extLst>
-              <a:ext uri="{FF2B5EF4-FFF2-40B4-BE49-F238E27FC236}">
-                <a16:creationId xmlns:a16="http://schemas.microsoft.com/office/drawing/2014/main" id="{A1383E9F-28D4-4E5C-B122-4E60F47AABB1}"/>
-              </a:ext>
-            </a:extLst>
-          </p:cNvPr>
-          <p:cNvSpPr>
-            <a:spLocks noGrp="1"/>
-          </p:cNvSpPr>
-          <p:nvPr>
-            <p:ph type="body" idx="1"/>
-          </p:nvPr>
-        </p:nvSpPr>
-        <p:spPr/>
-        <p:txBody>
-          <a:bodyPr/>
-          <a:lstStyle/>
-          <a:p>
-            <a:endParaRPr lang="en-US"/>
+          <p:cNvPr id="4" name="TextBox 3">
+            <a:extLst>
+              <a:ext uri="{FF2B5EF4-FFF2-40B4-BE49-F238E27FC236}">
+                <a16:creationId xmlns:a16="http://schemas.microsoft.com/office/drawing/2014/main" id="{369828F9-6B54-4777-8630-4CAD2CDE15D4}"/>
+              </a:ext>
+            </a:extLst>
+          </p:cNvPr>
+          <p:cNvSpPr txBox="1"/>
+          <p:nvPr/>
+        </p:nvSpPr>
+        <p:spPr>
+          <a:xfrm>
+            <a:off x="1821180" y="1188720"/>
+            <a:ext cx="8549640" cy="1200329"/>
+          </a:xfrm>
+          <a:prstGeom prst="rect">
+            <a:avLst/>
+          </a:prstGeom>
+          <a:noFill/>
+        </p:spPr>
+        <p:txBody>
+          <a:bodyPr wrap="square" rtlCol="0">
+            <a:spAutoFit/>
+          </a:bodyPr>
+          <a:lstStyle/>
+          <a:p>
+            <a:pPr algn="ctr"/>
+            <a:r>
+              <a:rPr lang="en-US" sz="7200" dirty="0"/>
+              <a:t>If CSS has an API…</a:t>
+            </a:r>
           </a:p>
         </p:txBody>
       </p:sp>
@@ -4237,6 +7440,723 @@
     <p:extLst>
       <p:ext uri="{BB962C8B-B14F-4D97-AF65-F5344CB8AC3E}">
         <p14:creationId xmlns:p14="http://schemas.microsoft.com/office/powerpoint/2010/main" val="4121362635"/>
+      </p:ext>
+    </p:extLst>
+  </p:cSld>
+  <p:clrMapOvr>
+    <a:masterClrMapping/>
+  </p:clrMapOvr>
+</p:sld>
+</file>
+
+<file path=ppt/slides/slide5.xml><?xml version="1.0" encoding="utf-8"?>
+<p:sld xmlns:a="http://schemas.openxmlformats.org/drawingml/2006/main" xmlns:r="http://schemas.openxmlformats.org/officeDocument/2006/relationships" xmlns:p="http://schemas.openxmlformats.org/presentationml/2006/main">
+  <p:cSld>
+    <p:spTree>
+      <p:nvGrpSpPr>
+        <p:cNvPr id="1" name=""/>
+        <p:cNvGrpSpPr/>
+        <p:nvPr/>
+      </p:nvGrpSpPr>
+      <p:grpSpPr>
+        <a:xfrm>
+          <a:off x="0" y="0"/>
+          <a:ext cx="0" cy="0"/>
+          <a:chOff x="0" y="0"/>
+          <a:chExt cx="0" cy="0"/>
+        </a:xfrm>
+      </p:grpSpPr>
+      <p:sp>
+        <p:nvSpPr>
+          <p:cNvPr id="4" name="Title 3">
+            <a:extLst>
+              <a:ext uri="{FF2B5EF4-FFF2-40B4-BE49-F238E27FC236}">
+                <a16:creationId xmlns:a16="http://schemas.microsoft.com/office/drawing/2014/main" id="{7C31F791-1567-4204-A985-810B91C88073}"/>
+              </a:ext>
+            </a:extLst>
+          </p:cNvPr>
+          <p:cNvSpPr>
+            <a:spLocks noGrp="1"/>
+          </p:cNvSpPr>
+          <p:nvPr>
+            <p:ph type="title"/>
+          </p:nvPr>
+        </p:nvSpPr>
+        <p:spPr/>
+        <p:txBody>
+          <a:bodyPr/>
+          <a:lstStyle/>
+          <a:p>
+            <a:r>
+              <a:rPr lang="en-US" dirty="0"/>
+              <a:t>We don’t talk about Bootstrap…</a:t>
+            </a:r>
+          </a:p>
+        </p:txBody>
+      </p:sp>
+      <p:sp>
+        <p:nvSpPr>
+          <p:cNvPr id="6" name="Content Placeholder 5">
+            <a:extLst>
+              <a:ext uri="{FF2B5EF4-FFF2-40B4-BE49-F238E27FC236}">
+                <a16:creationId xmlns:a16="http://schemas.microsoft.com/office/drawing/2014/main" id="{F7F45912-97FD-45B5-9BA5-FF34248092B4}"/>
+              </a:ext>
+            </a:extLst>
+          </p:cNvPr>
+          <p:cNvSpPr>
+            <a:spLocks noGrp="1"/>
+          </p:cNvSpPr>
+          <p:nvPr>
+            <p:ph sz="half" idx="2"/>
+          </p:nvPr>
+        </p:nvSpPr>
+        <p:spPr/>
+        <p:txBody>
+          <a:bodyPr/>
+          <a:lstStyle/>
+          <a:p>
+            <a:r>
+              <a:rPr lang="en-US" dirty="0"/>
+              <a:t>First, Bootstrap is still an okay solution</a:t>
+            </a:r>
+          </a:p>
+          <a:p>
+            <a:r>
+              <a:rPr lang="en-US" dirty="0"/>
+              <a:t>But all Bootstrap sites look the same</a:t>
+            </a:r>
+          </a:p>
+          <a:p>
+            <a:pPr marL="0" indent="0">
+              <a:buNone/>
+            </a:pPr>
+            <a:endParaRPr lang="en-US" dirty="0"/>
+          </a:p>
+        </p:txBody>
+      </p:sp>
+      <p:pic>
+        <p:nvPicPr>
+          <p:cNvPr id="7" name="Content Placeholder 6">
+            <a:extLst>
+              <a:ext uri="{FF2B5EF4-FFF2-40B4-BE49-F238E27FC236}">
+                <a16:creationId xmlns:a16="http://schemas.microsoft.com/office/drawing/2014/main" id="{9E66BF22-19BE-4716-A104-C7E177A62569}"/>
+              </a:ext>
+            </a:extLst>
+          </p:cNvPr>
+          <p:cNvPicPr>
+            <a:picLocks noGrp="1" noChangeAspect="1"/>
+          </p:cNvPicPr>
+          <p:nvPr>
+            <p:ph sz="half" idx="1"/>
+          </p:nvPr>
+        </p:nvPicPr>
+        <p:blipFill>
+          <a:blip r:embed="rId2"/>
+          <a:stretch>
+            <a:fillRect/>
+          </a:stretch>
+        </p:blipFill>
+        <p:spPr>
+          <a:xfrm>
+            <a:off x="929000" y="2058437"/>
+            <a:ext cx="5000000" cy="3885714"/>
+          </a:xfrm>
+          <a:prstGeom prst="rect">
+            <a:avLst/>
+          </a:prstGeom>
+        </p:spPr>
+      </p:pic>
+      <p:pic>
+        <p:nvPicPr>
+          <p:cNvPr id="9" name="Picture 8">
+            <a:extLst>
+              <a:ext uri="{FF2B5EF4-FFF2-40B4-BE49-F238E27FC236}">
+                <a16:creationId xmlns:a16="http://schemas.microsoft.com/office/drawing/2014/main" id="{344BFA94-BE47-430D-8EF4-82C50AF2502A}"/>
+              </a:ext>
+            </a:extLst>
+          </p:cNvPr>
+          <p:cNvPicPr>
+            <a:picLocks noChangeAspect="1"/>
+          </p:cNvPicPr>
+          <p:nvPr/>
+        </p:nvPicPr>
+        <p:blipFill>
+          <a:blip r:embed="rId3"/>
+          <a:stretch>
+            <a:fillRect/>
+          </a:stretch>
+        </p:blipFill>
+        <p:spPr>
+          <a:xfrm>
+            <a:off x="6168701" y="3827705"/>
+            <a:ext cx="5185099" cy="2665170"/>
+          </a:xfrm>
+          <a:prstGeom prst="rect">
+            <a:avLst/>
+          </a:prstGeom>
+        </p:spPr>
+      </p:pic>
+    </p:spTree>
+    <p:extLst>
+      <p:ext uri="{BB962C8B-B14F-4D97-AF65-F5344CB8AC3E}">
+        <p14:creationId xmlns:p14="http://schemas.microsoft.com/office/powerpoint/2010/main" val="355810102"/>
+      </p:ext>
+    </p:extLst>
+  </p:cSld>
+  <p:clrMapOvr>
+    <a:masterClrMapping/>
+  </p:clrMapOvr>
+</p:sld>
+</file>
+
+<file path=ppt/slides/slide6.xml><?xml version="1.0" encoding="utf-8"?>
+<p:sld xmlns:a="http://schemas.openxmlformats.org/drawingml/2006/main" xmlns:r="http://schemas.openxmlformats.org/officeDocument/2006/relationships" xmlns:p="http://schemas.openxmlformats.org/presentationml/2006/main">
+  <p:cSld>
+    <p:spTree>
+      <p:nvGrpSpPr>
+        <p:cNvPr id="1" name=""/>
+        <p:cNvGrpSpPr/>
+        <p:nvPr/>
+      </p:nvGrpSpPr>
+      <p:grpSpPr>
+        <a:xfrm>
+          <a:off x="0" y="0"/>
+          <a:ext cx="0" cy="0"/>
+          <a:chOff x="0" y="0"/>
+          <a:chExt cx="0" cy="0"/>
+        </a:xfrm>
+      </p:grpSpPr>
+      <p:sp>
+        <p:nvSpPr>
+          <p:cNvPr id="4" name="Title 3">
+            <a:extLst>
+              <a:ext uri="{FF2B5EF4-FFF2-40B4-BE49-F238E27FC236}">
+                <a16:creationId xmlns:a16="http://schemas.microsoft.com/office/drawing/2014/main" id="{7C31F791-1567-4204-A985-810B91C88073}"/>
+              </a:ext>
+            </a:extLst>
+          </p:cNvPr>
+          <p:cNvSpPr>
+            <a:spLocks noGrp="1"/>
+          </p:cNvSpPr>
+          <p:nvPr>
+            <p:ph type="title"/>
+          </p:nvPr>
+        </p:nvSpPr>
+        <p:spPr/>
+        <p:txBody>
+          <a:bodyPr/>
+          <a:lstStyle/>
+          <a:p>
+            <a:r>
+              <a:rPr lang="en-US" dirty="0"/>
+              <a:t>We don’t talk about Bootstrap…</a:t>
+            </a:r>
+          </a:p>
+        </p:txBody>
+      </p:sp>
+      <p:sp>
+        <p:nvSpPr>
+          <p:cNvPr id="6" name="Content Placeholder 5">
+            <a:extLst>
+              <a:ext uri="{FF2B5EF4-FFF2-40B4-BE49-F238E27FC236}">
+                <a16:creationId xmlns:a16="http://schemas.microsoft.com/office/drawing/2014/main" id="{F7F45912-97FD-45B5-9BA5-FF34248092B4}"/>
+              </a:ext>
+            </a:extLst>
+          </p:cNvPr>
+          <p:cNvSpPr>
+            <a:spLocks noGrp="1"/>
+          </p:cNvSpPr>
+          <p:nvPr>
+            <p:ph sz="half" idx="2"/>
+          </p:nvPr>
+        </p:nvSpPr>
+        <p:spPr/>
+        <p:txBody>
+          <a:bodyPr/>
+          <a:lstStyle/>
+          <a:p>
+            <a:r>
+              <a:rPr lang="en-US" dirty="0"/>
+              <a:t>Bootstrap (and Bootstrap templates) don’t give you much flexibility without overhauling CSS</a:t>
+            </a:r>
+          </a:p>
+          <a:p>
+            <a:r>
+              <a:rPr lang="en-US" dirty="0"/>
+              <a:t>A lot of components require JavaScript to work appropriately.</a:t>
+            </a:r>
+          </a:p>
+          <a:p>
+            <a:pPr marL="0" indent="0">
+              <a:buNone/>
+            </a:pPr>
+            <a:endParaRPr lang="en-US" dirty="0"/>
+          </a:p>
+        </p:txBody>
+      </p:sp>
+      <p:pic>
+        <p:nvPicPr>
+          <p:cNvPr id="7" name="Content Placeholder 6">
+            <a:extLst>
+              <a:ext uri="{FF2B5EF4-FFF2-40B4-BE49-F238E27FC236}">
+                <a16:creationId xmlns:a16="http://schemas.microsoft.com/office/drawing/2014/main" id="{9E66BF22-19BE-4716-A104-C7E177A62569}"/>
+              </a:ext>
+            </a:extLst>
+          </p:cNvPr>
+          <p:cNvPicPr>
+            <a:picLocks noGrp="1" noChangeAspect="1"/>
+          </p:cNvPicPr>
+          <p:nvPr>
+            <p:ph sz="half" idx="1"/>
+          </p:nvPr>
+        </p:nvPicPr>
+        <p:blipFill>
+          <a:blip r:embed="rId2"/>
+          <a:stretch>
+            <a:fillRect/>
+          </a:stretch>
+        </p:blipFill>
+        <p:spPr>
+          <a:xfrm>
+            <a:off x="929000" y="2058437"/>
+            <a:ext cx="5000000" cy="3885714"/>
+          </a:xfrm>
+          <a:prstGeom prst="rect">
+            <a:avLst/>
+          </a:prstGeom>
+        </p:spPr>
+      </p:pic>
+    </p:spTree>
+    <p:extLst>
+      <p:ext uri="{BB962C8B-B14F-4D97-AF65-F5344CB8AC3E}">
+        <p14:creationId xmlns:p14="http://schemas.microsoft.com/office/powerpoint/2010/main" val="1367592555"/>
+      </p:ext>
+    </p:extLst>
+  </p:cSld>
+  <p:clrMapOvr>
+    <a:masterClrMapping/>
+  </p:clrMapOvr>
+</p:sld>
+</file>
+
+<file path=ppt/slides/slide7.xml><?xml version="1.0" encoding="utf-8"?>
+<p:sld xmlns:a="http://schemas.openxmlformats.org/drawingml/2006/main" xmlns:r="http://schemas.openxmlformats.org/officeDocument/2006/relationships" xmlns:p="http://schemas.openxmlformats.org/presentationml/2006/main">
+  <p:cSld>
+    <p:spTree>
+      <p:nvGrpSpPr>
+        <p:cNvPr id="1" name=""/>
+        <p:cNvGrpSpPr/>
+        <p:nvPr/>
+      </p:nvGrpSpPr>
+      <p:grpSpPr>
+        <a:xfrm>
+          <a:off x="0" y="0"/>
+          <a:ext cx="0" cy="0"/>
+          <a:chOff x="0" y="0"/>
+          <a:chExt cx="0" cy="0"/>
+        </a:xfrm>
+      </p:grpSpPr>
+      <p:sp>
+        <p:nvSpPr>
+          <p:cNvPr id="4" name="Title 3">
+            <a:extLst>
+              <a:ext uri="{FF2B5EF4-FFF2-40B4-BE49-F238E27FC236}">
+                <a16:creationId xmlns:a16="http://schemas.microsoft.com/office/drawing/2014/main" id="{7C31F791-1567-4204-A985-810B91C88073}"/>
+              </a:ext>
+            </a:extLst>
+          </p:cNvPr>
+          <p:cNvSpPr>
+            <a:spLocks noGrp="1"/>
+          </p:cNvSpPr>
+          <p:nvPr>
+            <p:ph type="title"/>
+          </p:nvPr>
+        </p:nvSpPr>
+        <p:spPr/>
+        <p:txBody>
+          <a:bodyPr/>
+          <a:lstStyle/>
+          <a:p>
+            <a:r>
+              <a:rPr lang="en-US" dirty="0"/>
+              <a:t>We don’t talk about Bootstrap…</a:t>
+            </a:r>
+          </a:p>
+        </p:txBody>
+      </p:sp>
+      <p:sp>
+        <p:nvSpPr>
+          <p:cNvPr id="6" name="Content Placeholder 5">
+            <a:extLst>
+              <a:ext uri="{FF2B5EF4-FFF2-40B4-BE49-F238E27FC236}">
+                <a16:creationId xmlns:a16="http://schemas.microsoft.com/office/drawing/2014/main" id="{F7F45912-97FD-45B5-9BA5-FF34248092B4}"/>
+              </a:ext>
+            </a:extLst>
+          </p:cNvPr>
+          <p:cNvSpPr>
+            <a:spLocks noGrp="1"/>
+          </p:cNvSpPr>
+          <p:nvPr>
+            <p:ph sz="half" idx="2"/>
+          </p:nvPr>
+        </p:nvSpPr>
+        <p:spPr/>
+        <p:txBody>
+          <a:bodyPr/>
+          <a:lstStyle/>
+          <a:p>
+            <a:r>
+              <a:rPr lang="en-US" dirty="0"/>
+              <a:t>Let’s not judge Tailwind CSS and Bootstrap as equals – they are not.</a:t>
+            </a:r>
+          </a:p>
+          <a:p>
+            <a:endParaRPr lang="en-US" dirty="0"/>
+          </a:p>
+          <a:p>
+            <a:endParaRPr lang="en-US" dirty="0"/>
+          </a:p>
+        </p:txBody>
+      </p:sp>
+      <p:pic>
+        <p:nvPicPr>
+          <p:cNvPr id="7" name="Content Placeholder 6">
+            <a:extLst>
+              <a:ext uri="{FF2B5EF4-FFF2-40B4-BE49-F238E27FC236}">
+                <a16:creationId xmlns:a16="http://schemas.microsoft.com/office/drawing/2014/main" id="{9E66BF22-19BE-4716-A104-C7E177A62569}"/>
+              </a:ext>
+            </a:extLst>
+          </p:cNvPr>
+          <p:cNvPicPr>
+            <a:picLocks noGrp="1" noChangeAspect="1"/>
+          </p:cNvPicPr>
+          <p:nvPr>
+            <p:ph sz="half" idx="1"/>
+          </p:nvPr>
+        </p:nvPicPr>
+        <p:blipFill>
+          <a:blip r:embed="rId2"/>
+          <a:stretch>
+            <a:fillRect/>
+          </a:stretch>
+        </p:blipFill>
+        <p:spPr>
+          <a:xfrm>
+            <a:off x="929000" y="2058437"/>
+            <a:ext cx="5000000" cy="3885714"/>
+          </a:xfrm>
+          <a:prstGeom prst="rect">
+            <a:avLst/>
+          </a:prstGeom>
+        </p:spPr>
+      </p:pic>
+    </p:spTree>
+    <p:extLst>
+      <p:ext uri="{BB962C8B-B14F-4D97-AF65-F5344CB8AC3E}">
+        <p14:creationId xmlns:p14="http://schemas.microsoft.com/office/powerpoint/2010/main" val="1934196899"/>
+      </p:ext>
+    </p:extLst>
+  </p:cSld>
+  <p:clrMapOvr>
+    <a:masterClrMapping/>
+  </p:clrMapOvr>
+</p:sld>
+</file>
+
+<file path=ppt/slides/slide8.xml><?xml version="1.0" encoding="utf-8"?>
+<p:sld xmlns:a="http://schemas.openxmlformats.org/drawingml/2006/main" xmlns:r="http://schemas.openxmlformats.org/officeDocument/2006/relationships" xmlns:p="http://schemas.openxmlformats.org/presentationml/2006/main">
+  <p:cSld>
+    <p:spTree>
+      <p:nvGrpSpPr>
+        <p:cNvPr id="1" name=""/>
+        <p:cNvGrpSpPr/>
+        <p:nvPr/>
+      </p:nvGrpSpPr>
+      <p:grpSpPr>
+        <a:xfrm>
+          <a:off x="0" y="0"/>
+          <a:ext cx="0" cy="0"/>
+          <a:chOff x="0" y="0"/>
+          <a:chExt cx="0" cy="0"/>
+        </a:xfrm>
+      </p:grpSpPr>
+      <p:sp>
+        <p:nvSpPr>
+          <p:cNvPr id="2" name="Title 1">
+            <a:extLst>
+              <a:ext uri="{FF2B5EF4-FFF2-40B4-BE49-F238E27FC236}">
+                <a16:creationId xmlns:a16="http://schemas.microsoft.com/office/drawing/2014/main" id="{506E8F51-7C67-435E-ADE1-4212709B652C}"/>
+              </a:ext>
+            </a:extLst>
+          </p:cNvPr>
+          <p:cNvSpPr>
+            <a:spLocks noGrp="1"/>
+          </p:cNvSpPr>
+          <p:nvPr>
+            <p:ph type="title"/>
+          </p:nvPr>
+        </p:nvSpPr>
+        <p:spPr/>
+        <p:txBody>
+          <a:bodyPr/>
+          <a:lstStyle/>
+          <a:p>
+            <a:r>
+              <a:rPr lang="en-US" dirty="0"/>
+              <a:t>We have a lot to cover!</a:t>
+            </a:r>
+          </a:p>
+        </p:txBody>
+      </p:sp>
+      <p:sp>
+        <p:nvSpPr>
+          <p:cNvPr id="3" name="Content Placeholder 2">
+            <a:extLst>
+              <a:ext uri="{FF2B5EF4-FFF2-40B4-BE49-F238E27FC236}">
+                <a16:creationId xmlns:a16="http://schemas.microsoft.com/office/drawing/2014/main" id="{9A4B5544-8796-4003-A225-F8D4DDC5DB10}"/>
+              </a:ext>
+            </a:extLst>
+          </p:cNvPr>
+          <p:cNvSpPr>
+            <a:spLocks noGrp="1"/>
+          </p:cNvSpPr>
+          <p:nvPr>
+            <p:ph sz="half" idx="1"/>
+          </p:nvPr>
+        </p:nvSpPr>
+        <p:spPr/>
+        <p:txBody>
+          <a:bodyPr/>
+          <a:lstStyle/>
+          <a:p>
+            <a:r>
+              <a:rPr lang="en-US" dirty="0"/>
+              <a:t>Layout</a:t>
+            </a:r>
+          </a:p>
+          <a:p>
+            <a:r>
+              <a:rPr lang="en-US" dirty="0"/>
+              <a:t>Sizing</a:t>
+            </a:r>
+          </a:p>
+          <a:p>
+            <a:r>
+              <a:rPr lang="en-US" dirty="0"/>
+              <a:t>Colors</a:t>
+            </a:r>
+          </a:p>
+          <a:p>
+            <a:r>
+              <a:rPr lang="en-US" dirty="0"/>
+              <a:t>Typography</a:t>
+            </a:r>
+          </a:p>
+          <a:p>
+            <a:endParaRPr lang="en-US" dirty="0"/>
+          </a:p>
+        </p:txBody>
+      </p:sp>
+      <p:sp>
+        <p:nvSpPr>
+          <p:cNvPr id="4" name="Content Placeholder 3">
+            <a:extLst>
+              <a:ext uri="{FF2B5EF4-FFF2-40B4-BE49-F238E27FC236}">
+                <a16:creationId xmlns:a16="http://schemas.microsoft.com/office/drawing/2014/main" id="{2CF53451-9FAF-4784-A959-EB921768FB52}"/>
+              </a:ext>
+            </a:extLst>
+          </p:cNvPr>
+          <p:cNvSpPr>
+            <a:spLocks noGrp="1"/>
+          </p:cNvSpPr>
+          <p:nvPr>
+            <p:ph sz="half" idx="2"/>
+          </p:nvPr>
+        </p:nvSpPr>
+        <p:spPr/>
+        <p:txBody>
+          <a:bodyPr/>
+          <a:lstStyle/>
+          <a:p>
+            <a:r>
+              <a:rPr lang="en-US" dirty="0"/>
+              <a:t>Variants</a:t>
+            </a:r>
+          </a:p>
+          <a:p>
+            <a:r>
+              <a:rPr lang="en-US" dirty="0"/>
+              <a:t>Responsive Design</a:t>
+            </a:r>
+          </a:p>
+          <a:p>
+            <a:r>
+              <a:rPr lang="en-US" dirty="0"/>
+              <a:t>Performance / Deployment</a:t>
+            </a:r>
+          </a:p>
+          <a:p>
+            <a:r>
+              <a:rPr lang="en-US" dirty="0"/>
+              <a:t>Frameworks Support</a:t>
+            </a:r>
+          </a:p>
+          <a:p>
+            <a:r>
+              <a:rPr lang="en-US" dirty="0"/>
+              <a:t>Extra</a:t>
+            </a:r>
+          </a:p>
+        </p:txBody>
+      </p:sp>
+    </p:spTree>
+    <p:extLst>
+      <p:ext uri="{BB962C8B-B14F-4D97-AF65-F5344CB8AC3E}">
+        <p14:creationId xmlns:p14="http://schemas.microsoft.com/office/powerpoint/2010/main" val="3221418229"/>
+      </p:ext>
+    </p:extLst>
+  </p:cSld>
+  <p:clrMapOvr>
+    <a:masterClrMapping/>
+  </p:clrMapOvr>
+</p:sld>
+</file>
+
+<file path=ppt/slides/slide9.xml><?xml version="1.0" encoding="utf-8"?>
+<p:sld xmlns:a="http://schemas.openxmlformats.org/drawingml/2006/main" xmlns:r="http://schemas.openxmlformats.org/officeDocument/2006/relationships" xmlns:p="http://schemas.openxmlformats.org/presentationml/2006/main">
+  <p:cSld>
+    <p:spTree>
+      <p:nvGrpSpPr>
+        <p:cNvPr id="1" name=""/>
+        <p:cNvGrpSpPr/>
+        <p:nvPr/>
+      </p:nvGrpSpPr>
+      <p:grpSpPr>
+        <a:xfrm>
+          <a:off x="0" y="0"/>
+          <a:ext cx="0" cy="0"/>
+          <a:chOff x="0" y="0"/>
+          <a:chExt cx="0" cy="0"/>
+        </a:xfrm>
+      </p:grpSpPr>
+      <p:sp>
+        <p:nvSpPr>
+          <p:cNvPr id="2" name="Title 1">
+            <a:extLst>
+              <a:ext uri="{FF2B5EF4-FFF2-40B4-BE49-F238E27FC236}">
+                <a16:creationId xmlns:a16="http://schemas.microsoft.com/office/drawing/2014/main" id="{794687A0-1EF9-414F-85F7-534D02F12E36}"/>
+              </a:ext>
+            </a:extLst>
+          </p:cNvPr>
+          <p:cNvSpPr>
+            <a:spLocks noGrp="1"/>
+          </p:cNvSpPr>
+          <p:nvPr>
+            <p:ph type="title"/>
+          </p:nvPr>
+        </p:nvSpPr>
+        <p:spPr/>
+        <p:txBody>
+          <a:bodyPr/>
+          <a:lstStyle/>
+          <a:p>
+            <a:r>
+              <a:rPr lang="en-US" dirty="0"/>
+              <a:t>Layout</a:t>
+            </a:r>
+          </a:p>
+        </p:txBody>
+      </p:sp>
+      <p:sp>
+        <p:nvSpPr>
+          <p:cNvPr id="4" name="Content Placeholder 3">
+            <a:extLst>
+              <a:ext uri="{FF2B5EF4-FFF2-40B4-BE49-F238E27FC236}">
+                <a16:creationId xmlns:a16="http://schemas.microsoft.com/office/drawing/2014/main" id="{DF0BCFA8-05A2-4610-ACEB-E7856192ACCA}"/>
+              </a:ext>
+            </a:extLst>
+          </p:cNvPr>
+          <p:cNvSpPr>
+            <a:spLocks noGrp="1"/>
+          </p:cNvSpPr>
+          <p:nvPr>
+            <p:ph sz="half" idx="2"/>
+          </p:nvPr>
+        </p:nvSpPr>
+        <p:spPr/>
+        <p:txBody>
+          <a:bodyPr/>
+          <a:lstStyle/>
+          <a:p>
+            <a:pPr marL="0" indent="0">
+              <a:buNone/>
+            </a:pPr>
+            <a:r>
+              <a:rPr lang="en-US" dirty="0"/>
+              <a:t>The Box Model</a:t>
+            </a:r>
+          </a:p>
+          <a:p>
+            <a:pPr marL="0" indent="0">
+              <a:buNone/>
+            </a:pPr>
+            <a:endParaRPr lang="en-US" dirty="0"/>
+          </a:p>
+        </p:txBody>
+      </p:sp>
+      <p:pic>
+        <p:nvPicPr>
+          <p:cNvPr id="1026" name="Picture 2">
+            <a:extLst>
+              <a:ext uri="{FF2B5EF4-FFF2-40B4-BE49-F238E27FC236}">
+                <a16:creationId xmlns:a16="http://schemas.microsoft.com/office/drawing/2014/main" id="{D7C126B6-E70B-40E7-8A33-08EF96EFC75B}"/>
+              </a:ext>
+            </a:extLst>
+          </p:cNvPr>
+          <p:cNvPicPr>
+            <a:picLocks noGrp="1" noChangeAspect="1" noChangeArrowheads="1"/>
+          </p:cNvPicPr>
+          <p:nvPr>
+            <p:ph sz="half" idx="1"/>
+          </p:nvPr>
+        </p:nvPicPr>
+        <p:blipFill>
+          <a:blip r:embed="rId2">
+            <a:extLst>
+              <a:ext uri="{28A0092B-C50C-407E-A947-70E740481C1C}">
+                <a14:useLocalDpi xmlns:a14="http://schemas.microsoft.com/office/drawing/2010/main" val="0"/>
+              </a:ext>
+            </a:extLst>
+          </a:blip>
+          <a:srcRect/>
+          <a:stretch>
+            <a:fillRect/>
+          </a:stretch>
+        </p:blipFill>
+        <p:spPr bwMode="auto">
+          <a:xfrm>
+            <a:off x="1253331" y="1825625"/>
+            <a:ext cx="4351338" cy="4351338"/>
+          </a:xfrm>
+          <a:prstGeom prst="rect">
+            <a:avLst/>
+          </a:prstGeom>
+          <a:noFill/>
+          <a:extLst>
+            <a:ext uri="{909E8E84-426E-40DD-AFC4-6F175D3DCCD1}">
+              <a14:hiddenFill xmlns:a14="http://schemas.microsoft.com/office/drawing/2010/main">
+                <a:solidFill>
+                  <a:srgbClr val="FFFFFF"/>
+                </a:solidFill>
+              </a14:hiddenFill>
+            </a:ext>
+          </a:extLst>
+        </p:spPr>
+      </p:pic>
+    </p:spTree>
+    <p:extLst>
+      <p:ext uri="{BB962C8B-B14F-4D97-AF65-F5344CB8AC3E}">
+        <p14:creationId xmlns:p14="http://schemas.microsoft.com/office/powerpoint/2010/main" val="1356978907"/>
       </p:ext>
     </p:extLst>
   </p:cSld>

--- a/Slides/Tailwind Essentials.pptx
+++ b/Slides/Tailwind Essentials.pptx
@@ -5,40 +5,45 @@
     <p:sldMasterId id="2147483648" r:id="rId1"/>
   </p:sldMasterIdLst>
   <p:notesMasterIdLst>
-    <p:notesMasterId r:id="rId33"/>
+    <p:notesMasterId r:id="rId38"/>
   </p:notesMasterIdLst>
   <p:sldIdLst>
     <p:sldId id="256" r:id="rId2"/>
     <p:sldId id="257" r:id="rId3"/>
     <p:sldId id="259" r:id="rId4"/>
     <p:sldId id="258" r:id="rId5"/>
-    <p:sldId id="260" r:id="rId6"/>
-    <p:sldId id="261" r:id="rId7"/>
-    <p:sldId id="262" r:id="rId8"/>
-    <p:sldId id="263" r:id="rId9"/>
-    <p:sldId id="264" r:id="rId10"/>
-    <p:sldId id="265" r:id="rId11"/>
-    <p:sldId id="266" r:id="rId12"/>
-    <p:sldId id="267" r:id="rId13"/>
-    <p:sldId id="268" r:id="rId14"/>
-    <p:sldId id="269" r:id="rId15"/>
-    <p:sldId id="270" r:id="rId16"/>
-    <p:sldId id="271" r:id="rId17"/>
-    <p:sldId id="272" r:id="rId18"/>
-    <p:sldId id="283" r:id="rId19"/>
-    <p:sldId id="273" r:id="rId20"/>
-    <p:sldId id="274" r:id="rId21"/>
-    <p:sldId id="275" r:id="rId22"/>
-    <p:sldId id="276" r:id="rId23"/>
-    <p:sldId id="284" r:id="rId24"/>
-    <p:sldId id="282" r:id="rId25"/>
-    <p:sldId id="285" r:id="rId26"/>
-    <p:sldId id="286" r:id="rId27"/>
-    <p:sldId id="287" r:id="rId28"/>
-    <p:sldId id="277" r:id="rId29"/>
-    <p:sldId id="278" r:id="rId30"/>
-    <p:sldId id="279" r:id="rId31"/>
-    <p:sldId id="281" r:id="rId32"/>
+    <p:sldId id="289" r:id="rId6"/>
+    <p:sldId id="290" r:id="rId7"/>
+    <p:sldId id="260" r:id="rId8"/>
+    <p:sldId id="261" r:id="rId9"/>
+    <p:sldId id="262" r:id="rId10"/>
+    <p:sldId id="263" r:id="rId11"/>
+    <p:sldId id="291" r:id="rId12"/>
+    <p:sldId id="264" r:id="rId13"/>
+    <p:sldId id="265" r:id="rId14"/>
+    <p:sldId id="266" r:id="rId15"/>
+    <p:sldId id="267" r:id="rId16"/>
+    <p:sldId id="268" r:id="rId17"/>
+    <p:sldId id="269" r:id="rId18"/>
+    <p:sldId id="270" r:id="rId19"/>
+    <p:sldId id="271" r:id="rId20"/>
+    <p:sldId id="272" r:id="rId21"/>
+    <p:sldId id="283" r:id="rId22"/>
+    <p:sldId id="273" r:id="rId23"/>
+    <p:sldId id="274" r:id="rId24"/>
+    <p:sldId id="275" r:id="rId25"/>
+    <p:sldId id="276" r:id="rId26"/>
+    <p:sldId id="284" r:id="rId27"/>
+    <p:sldId id="282" r:id="rId28"/>
+    <p:sldId id="285" r:id="rId29"/>
+    <p:sldId id="286" r:id="rId30"/>
+    <p:sldId id="287" r:id="rId31"/>
+    <p:sldId id="292" r:id="rId32"/>
+    <p:sldId id="277" r:id="rId33"/>
+    <p:sldId id="278" r:id="rId34"/>
+    <p:sldId id="288" r:id="rId35"/>
+    <p:sldId id="279" r:id="rId36"/>
+    <p:sldId id="281" r:id="rId37"/>
   </p:sldIdLst>
   <p:sldSz cx="12192000" cy="6858000"/>
   <p:notesSz cx="6858000" cy="9144000"/>
@@ -638,7 +643,7 @@
           <a:p>
             <a:fld id="{2D685A82-563E-4343-8EA6-0CF94D6DE585}" type="slidenum">
               <a:rPr lang="en-US" smtClean="0"/>
-              <a:t>31</a:t>
+              <a:t>36</a:t>
             </a:fld>
             <a:endParaRPr lang="en-US"/>
           </a:p>
@@ -3992,6 +3997,386 @@
           <p:cNvPr id="2" name="Title 1">
             <a:extLst>
               <a:ext uri="{FF2B5EF4-FFF2-40B4-BE49-F238E27FC236}">
+                <a16:creationId xmlns:a16="http://schemas.microsoft.com/office/drawing/2014/main" id="{506E8F51-7C67-435E-ADE1-4212709B652C}"/>
+              </a:ext>
+            </a:extLst>
+          </p:cNvPr>
+          <p:cNvSpPr>
+            <a:spLocks noGrp="1"/>
+          </p:cNvSpPr>
+          <p:nvPr>
+            <p:ph type="title"/>
+          </p:nvPr>
+        </p:nvSpPr>
+        <p:spPr/>
+        <p:txBody>
+          <a:bodyPr/>
+          <a:lstStyle/>
+          <a:p>
+            <a:r>
+              <a:rPr lang="en-US" dirty="0"/>
+              <a:t>We have a lot to cover!</a:t>
+            </a:r>
+          </a:p>
+        </p:txBody>
+      </p:sp>
+      <p:sp>
+        <p:nvSpPr>
+          <p:cNvPr id="3" name="Content Placeholder 2">
+            <a:extLst>
+              <a:ext uri="{FF2B5EF4-FFF2-40B4-BE49-F238E27FC236}">
+                <a16:creationId xmlns:a16="http://schemas.microsoft.com/office/drawing/2014/main" id="{9A4B5544-8796-4003-A225-F8D4DDC5DB10}"/>
+              </a:ext>
+            </a:extLst>
+          </p:cNvPr>
+          <p:cNvSpPr>
+            <a:spLocks noGrp="1"/>
+          </p:cNvSpPr>
+          <p:nvPr>
+            <p:ph sz="half" idx="1"/>
+          </p:nvPr>
+        </p:nvSpPr>
+        <p:spPr/>
+        <p:txBody>
+          <a:bodyPr/>
+          <a:lstStyle/>
+          <a:p>
+            <a:r>
+              <a:rPr lang="en-US" dirty="0"/>
+              <a:t>Layout</a:t>
+            </a:r>
+          </a:p>
+          <a:p>
+            <a:r>
+              <a:rPr lang="en-US" dirty="0"/>
+              <a:t>Sizing</a:t>
+            </a:r>
+          </a:p>
+          <a:p>
+            <a:r>
+              <a:rPr lang="en-US" dirty="0"/>
+              <a:t>Colors</a:t>
+            </a:r>
+          </a:p>
+          <a:p>
+            <a:r>
+              <a:rPr lang="en-US" dirty="0"/>
+              <a:t>Typography</a:t>
+            </a:r>
+          </a:p>
+          <a:p>
+            <a:endParaRPr lang="en-US" dirty="0"/>
+          </a:p>
+        </p:txBody>
+      </p:sp>
+      <p:sp>
+        <p:nvSpPr>
+          <p:cNvPr id="4" name="Content Placeholder 3">
+            <a:extLst>
+              <a:ext uri="{FF2B5EF4-FFF2-40B4-BE49-F238E27FC236}">
+                <a16:creationId xmlns:a16="http://schemas.microsoft.com/office/drawing/2014/main" id="{2CF53451-9FAF-4784-A959-EB921768FB52}"/>
+              </a:ext>
+            </a:extLst>
+          </p:cNvPr>
+          <p:cNvSpPr>
+            <a:spLocks noGrp="1"/>
+          </p:cNvSpPr>
+          <p:nvPr>
+            <p:ph sz="half" idx="2"/>
+          </p:nvPr>
+        </p:nvSpPr>
+        <p:spPr/>
+        <p:txBody>
+          <a:bodyPr/>
+          <a:lstStyle/>
+          <a:p>
+            <a:r>
+              <a:rPr lang="en-US" dirty="0"/>
+              <a:t>Variants</a:t>
+            </a:r>
+          </a:p>
+          <a:p>
+            <a:r>
+              <a:rPr lang="en-US" dirty="0"/>
+              <a:t>Responsive Design</a:t>
+            </a:r>
+          </a:p>
+          <a:p>
+            <a:r>
+              <a:rPr lang="en-US" dirty="0"/>
+              <a:t>Performance / Deployment</a:t>
+            </a:r>
+          </a:p>
+          <a:p>
+            <a:r>
+              <a:rPr lang="en-US" dirty="0"/>
+              <a:t>Frameworks Support</a:t>
+            </a:r>
+          </a:p>
+          <a:p>
+            <a:r>
+              <a:rPr lang="en-US" dirty="0"/>
+              <a:t>Extra</a:t>
+            </a:r>
+          </a:p>
+        </p:txBody>
+      </p:sp>
+    </p:spTree>
+    <p:extLst>
+      <p:ext uri="{BB962C8B-B14F-4D97-AF65-F5344CB8AC3E}">
+        <p14:creationId xmlns:p14="http://schemas.microsoft.com/office/powerpoint/2010/main" val="3221418229"/>
+      </p:ext>
+    </p:extLst>
+  </p:cSld>
+  <p:clrMapOvr>
+    <a:masterClrMapping/>
+  </p:clrMapOvr>
+</p:sld>
+</file>
+
+<file path=ppt/slides/slide11.xml><?xml version="1.0" encoding="utf-8"?>
+<p:sld xmlns:a="http://schemas.openxmlformats.org/drawingml/2006/main" xmlns:r="http://schemas.openxmlformats.org/officeDocument/2006/relationships" xmlns:p="http://schemas.openxmlformats.org/presentationml/2006/main">
+  <p:cSld>
+    <p:spTree>
+      <p:nvGrpSpPr>
+        <p:cNvPr id="1" name=""/>
+        <p:cNvGrpSpPr/>
+        <p:nvPr/>
+      </p:nvGrpSpPr>
+      <p:grpSpPr>
+        <a:xfrm>
+          <a:off x="0" y="0"/>
+          <a:ext cx="0" cy="0"/>
+          <a:chOff x="0" y="0"/>
+          <a:chExt cx="0" cy="0"/>
+        </a:xfrm>
+      </p:grpSpPr>
+      <p:sp>
+        <p:nvSpPr>
+          <p:cNvPr id="4" name="TextBox 3">
+            <a:extLst>
+              <a:ext uri="{FF2B5EF4-FFF2-40B4-BE49-F238E27FC236}">
+                <a16:creationId xmlns:a16="http://schemas.microsoft.com/office/drawing/2014/main" id="{369828F9-6B54-4777-8630-4CAD2CDE15D4}"/>
+              </a:ext>
+            </a:extLst>
+          </p:cNvPr>
+          <p:cNvSpPr txBox="1"/>
+          <p:nvPr/>
+        </p:nvSpPr>
+        <p:spPr>
+          <a:xfrm>
+            <a:off x="1821180" y="1188720"/>
+            <a:ext cx="8549640" cy="4247317"/>
+          </a:xfrm>
+          <a:prstGeom prst="rect">
+            <a:avLst/>
+          </a:prstGeom>
+          <a:noFill/>
+        </p:spPr>
+        <p:txBody>
+          <a:bodyPr wrap="square" rtlCol="0">
+            <a:spAutoFit/>
+          </a:bodyPr>
+          <a:lstStyle/>
+          <a:p>
+            <a:pPr algn="ctr"/>
+            <a:r>
+              <a:rPr lang="en-US" sz="7200" dirty="0"/>
+              <a:t>I’m glossing over A LOT of material</a:t>
+            </a:r>
+          </a:p>
+          <a:p>
+            <a:pPr algn="ctr"/>
+            <a:endParaRPr lang="en-US" sz="7200" dirty="0"/>
+          </a:p>
+          <a:p>
+            <a:pPr algn="ctr"/>
+            <a:r>
+              <a:rPr lang="en-US" sz="5400" dirty="0"/>
+              <a:t>https://tailwindcss.com/docs</a:t>
+            </a:r>
+          </a:p>
+        </p:txBody>
+      </p:sp>
+    </p:spTree>
+    <p:extLst>
+      <p:ext uri="{BB962C8B-B14F-4D97-AF65-F5344CB8AC3E}">
+        <p14:creationId xmlns:p14="http://schemas.microsoft.com/office/powerpoint/2010/main" val="677878405"/>
+      </p:ext>
+    </p:extLst>
+  </p:cSld>
+  <p:clrMapOvr>
+    <a:masterClrMapping/>
+  </p:clrMapOvr>
+</p:sld>
+</file>
+
+<file path=ppt/slides/slide12.xml><?xml version="1.0" encoding="utf-8"?>
+<p:sld xmlns:a="http://schemas.openxmlformats.org/drawingml/2006/main" xmlns:r="http://schemas.openxmlformats.org/officeDocument/2006/relationships" xmlns:p="http://schemas.openxmlformats.org/presentationml/2006/main">
+  <p:cSld>
+    <p:spTree>
+      <p:nvGrpSpPr>
+        <p:cNvPr id="1" name=""/>
+        <p:cNvGrpSpPr/>
+        <p:nvPr/>
+      </p:nvGrpSpPr>
+      <p:grpSpPr>
+        <a:xfrm>
+          <a:off x="0" y="0"/>
+          <a:ext cx="0" cy="0"/>
+          <a:chOff x="0" y="0"/>
+          <a:chExt cx="0" cy="0"/>
+        </a:xfrm>
+      </p:grpSpPr>
+      <p:sp>
+        <p:nvSpPr>
+          <p:cNvPr id="2" name="Title 1">
+            <a:extLst>
+              <a:ext uri="{FF2B5EF4-FFF2-40B4-BE49-F238E27FC236}">
+                <a16:creationId xmlns:a16="http://schemas.microsoft.com/office/drawing/2014/main" id="{794687A0-1EF9-414F-85F7-534D02F12E36}"/>
+              </a:ext>
+            </a:extLst>
+          </p:cNvPr>
+          <p:cNvSpPr>
+            <a:spLocks noGrp="1"/>
+          </p:cNvSpPr>
+          <p:nvPr>
+            <p:ph type="title"/>
+          </p:nvPr>
+        </p:nvSpPr>
+        <p:spPr/>
+        <p:txBody>
+          <a:bodyPr/>
+          <a:lstStyle/>
+          <a:p>
+            <a:r>
+              <a:rPr lang="en-US" dirty="0"/>
+              <a:t>Layout</a:t>
+            </a:r>
+          </a:p>
+        </p:txBody>
+      </p:sp>
+      <p:sp>
+        <p:nvSpPr>
+          <p:cNvPr id="4" name="Content Placeholder 3">
+            <a:extLst>
+              <a:ext uri="{FF2B5EF4-FFF2-40B4-BE49-F238E27FC236}">
+                <a16:creationId xmlns:a16="http://schemas.microsoft.com/office/drawing/2014/main" id="{DF0BCFA8-05A2-4610-ACEB-E7856192ACCA}"/>
+              </a:ext>
+            </a:extLst>
+          </p:cNvPr>
+          <p:cNvSpPr>
+            <a:spLocks noGrp="1"/>
+          </p:cNvSpPr>
+          <p:nvPr>
+            <p:ph sz="half" idx="2"/>
+          </p:nvPr>
+        </p:nvSpPr>
+        <p:spPr/>
+        <p:txBody>
+          <a:bodyPr/>
+          <a:lstStyle/>
+          <a:p>
+            <a:pPr marL="0" indent="0">
+              <a:buNone/>
+            </a:pPr>
+            <a:r>
+              <a:rPr lang="en-US" dirty="0"/>
+              <a:t>The Box Model</a:t>
+            </a:r>
+          </a:p>
+          <a:p>
+            <a:pPr marL="0" indent="0">
+              <a:buNone/>
+            </a:pPr>
+            <a:endParaRPr lang="en-US" dirty="0"/>
+          </a:p>
+        </p:txBody>
+      </p:sp>
+      <p:pic>
+        <p:nvPicPr>
+          <p:cNvPr id="1026" name="Picture 2">
+            <a:extLst>
+              <a:ext uri="{FF2B5EF4-FFF2-40B4-BE49-F238E27FC236}">
+                <a16:creationId xmlns:a16="http://schemas.microsoft.com/office/drawing/2014/main" id="{D7C126B6-E70B-40E7-8A33-08EF96EFC75B}"/>
+              </a:ext>
+            </a:extLst>
+          </p:cNvPr>
+          <p:cNvPicPr>
+            <a:picLocks noGrp="1" noChangeAspect="1" noChangeArrowheads="1"/>
+          </p:cNvPicPr>
+          <p:nvPr>
+            <p:ph sz="half" idx="1"/>
+          </p:nvPr>
+        </p:nvPicPr>
+        <p:blipFill>
+          <a:blip r:embed="rId2">
+            <a:extLst>
+              <a:ext uri="{28A0092B-C50C-407E-A947-70E740481C1C}">
+                <a14:useLocalDpi xmlns:a14="http://schemas.microsoft.com/office/drawing/2010/main" val="0"/>
+              </a:ext>
+            </a:extLst>
+          </a:blip>
+          <a:srcRect/>
+          <a:stretch>
+            <a:fillRect/>
+          </a:stretch>
+        </p:blipFill>
+        <p:spPr bwMode="auto">
+          <a:xfrm>
+            <a:off x="1253331" y="1825625"/>
+            <a:ext cx="4351338" cy="4351338"/>
+          </a:xfrm>
+          <a:prstGeom prst="rect">
+            <a:avLst/>
+          </a:prstGeom>
+          <a:noFill/>
+          <a:extLst>
+            <a:ext uri="{909E8E84-426E-40DD-AFC4-6F175D3DCCD1}">
+              <a14:hiddenFill xmlns:a14="http://schemas.microsoft.com/office/drawing/2010/main">
+                <a:solidFill>
+                  <a:srgbClr val="FFFFFF"/>
+                </a:solidFill>
+              </a14:hiddenFill>
+            </a:ext>
+          </a:extLst>
+        </p:spPr>
+      </p:pic>
+    </p:spTree>
+    <p:extLst>
+      <p:ext uri="{BB962C8B-B14F-4D97-AF65-F5344CB8AC3E}">
+        <p14:creationId xmlns:p14="http://schemas.microsoft.com/office/powerpoint/2010/main" val="1356978907"/>
+      </p:ext>
+    </p:extLst>
+  </p:cSld>
+  <p:clrMapOvr>
+    <a:masterClrMapping/>
+  </p:clrMapOvr>
+</p:sld>
+</file>
+
+<file path=ppt/slides/slide13.xml><?xml version="1.0" encoding="utf-8"?>
+<p:sld xmlns:a="http://schemas.openxmlformats.org/drawingml/2006/main" xmlns:r="http://schemas.openxmlformats.org/officeDocument/2006/relationships" xmlns:p="http://schemas.openxmlformats.org/presentationml/2006/main">
+  <p:cSld>
+    <p:spTree>
+      <p:nvGrpSpPr>
+        <p:cNvPr id="1" name=""/>
+        <p:cNvGrpSpPr/>
+        <p:nvPr/>
+      </p:nvGrpSpPr>
+      <p:grpSpPr>
+        <a:xfrm>
+          <a:off x="0" y="0"/>
+          <a:ext cx="0" cy="0"/>
+          <a:chOff x="0" y="0"/>
+          <a:chExt cx="0" cy="0"/>
+        </a:xfrm>
+      </p:grpSpPr>
+      <p:sp>
+        <p:nvSpPr>
+          <p:cNvPr id="2" name="Title 1">
+            <a:extLst>
+              <a:ext uri="{FF2B5EF4-FFF2-40B4-BE49-F238E27FC236}">
                 <a16:creationId xmlns:a16="http://schemas.microsoft.com/office/drawing/2014/main" id="{8AB3EBC1-B05F-4776-B1BC-36D6374403F6}"/>
               </a:ext>
             </a:extLst>
@@ -4084,7 +4469,7 @@
 </p:sld>
 </file>
 
-<file path=ppt/slides/slide11.xml><?xml version="1.0" encoding="utf-8"?>
+<file path=ppt/slides/slide14.xml><?xml version="1.0" encoding="utf-8"?>
 <p:sld xmlns:a="http://schemas.openxmlformats.org/drawingml/2006/main" xmlns:r="http://schemas.openxmlformats.org/officeDocument/2006/relationships" xmlns:p="http://schemas.openxmlformats.org/presentationml/2006/main">
   <p:cSld>
     <p:spTree>
@@ -4279,7 +4664,7 @@
 </p:sld>
 </file>
 
-<file path=ppt/slides/slide12.xml><?xml version="1.0" encoding="utf-8"?>
+<file path=ppt/slides/slide15.xml><?xml version="1.0" encoding="utf-8"?>
 <p:sld xmlns:a="http://schemas.openxmlformats.org/drawingml/2006/main" xmlns:r="http://schemas.openxmlformats.org/officeDocument/2006/relationships" xmlns:p="http://schemas.openxmlformats.org/presentationml/2006/main">
   <p:cSld>
     <p:spTree>
@@ -4474,7 +4859,7 @@
 </p:sld>
 </file>
 
-<file path=ppt/slides/slide13.xml><?xml version="1.0" encoding="utf-8"?>
+<file path=ppt/slides/slide16.xml><?xml version="1.0" encoding="utf-8"?>
 <p:sld xmlns:a="http://schemas.openxmlformats.org/drawingml/2006/main" xmlns:r="http://schemas.openxmlformats.org/officeDocument/2006/relationships" xmlns:p="http://schemas.openxmlformats.org/presentationml/2006/main">
   <p:cSld>
     <p:spTree>
@@ -4669,7 +5054,7 @@
 </p:sld>
 </file>
 
-<file path=ppt/slides/slide14.xml><?xml version="1.0" encoding="utf-8"?>
+<file path=ppt/slides/slide17.xml><?xml version="1.0" encoding="utf-8"?>
 <p:sld xmlns:a="http://schemas.openxmlformats.org/drawingml/2006/main" xmlns:r="http://schemas.openxmlformats.org/officeDocument/2006/relationships" xmlns:p="http://schemas.openxmlformats.org/presentationml/2006/main">
   <p:cSld>
     <p:spTree>
@@ -5001,7 +5386,7 @@
 </p:sld>
 </file>
 
-<file path=ppt/slides/slide15.xml><?xml version="1.0" encoding="utf-8"?>
+<file path=ppt/slides/slide18.xml><?xml version="1.0" encoding="utf-8"?>
 <p:sld xmlns:a="http://schemas.openxmlformats.org/drawingml/2006/main" xmlns:r="http://schemas.openxmlformats.org/officeDocument/2006/relationships" xmlns:p="http://schemas.openxmlformats.org/presentationml/2006/main">
   <p:cSld>
     <p:spTree>
@@ -5196,7 +5581,7 @@
 </p:sld>
 </file>
 
-<file path=ppt/slides/slide16.xml><?xml version="1.0" encoding="utf-8"?>
+<file path=ppt/slides/slide19.xml><?xml version="1.0" encoding="utf-8"?>
 <p:sld xmlns:a="http://schemas.openxmlformats.org/drawingml/2006/main" xmlns:r="http://schemas.openxmlformats.org/officeDocument/2006/relationships" xmlns:p="http://schemas.openxmlformats.org/presentationml/2006/main">
   <p:cSld>
     <p:spTree>
@@ -5382,400 +5767,6 @@
     <p:extLst>
       <p:ext uri="{BB962C8B-B14F-4D97-AF65-F5344CB8AC3E}">
         <p14:creationId xmlns:p14="http://schemas.microsoft.com/office/powerpoint/2010/main" val="1715847"/>
-      </p:ext>
-    </p:extLst>
-  </p:cSld>
-  <p:clrMapOvr>
-    <a:masterClrMapping/>
-  </p:clrMapOvr>
-</p:sld>
-</file>
-
-<file path=ppt/slides/slide17.xml><?xml version="1.0" encoding="utf-8"?>
-<p:sld xmlns:a="http://schemas.openxmlformats.org/drawingml/2006/main" xmlns:r="http://schemas.openxmlformats.org/officeDocument/2006/relationships" xmlns:p="http://schemas.openxmlformats.org/presentationml/2006/main">
-  <p:cSld>
-    <p:spTree>
-      <p:nvGrpSpPr>
-        <p:cNvPr id="1" name=""/>
-        <p:cNvGrpSpPr/>
-        <p:nvPr/>
-      </p:nvGrpSpPr>
-      <p:grpSpPr>
-        <a:xfrm>
-          <a:off x="0" y="0"/>
-          <a:ext cx="0" cy="0"/>
-          <a:chOff x="0" y="0"/>
-          <a:chExt cx="0" cy="0"/>
-        </a:xfrm>
-      </p:grpSpPr>
-      <p:sp>
-        <p:nvSpPr>
-          <p:cNvPr id="2" name="Title 1">
-            <a:extLst>
-              <a:ext uri="{FF2B5EF4-FFF2-40B4-BE49-F238E27FC236}">
-                <a16:creationId xmlns:a16="http://schemas.microsoft.com/office/drawing/2014/main" id="{8AB3EBC1-B05F-4776-B1BC-36D6374403F6}"/>
-              </a:ext>
-            </a:extLst>
-          </p:cNvPr>
-          <p:cNvSpPr>
-            <a:spLocks noGrp="1"/>
-          </p:cNvSpPr>
-          <p:nvPr>
-            <p:ph type="title"/>
-          </p:nvPr>
-        </p:nvSpPr>
-        <p:spPr/>
-        <p:txBody>
-          <a:bodyPr/>
-          <a:lstStyle/>
-          <a:p>
-            <a:r>
-              <a:rPr lang="en-US" dirty="0"/>
-              <a:t>Box Model Helpers</a:t>
-            </a:r>
-          </a:p>
-        </p:txBody>
-      </p:sp>
-      <p:sp>
-        <p:nvSpPr>
-          <p:cNvPr id="24" name="Rectangle 23">
-            <a:extLst>
-              <a:ext uri="{FF2B5EF4-FFF2-40B4-BE49-F238E27FC236}">
-                <a16:creationId xmlns:a16="http://schemas.microsoft.com/office/drawing/2014/main" id="{8FBDD923-8243-44D8-8353-F3B3930BA6DD}"/>
-              </a:ext>
-            </a:extLst>
-          </p:cNvPr>
-          <p:cNvSpPr/>
-          <p:nvPr/>
-        </p:nvSpPr>
-        <p:spPr>
-          <a:xfrm>
-            <a:off x="3214255" y="2438399"/>
-            <a:ext cx="6082145" cy="3602183"/>
-          </a:xfrm>
-          <a:prstGeom prst="rect">
-            <a:avLst/>
-          </a:prstGeom>
-          <a:solidFill>
-            <a:schemeClr val="bg1"/>
-          </a:solidFill>
-        </p:spPr>
-        <p:style>
-          <a:lnRef idx="2">
-            <a:schemeClr val="accent1">
-              <a:shade val="50000"/>
-            </a:schemeClr>
-          </a:lnRef>
-          <a:fillRef idx="1">
-            <a:schemeClr val="accent1"/>
-          </a:fillRef>
-          <a:effectRef idx="0">
-            <a:schemeClr val="accent1"/>
-          </a:effectRef>
-          <a:fontRef idx="minor">
-            <a:schemeClr val="lt1"/>
-          </a:fontRef>
-        </p:style>
-        <p:txBody>
-          <a:bodyPr rtlCol="0" anchor="ctr"/>
-          <a:lstStyle/>
-          <a:p>
-            <a:pPr algn="ctr"/>
-            <a:r>
-              <a:rPr lang="en-US" sz="3200" dirty="0">
-                <a:solidFill>
-                  <a:schemeClr val="tx1"/>
-                </a:solidFill>
-              </a:rPr>
-              <a:t>&lt;div class=“</a:t>
-            </a:r>
-            <a:r>
-              <a:rPr lang="en-US" sz="3200" b="1" dirty="0">
-                <a:solidFill>
-                  <a:schemeClr val="tx1"/>
-                </a:solidFill>
-              </a:rPr>
-              <a:t>m-5</a:t>
-            </a:r>
-            <a:r>
-              <a:rPr lang="en-US" sz="3200" dirty="0">
-                <a:solidFill>
-                  <a:schemeClr val="tx1"/>
-                </a:solidFill>
-              </a:rPr>
-              <a:t>”&gt;</a:t>
-            </a:r>
-          </a:p>
-          <a:p>
-            <a:pPr algn="ctr"/>
-            <a:r>
-              <a:rPr lang="en-US" sz="3200" dirty="0">
-                <a:solidFill>
-                  <a:schemeClr val="tx1"/>
-                </a:solidFill>
-              </a:rPr>
-              <a:t>&lt;/div&gt;</a:t>
-            </a:r>
-          </a:p>
-        </p:txBody>
-      </p:sp>
-      <p:sp>
-        <p:nvSpPr>
-          <p:cNvPr id="4" name="Rectangle 3">
-            <a:extLst>
-              <a:ext uri="{FF2B5EF4-FFF2-40B4-BE49-F238E27FC236}">
-                <a16:creationId xmlns:a16="http://schemas.microsoft.com/office/drawing/2014/main" id="{0456CF99-1884-4DE6-9F76-B4A981965D37}"/>
-              </a:ext>
-            </a:extLst>
-          </p:cNvPr>
-          <p:cNvSpPr/>
-          <p:nvPr/>
-        </p:nvSpPr>
-        <p:spPr>
-          <a:xfrm>
-            <a:off x="2895600" y="2133600"/>
-            <a:ext cx="6677891" cy="4197927"/>
-          </a:xfrm>
-          <a:prstGeom prst="rect">
-            <a:avLst/>
-          </a:prstGeom>
-          <a:noFill/>
-          <a:ln>
-            <a:prstDash val="lgDash"/>
-          </a:ln>
-        </p:spPr>
-        <p:style>
-          <a:lnRef idx="2">
-            <a:schemeClr val="accent1">
-              <a:shade val="50000"/>
-            </a:schemeClr>
-          </a:lnRef>
-          <a:fillRef idx="1">
-            <a:schemeClr val="accent1"/>
-          </a:fillRef>
-          <a:effectRef idx="0">
-            <a:schemeClr val="accent1"/>
-          </a:effectRef>
-          <a:fontRef idx="minor">
-            <a:schemeClr val="lt1"/>
-          </a:fontRef>
-        </p:style>
-        <p:txBody>
-          <a:bodyPr rtlCol="0" anchor="ctr"/>
-          <a:lstStyle/>
-          <a:p>
-            <a:pPr algn="ctr"/>
-            <a:endParaRPr lang="en-US" sz="3200" dirty="0">
-              <a:solidFill>
-                <a:schemeClr val="tx1"/>
-              </a:solidFill>
-            </a:endParaRPr>
-          </a:p>
-        </p:txBody>
-      </p:sp>
-    </p:spTree>
-    <p:extLst>
-      <p:ext uri="{BB962C8B-B14F-4D97-AF65-F5344CB8AC3E}">
-        <p14:creationId xmlns:p14="http://schemas.microsoft.com/office/powerpoint/2010/main" val="3543082722"/>
-      </p:ext>
-    </p:extLst>
-  </p:cSld>
-  <p:clrMapOvr>
-    <a:masterClrMapping/>
-  </p:clrMapOvr>
-</p:sld>
-</file>
-
-<file path=ppt/slides/slide18.xml><?xml version="1.0" encoding="utf-8"?>
-<p:sld xmlns:a="http://schemas.openxmlformats.org/drawingml/2006/main" xmlns:r="http://schemas.openxmlformats.org/officeDocument/2006/relationships" xmlns:p="http://schemas.openxmlformats.org/presentationml/2006/main">
-  <p:cSld>
-    <p:spTree>
-      <p:nvGrpSpPr>
-        <p:cNvPr id="1" name=""/>
-        <p:cNvGrpSpPr/>
-        <p:nvPr/>
-      </p:nvGrpSpPr>
-      <p:grpSpPr>
-        <a:xfrm>
-          <a:off x="0" y="0"/>
-          <a:ext cx="0" cy="0"/>
-          <a:chOff x="0" y="0"/>
-          <a:chExt cx="0" cy="0"/>
-        </a:xfrm>
-      </p:grpSpPr>
-      <p:sp>
-        <p:nvSpPr>
-          <p:cNvPr id="2" name="Title 1">
-            <a:extLst>
-              <a:ext uri="{FF2B5EF4-FFF2-40B4-BE49-F238E27FC236}">
-                <a16:creationId xmlns:a16="http://schemas.microsoft.com/office/drawing/2014/main" id="{2C8FF3E7-D908-4AB0-B3EB-522DB1B3DD4F}"/>
-              </a:ext>
-            </a:extLst>
-          </p:cNvPr>
-          <p:cNvSpPr>
-            <a:spLocks noGrp="1"/>
-          </p:cNvSpPr>
-          <p:nvPr>
-            <p:ph type="title"/>
-          </p:nvPr>
-        </p:nvSpPr>
-        <p:spPr/>
-        <p:txBody>
-          <a:bodyPr/>
-          <a:lstStyle/>
-          <a:p>
-            <a:r>
-              <a:rPr lang="en-US" dirty="0"/>
-              <a:t>Widths</a:t>
-            </a:r>
-          </a:p>
-        </p:txBody>
-      </p:sp>
-      <p:pic>
-        <p:nvPicPr>
-          <p:cNvPr id="7" name="Content Placeholder 6">
-            <a:extLst>
-              <a:ext uri="{FF2B5EF4-FFF2-40B4-BE49-F238E27FC236}">
-                <a16:creationId xmlns:a16="http://schemas.microsoft.com/office/drawing/2014/main" id="{11A77F87-995F-43D4-89F7-7C83416E6626}"/>
-              </a:ext>
-            </a:extLst>
-          </p:cNvPr>
-          <p:cNvPicPr>
-            <a:picLocks noGrp="1" noChangeAspect="1"/>
-          </p:cNvPicPr>
-          <p:nvPr>
-            <p:ph sz="half" idx="1"/>
-          </p:nvPr>
-        </p:nvPicPr>
-        <p:blipFill>
-          <a:blip r:embed="rId2"/>
-          <a:stretch>
-            <a:fillRect/>
-          </a:stretch>
-        </p:blipFill>
-        <p:spPr>
-          <a:xfrm>
-            <a:off x="838200" y="2702529"/>
-            <a:ext cx="5181600" cy="2597529"/>
-          </a:xfrm>
-        </p:spPr>
-      </p:pic>
-      <p:pic>
-        <p:nvPicPr>
-          <p:cNvPr id="9" name="Content Placeholder 8">
-            <a:extLst>
-              <a:ext uri="{FF2B5EF4-FFF2-40B4-BE49-F238E27FC236}">
-                <a16:creationId xmlns:a16="http://schemas.microsoft.com/office/drawing/2014/main" id="{5A02F8E6-95F3-4577-9CF9-69AEA6053450}"/>
-              </a:ext>
-            </a:extLst>
-          </p:cNvPr>
-          <p:cNvPicPr>
-            <a:picLocks noGrp="1" noChangeAspect="1"/>
-          </p:cNvPicPr>
-          <p:nvPr>
-            <p:ph sz="half" idx="2"/>
-          </p:nvPr>
-        </p:nvPicPr>
-        <p:blipFill>
-          <a:blip r:embed="rId3"/>
-          <a:stretch>
-            <a:fillRect/>
-          </a:stretch>
-        </p:blipFill>
-        <p:spPr>
-          <a:xfrm>
-            <a:off x="6172200" y="2660174"/>
-            <a:ext cx="5181600" cy="2682240"/>
-          </a:xfrm>
-        </p:spPr>
-      </p:pic>
-    </p:spTree>
-    <p:extLst>
-      <p:ext uri="{BB962C8B-B14F-4D97-AF65-F5344CB8AC3E}">
-        <p14:creationId xmlns:p14="http://schemas.microsoft.com/office/powerpoint/2010/main" val="2538306206"/>
-      </p:ext>
-    </p:extLst>
-  </p:cSld>
-  <p:clrMapOvr>
-    <a:masterClrMapping/>
-  </p:clrMapOvr>
-</p:sld>
-</file>
-
-<file path=ppt/slides/slide19.xml><?xml version="1.0" encoding="utf-8"?>
-<p:sld xmlns:a="http://schemas.openxmlformats.org/drawingml/2006/main" xmlns:r="http://schemas.openxmlformats.org/officeDocument/2006/relationships" xmlns:p="http://schemas.openxmlformats.org/presentationml/2006/main">
-  <p:cSld>
-    <p:spTree>
-      <p:nvGrpSpPr>
-        <p:cNvPr id="1" name=""/>
-        <p:cNvGrpSpPr/>
-        <p:nvPr/>
-      </p:nvGrpSpPr>
-      <p:grpSpPr>
-        <a:xfrm>
-          <a:off x="0" y="0"/>
-          <a:ext cx="0" cy="0"/>
-          <a:chOff x="0" y="0"/>
-          <a:chExt cx="0" cy="0"/>
-        </a:xfrm>
-      </p:grpSpPr>
-      <p:sp>
-        <p:nvSpPr>
-          <p:cNvPr id="2" name="Title 1">
-            <a:extLst>
-              <a:ext uri="{FF2B5EF4-FFF2-40B4-BE49-F238E27FC236}">
-                <a16:creationId xmlns:a16="http://schemas.microsoft.com/office/drawing/2014/main" id="{BBE60801-9EE4-42D6-8610-C5C625F04937}"/>
-              </a:ext>
-            </a:extLst>
-          </p:cNvPr>
-          <p:cNvSpPr>
-            <a:spLocks noGrp="1"/>
-          </p:cNvSpPr>
-          <p:nvPr>
-            <p:ph type="title"/>
-          </p:nvPr>
-        </p:nvSpPr>
-        <p:spPr/>
-        <p:txBody>
-          <a:bodyPr/>
-          <a:lstStyle/>
-          <a:p>
-            <a:r>
-              <a:rPr lang="en-US" dirty="0"/>
-              <a:t>Let’s dive into some examples!</a:t>
-            </a:r>
-          </a:p>
-        </p:txBody>
-      </p:sp>
-      <p:sp>
-        <p:nvSpPr>
-          <p:cNvPr id="3" name="Text Placeholder 2">
-            <a:extLst>
-              <a:ext uri="{FF2B5EF4-FFF2-40B4-BE49-F238E27FC236}">
-                <a16:creationId xmlns:a16="http://schemas.microsoft.com/office/drawing/2014/main" id="{F3E3244F-6179-405A-AC0E-31A4221B7888}"/>
-              </a:ext>
-            </a:extLst>
-          </p:cNvPr>
-          <p:cNvSpPr>
-            <a:spLocks noGrp="1"/>
-          </p:cNvSpPr>
-          <p:nvPr>
-            <p:ph type="body" idx="1"/>
-          </p:nvPr>
-        </p:nvSpPr>
-        <p:spPr/>
-        <p:txBody>
-          <a:bodyPr/>
-          <a:lstStyle/>
-          <a:p>
-            <a:endParaRPr lang="en-US"/>
-          </a:p>
-        </p:txBody>
-      </p:sp>
-    </p:spTree>
-    <p:extLst>
-      <p:ext uri="{BB962C8B-B14F-4D97-AF65-F5344CB8AC3E}">
-        <p14:creationId xmlns:p14="http://schemas.microsoft.com/office/powerpoint/2010/main" val="4037618782"/>
       </p:ext>
     </p:extLst>
   </p:cSld>
@@ -5887,6 +5878,400 @@
       </p:grpSpPr>
       <p:sp>
         <p:nvSpPr>
+          <p:cNvPr id="2" name="Title 1">
+            <a:extLst>
+              <a:ext uri="{FF2B5EF4-FFF2-40B4-BE49-F238E27FC236}">
+                <a16:creationId xmlns:a16="http://schemas.microsoft.com/office/drawing/2014/main" id="{8AB3EBC1-B05F-4776-B1BC-36D6374403F6}"/>
+              </a:ext>
+            </a:extLst>
+          </p:cNvPr>
+          <p:cNvSpPr>
+            <a:spLocks noGrp="1"/>
+          </p:cNvSpPr>
+          <p:nvPr>
+            <p:ph type="title"/>
+          </p:nvPr>
+        </p:nvSpPr>
+        <p:spPr/>
+        <p:txBody>
+          <a:bodyPr/>
+          <a:lstStyle/>
+          <a:p>
+            <a:r>
+              <a:rPr lang="en-US" dirty="0"/>
+              <a:t>Box Model Helpers</a:t>
+            </a:r>
+          </a:p>
+        </p:txBody>
+      </p:sp>
+      <p:sp>
+        <p:nvSpPr>
+          <p:cNvPr id="24" name="Rectangle 23">
+            <a:extLst>
+              <a:ext uri="{FF2B5EF4-FFF2-40B4-BE49-F238E27FC236}">
+                <a16:creationId xmlns:a16="http://schemas.microsoft.com/office/drawing/2014/main" id="{8FBDD923-8243-44D8-8353-F3B3930BA6DD}"/>
+              </a:ext>
+            </a:extLst>
+          </p:cNvPr>
+          <p:cNvSpPr/>
+          <p:nvPr/>
+        </p:nvSpPr>
+        <p:spPr>
+          <a:xfrm>
+            <a:off x="3214255" y="2438399"/>
+            <a:ext cx="6082145" cy="3602183"/>
+          </a:xfrm>
+          <a:prstGeom prst="rect">
+            <a:avLst/>
+          </a:prstGeom>
+          <a:solidFill>
+            <a:schemeClr val="bg1"/>
+          </a:solidFill>
+        </p:spPr>
+        <p:style>
+          <a:lnRef idx="2">
+            <a:schemeClr val="accent1">
+              <a:shade val="50000"/>
+            </a:schemeClr>
+          </a:lnRef>
+          <a:fillRef idx="1">
+            <a:schemeClr val="accent1"/>
+          </a:fillRef>
+          <a:effectRef idx="0">
+            <a:schemeClr val="accent1"/>
+          </a:effectRef>
+          <a:fontRef idx="minor">
+            <a:schemeClr val="lt1"/>
+          </a:fontRef>
+        </p:style>
+        <p:txBody>
+          <a:bodyPr rtlCol="0" anchor="ctr"/>
+          <a:lstStyle/>
+          <a:p>
+            <a:pPr algn="ctr"/>
+            <a:r>
+              <a:rPr lang="en-US" sz="3200" dirty="0">
+                <a:solidFill>
+                  <a:schemeClr val="tx1"/>
+                </a:solidFill>
+              </a:rPr>
+              <a:t>&lt;div class=“</a:t>
+            </a:r>
+            <a:r>
+              <a:rPr lang="en-US" sz="3200" b="1" dirty="0">
+                <a:solidFill>
+                  <a:schemeClr val="tx1"/>
+                </a:solidFill>
+              </a:rPr>
+              <a:t>m-5</a:t>
+            </a:r>
+            <a:r>
+              <a:rPr lang="en-US" sz="3200" dirty="0">
+                <a:solidFill>
+                  <a:schemeClr val="tx1"/>
+                </a:solidFill>
+              </a:rPr>
+              <a:t>”&gt;</a:t>
+            </a:r>
+          </a:p>
+          <a:p>
+            <a:pPr algn="ctr"/>
+            <a:r>
+              <a:rPr lang="en-US" sz="3200" dirty="0">
+                <a:solidFill>
+                  <a:schemeClr val="tx1"/>
+                </a:solidFill>
+              </a:rPr>
+              <a:t>&lt;/div&gt;</a:t>
+            </a:r>
+          </a:p>
+        </p:txBody>
+      </p:sp>
+      <p:sp>
+        <p:nvSpPr>
+          <p:cNvPr id="4" name="Rectangle 3">
+            <a:extLst>
+              <a:ext uri="{FF2B5EF4-FFF2-40B4-BE49-F238E27FC236}">
+                <a16:creationId xmlns:a16="http://schemas.microsoft.com/office/drawing/2014/main" id="{0456CF99-1884-4DE6-9F76-B4A981965D37}"/>
+              </a:ext>
+            </a:extLst>
+          </p:cNvPr>
+          <p:cNvSpPr/>
+          <p:nvPr/>
+        </p:nvSpPr>
+        <p:spPr>
+          <a:xfrm>
+            <a:off x="2895600" y="2133600"/>
+            <a:ext cx="6677891" cy="4197927"/>
+          </a:xfrm>
+          <a:prstGeom prst="rect">
+            <a:avLst/>
+          </a:prstGeom>
+          <a:noFill/>
+          <a:ln>
+            <a:prstDash val="lgDash"/>
+          </a:ln>
+        </p:spPr>
+        <p:style>
+          <a:lnRef idx="2">
+            <a:schemeClr val="accent1">
+              <a:shade val="50000"/>
+            </a:schemeClr>
+          </a:lnRef>
+          <a:fillRef idx="1">
+            <a:schemeClr val="accent1"/>
+          </a:fillRef>
+          <a:effectRef idx="0">
+            <a:schemeClr val="accent1"/>
+          </a:effectRef>
+          <a:fontRef idx="minor">
+            <a:schemeClr val="lt1"/>
+          </a:fontRef>
+        </p:style>
+        <p:txBody>
+          <a:bodyPr rtlCol="0" anchor="ctr"/>
+          <a:lstStyle/>
+          <a:p>
+            <a:pPr algn="ctr"/>
+            <a:endParaRPr lang="en-US" sz="3200" dirty="0">
+              <a:solidFill>
+                <a:schemeClr val="tx1"/>
+              </a:solidFill>
+            </a:endParaRPr>
+          </a:p>
+        </p:txBody>
+      </p:sp>
+    </p:spTree>
+    <p:extLst>
+      <p:ext uri="{BB962C8B-B14F-4D97-AF65-F5344CB8AC3E}">
+        <p14:creationId xmlns:p14="http://schemas.microsoft.com/office/powerpoint/2010/main" val="3543082722"/>
+      </p:ext>
+    </p:extLst>
+  </p:cSld>
+  <p:clrMapOvr>
+    <a:masterClrMapping/>
+  </p:clrMapOvr>
+</p:sld>
+</file>
+
+<file path=ppt/slides/slide21.xml><?xml version="1.0" encoding="utf-8"?>
+<p:sld xmlns:a="http://schemas.openxmlformats.org/drawingml/2006/main" xmlns:r="http://schemas.openxmlformats.org/officeDocument/2006/relationships" xmlns:p="http://schemas.openxmlformats.org/presentationml/2006/main">
+  <p:cSld>
+    <p:spTree>
+      <p:nvGrpSpPr>
+        <p:cNvPr id="1" name=""/>
+        <p:cNvGrpSpPr/>
+        <p:nvPr/>
+      </p:nvGrpSpPr>
+      <p:grpSpPr>
+        <a:xfrm>
+          <a:off x="0" y="0"/>
+          <a:ext cx="0" cy="0"/>
+          <a:chOff x="0" y="0"/>
+          <a:chExt cx="0" cy="0"/>
+        </a:xfrm>
+      </p:grpSpPr>
+      <p:sp>
+        <p:nvSpPr>
+          <p:cNvPr id="2" name="Title 1">
+            <a:extLst>
+              <a:ext uri="{FF2B5EF4-FFF2-40B4-BE49-F238E27FC236}">
+                <a16:creationId xmlns:a16="http://schemas.microsoft.com/office/drawing/2014/main" id="{2C8FF3E7-D908-4AB0-B3EB-522DB1B3DD4F}"/>
+              </a:ext>
+            </a:extLst>
+          </p:cNvPr>
+          <p:cNvSpPr>
+            <a:spLocks noGrp="1"/>
+          </p:cNvSpPr>
+          <p:nvPr>
+            <p:ph type="title"/>
+          </p:nvPr>
+        </p:nvSpPr>
+        <p:spPr/>
+        <p:txBody>
+          <a:bodyPr/>
+          <a:lstStyle/>
+          <a:p>
+            <a:r>
+              <a:rPr lang="en-US" dirty="0"/>
+              <a:t>Widths</a:t>
+            </a:r>
+          </a:p>
+        </p:txBody>
+      </p:sp>
+      <p:pic>
+        <p:nvPicPr>
+          <p:cNvPr id="7" name="Content Placeholder 6">
+            <a:extLst>
+              <a:ext uri="{FF2B5EF4-FFF2-40B4-BE49-F238E27FC236}">
+                <a16:creationId xmlns:a16="http://schemas.microsoft.com/office/drawing/2014/main" id="{11A77F87-995F-43D4-89F7-7C83416E6626}"/>
+              </a:ext>
+            </a:extLst>
+          </p:cNvPr>
+          <p:cNvPicPr>
+            <a:picLocks noGrp="1" noChangeAspect="1"/>
+          </p:cNvPicPr>
+          <p:nvPr>
+            <p:ph sz="half" idx="1"/>
+          </p:nvPr>
+        </p:nvPicPr>
+        <p:blipFill>
+          <a:blip r:embed="rId2"/>
+          <a:stretch>
+            <a:fillRect/>
+          </a:stretch>
+        </p:blipFill>
+        <p:spPr>
+          <a:xfrm>
+            <a:off x="838200" y="2702529"/>
+            <a:ext cx="5181600" cy="2597529"/>
+          </a:xfrm>
+        </p:spPr>
+      </p:pic>
+      <p:pic>
+        <p:nvPicPr>
+          <p:cNvPr id="9" name="Content Placeholder 8">
+            <a:extLst>
+              <a:ext uri="{FF2B5EF4-FFF2-40B4-BE49-F238E27FC236}">
+                <a16:creationId xmlns:a16="http://schemas.microsoft.com/office/drawing/2014/main" id="{5A02F8E6-95F3-4577-9CF9-69AEA6053450}"/>
+              </a:ext>
+            </a:extLst>
+          </p:cNvPr>
+          <p:cNvPicPr>
+            <a:picLocks noGrp="1" noChangeAspect="1"/>
+          </p:cNvPicPr>
+          <p:nvPr>
+            <p:ph sz="half" idx="2"/>
+          </p:nvPr>
+        </p:nvPicPr>
+        <p:blipFill>
+          <a:blip r:embed="rId3"/>
+          <a:stretch>
+            <a:fillRect/>
+          </a:stretch>
+        </p:blipFill>
+        <p:spPr>
+          <a:xfrm>
+            <a:off x="6172200" y="2660174"/>
+            <a:ext cx="5181600" cy="2682240"/>
+          </a:xfrm>
+        </p:spPr>
+      </p:pic>
+    </p:spTree>
+    <p:extLst>
+      <p:ext uri="{BB962C8B-B14F-4D97-AF65-F5344CB8AC3E}">
+        <p14:creationId xmlns:p14="http://schemas.microsoft.com/office/powerpoint/2010/main" val="2538306206"/>
+      </p:ext>
+    </p:extLst>
+  </p:cSld>
+  <p:clrMapOvr>
+    <a:masterClrMapping/>
+  </p:clrMapOvr>
+</p:sld>
+</file>
+
+<file path=ppt/slides/slide22.xml><?xml version="1.0" encoding="utf-8"?>
+<p:sld xmlns:a="http://schemas.openxmlformats.org/drawingml/2006/main" xmlns:r="http://schemas.openxmlformats.org/officeDocument/2006/relationships" xmlns:p="http://schemas.openxmlformats.org/presentationml/2006/main">
+  <p:cSld>
+    <p:spTree>
+      <p:nvGrpSpPr>
+        <p:cNvPr id="1" name=""/>
+        <p:cNvGrpSpPr/>
+        <p:nvPr/>
+      </p:nvGrpSpPr>
+      <p:grpSpPr>
+        <a:xfrm>
+          <a:off x="0" y="0"/>
+          <a:ext cx="0" cy="0"/>
+          <a:chOff x="0" y="0"/>
+          <a:chExt cx="0" cy="0"/>
+        </a:xfrm>
+      </p:grpSpPr>
+      <p:sp>
+        <p:nvSpPr>
+          <p:cNvPr id="2" name="Title 1">
+            <a:extLst>
+              <a:ext uri="{FF2B5EF4-FFF2-40B4-BE49-F238E27FC236}">
+                <a16:creationId xmlns:a16="http://schemas.microsoft.com/office/drawing/2014/main" id="{BBE60801-9EE4-42D6-8610-C5C625F04937}"/>
+              </a:ext>
+            </a:extLst>
+          </p:cNvPr>
+          <p:cNvSpPr>
+            <a:spLocks noGrp="1"/>
+          </p:cNvSpPr>
+          <p:nvPr>
+            <p:ph type="title"/>
+          </p:nvPr>
+        </p:nvSpPr>
+        <p:spPr/>
+        <p:txBody>
+          <a:bodyPr/>
+          <a:lstStyle/>
+          <a:p>
+            <a:r>
+              <a:rPr lang="en-US" dirty="0"/>
+              <a:t>Let’s dive into some examples!</a:t>
+            </a:r>
+          </a:p>
+        </p:txBody>
+      </p:sp>
+      <p:sp>
+        <p:nvSpPr>
+          <p:cNvPr id="3" name="Text Placeholder 2">
+            <a:extLst>
+              <a:ext uri="{FF2B5EF4-FFF2-40B4-BE49-F238E27FC236}">
+                <a16:creationId xmlns:a16="http://schemas.microsoft.com/office/drawing/2014/main" id="{F3E3244F-6179-405A-AC0E-31A4221B7888}"/>
+              </a:ext>
+            </a:extLst>
+          </p:cNvPr>
+          <p:cNvSpPr>
+            <a:spLocks noGrp="1"/>
+          </p:cNvSpPr>
+          <p:nvPr>
+            <p:ph type="body" idx="1"/>
+          </p:nvPr>
+        </p:nvSpPr>
+        <p:spPr/>
+        <p:txBody>
+          <a:bodyPr/>
+          <a:lstStyle/>
+          <a:p>
+            <a:endParaRPr lang="en-US"/>
+          </a:p>
+        </p:txBody>
+      </p:sp>
+    </p:spTree>
+    <p:extLst>
+      <p:ext uri="{BB962C8B-B14F-4D97-AF65-F5344CB8AC3E}">
+        <p14:creationId xmlns:p14="http://schemas.microsoft.com/office/powerpoint/2010/main" val="4037618782"/>
+      </p:ext>
+    </p:extLst>
+  </p:cSld>
+  <p:clrMapOvr>
+    <a:masterClrMapping/>
+  </p:clrMapOvr>
+</p:sld>
+</file>
+
+<file path=ppt/slides/slide23.xml><?xml version="1.0" encoding="utf-8"?>
+<p:sld xmlns:a="http://schemas.openxmlformats.org/drawingml/2006/main" xmlns:r="http://schemas.openxmlformats.org/officeDocument/2006/relationships" xmlns:p="http://schemas.openxmlformats.org/presentationml/2006/main">
+  <p:cSld>
+    <p:spTree>
+      <p:nvGrpSpPr>
+        <p:cNvPr id="1" name=""/>
+        <p:cNvGrpSpPr/>
+        <p:nvPr/>
+      </p:nvGrpSpPr>
+      <p:grpSpPr>
+        <a:xfrm>
+          <a:off x="0" y="0"/>
+          <a:ext cx="0" cy="0"/>
+          <a:chOff x="0" y="0"/>
+          <a:chExt cx="0" cy="0"/>
+        </a:xfrm>
+      </p:grpSpPr>
+      <p:sp>
+        <p:nvSpPr>
           <p:cNvPr id="4" name="Title 3">
             <a:extLst>
               <a:ext uri="{FF2B5EF4-FFF2-40B4-BE49-F238E27FC236}">
@@ -5955,7 +6340,7 @@
 </p:sld>
 </file>
 
-<file path=ppt/slides/slide21.xml><?xml version="1.0" encoding="utf-8"?>
+<file path=ppt/slides/slide24.xml><?xml version="1.0" encoding="utf-8"?>
 <p:sld xmlns:a="http://schemas.openxmlformats.org/drawingml/2006/main" xmlns:r="http://schemas.openxmlformats.org/officeDocument/2006/relationships" xmlns:p="http://schemas.openxmlformats.org/presentationml/2006/main">
   <p:cSld>
     <p:spTree>
@@ -6043,7 +6428,7 @@
 </p:sld>
 </file>
 
-<file path=ppt/slides/slide22.xml><?xml version="1.0" encoding="utf-8"?>
+<file path=ppt/slides/slide25.xml><?xml version="1.0" encoding="utf-8"?>
 <p:sld xmlns:a="http://schemas.openxmlformats.org/drawingml/2006/main" xmlns:r="http://schemas.openxmlformats.org/officeDocument/2006/relationships" xmlns:p="http://schemas.openxmlformats.org/presentationml/2006/main">
   <p:cSld>
     <p:spTree>
@@ -6126,7 +6511,7 @@
 </p:sld>
 </file>
 
-<file path=ppt/slides/slide23.xml><?xml version="1.0" encoding="utf-8"?>
+<file path=ppt/slides/slide26.xml><?xml version="1.0" encoding="utf-8"?>
 <p:sld xmlns:a="http://schemas.openxmlformats.org/drawingml/2006/main" xmlns:r="http://schemas.openxmlformats.org/officeDocument/2006/relationships" xmlns:p="http://schemas.openxmlformats.org/presentationml/2006/main">
   <p:cSld>
     <p:spTree>
@@ -6289,7 +6674,7 @@
 </p:sld>
 </file>
 
-<file path=ppt/slides/slide24.xml><?xml version="1.0" encoding="utf-8"?>
+<file path=ppt/slides/slide27.xml><?xml version="1.0" encoding="utf-8"?>
 <p:sld xmlns:a="http://schemas.openxmlformats.org/drawingml/2006/main" xmlns:r="http://schemas.openxmlformats.org/officeDocument/2006/relationships" xmlns:p="http://schemas.openxmlformats.org/presentationml/2006/main">
   <p:cSld>
     <p:spTree>
@@ -6372,7 +6757,7 @@
 </p:sld>
 </file>
 
-<file path=ppt/slides/slide25.xml><?xml version="1.0" encoding="utf-8"?>
+<file path=ppt/slides/slide28.xml><?xml version="1.0" encoding="utf-8"?>
 <p:sld xmlns:a="http://schemas.openxmlformats.org/drawingml/2006/main" xmlns:r="http://schemas.openxmlformats.org/officeDocument/2006/relationships" xmlns:p="http://schemas.openxmlformats.org/presentationml/2006/main">
   <p:cSld>
     <p:spTree>
@@ -6488,7 +6873,7 @@
 </p:sld>
 </file>
 
-<file path=ppt/slides/slide26.xml><?xml version="1.0" encoding="utf-8"?>
+<file path=ppt/slides/slide29.xml><?xml version="1.0" encoding="utf-8"?>
 <p:sld xmlns:a="http://schemas.openxmlformats.org/drawingml/2006/main" xmlns:r="http://schemas.openxmlformats.org/officeDocument/2006/relationships" xmlns:p="http://schemas.openxmlformats.org/presentationml/2006/main">
   <p:cSld>
     <p:spTree>
@@ -6595,262 +6980,6 @@
     <p:extLst>
       <p:ext uri="{BB962C8B-B14F-4D97-AF65-F5344CB8AC3E}">
         <p14:creationId xmlns:p14="http://schemas.microsoft.com/office/powerpoint/2010/main" val="1892738261"/>
-      </p:ext>
-    </p:extLst>
-  </p:cSld>
-  <p:clrMapOvr>
-    <a:masterClrMapping/>
-  </p:clrMapOvr>
-</p:sld>
-</file>
-
-<file path=ppt/slides/slide27.xml><?xml version="1.0" encoding="utf-8"?>
-<p:sld xmlns:a="http://schemas.openxmlformats.org/drawingml/2006/main" xmlns:r="http://schemas.openxmlformats.org/officeDocument/2006/relationships" xmlns:p="http://schemas.openxmlformats.org/presentationml/2006/main">
-  <p:cSld>
-    <p:spTree>
-      <p:nvGrpSpPr>
-        <p:cNvPr id="1" name=""/>
-        <p:cNvGrpSpPr/>
-        <p:nvPr/>
-      </p:nvGrpSpPr>
-      <p:grpSpPr>
-        <a:xfrm>
-          <a:off x="0" y="0"/>
-          <a:ext cx="0" cy="0"/>
-          <a:chOff x="0" y="0"/>
-          <a:chExt cx="0" cy="0"/>
-        </a:xfrm>
-      </p:grpSpPr>
-      <p:sp>
-        <p:nvSpPr>
-          <p:cNvPr id="2" name="Title 1">
-            <a:extLst>
-              <a:ext uri="{FF2B5EF4-FFF2-40B4-BE49-F238E27FC236}">
-                <a16:creationId xmlns:a16="http://schemas.microsoft.com/office/drawing/2014/main" id="{BBE60801-9EE4-42D6-8610-C5C625F04937}"/>
-              </a:ext>
-            </a:extLst>
-          </p:cNvPr>
-          <p:cNvSpPr>
-            <a:spLocks noGrp="1"/>
-          </p:cNvSpPr>
-          <p:nvPr>
-            <p:ph type="title"/>
-          </p:nvPr>
-        </p:nvSpPr>
-        <p:spPr/>
-        <p:txBody>
-          <a:bodyPr/>
-          <a:lstStyle/>
-          <a:p>
-            <a:r>
-              <a:rPr lang="en-US" dirty="0"/>
-              <a:t>Speed Round</a:t>
-            </a:r>
-          </a:p>
-        </p:txBody>
-      </p:sp>
-      <p:sp>
-        <p:nvSpPr>
-          <p:cNvPr id="3" name="Text Placeholder 2">
-            <a:extLst>
-              <a:ext uri="{FF2B5EF4-FFF2-40B4-BE49-F238E27FC236}">
-                <a16:creationId xmlns:a16="http://schemas.microsoft.com/office/drawing/2014/main" id="{F3E3244F-6179-405A-AC0E-31A4221B7888}"/>
-              </a:ext>
-            </a:extLst>
-          </p:cNvPr>
-          <p:cNvSpPr>
-            <a:spLocks noGrp="1"/>
-          </p:cNvSpPr>
-          <p:nvPr>
-            <p:ph type="body" idx="1"/>
-          </p:nvPr>
-        </p:nvSpPr>
-        <p:spPr/>
-        <p:txBody>
-          <a:bodyPr/>
-          <a:lstStyle/>
-          <a:p>
-            <a:r>
-              <a:rPr lang="en-US" dirty="0"/>
-              <a:t>Let’s design </a:t>
-            </a:r>
-            <a:r>
-              <a:rPr lang="en-US"/>
-              <a:t>some buttons</a:t>
-            </a:r>
-          </a:p>
-        </p:txBody>
-      </p:sp>
-    </p:spTree>
-    <p:extLst>
-      <p:ext uri="{BB962C8B-B14F-4D97-AF65-F5344CB8AC3E}">
-        <p14:creationId xmlns:p14="http://schemas.microsoft.com/office/powerpoint/2010/main" val="1340948692"/>
-      </p:ext>
-    </p:extLst>
-  </p:cSld>
-  <p:clrMapOvr>
-    <a:masterClrMapping/>
-  </p:clrMapOvr>
-</p:sld>
-</file>
-
-<file path=ppt/slides/slide28.xml><?xml version="1.0" encoding="utf-8"?>
-<p:sld xmlns:a="http://schemas.openxmlformats.org/drawingml/2006/main" xmlns:r="http://schemas.openxmlformats.org/officeDocument/2006/relationships" xmlns:p="http://schemas.openxmlformats.org/presentationml/2006/main">
-  <p:cSld>
-    <p:spTree>
-      <p:nvGrpSpPr>
-        <p:cNvPr id="1" name=""/>
-        <p:cNvGrpSpPr/>
-        <p:nvPr/>
-      </p:nvGrpSpPr>
-      <p:grpSpPr>
-        <a:xfrm>
-          <a:off x="0" y="0"/>
-          <a:ext cx="0" cy="0"/>
-          <a:chOff x="0" y="0"/>
-          <a:chExt cx="0" cy="0"/>
-        </a:xfrm>
-      </p:grpSpPr>
-      <p:sp>
-        <p:nvSpPr>
-          <p:cNvPr id="2" name="Title 1">
-            <a:extLst>
-              <a:ext uri="{FF2B5EF4-FFF2-40B4-BE49-F238E27FC236}">
-                <a16:creationId xmlns:a16="http://schemas.microsoft.com/office/drawing/2014/main" id="{BBE60801-9EE4-42D6-8610-C5C625F04937}"/>
-              </a:ext>
-            </a:extLst>
-          </p:cNvPr>
-          <p:cNvSpPr>
-            <a:spLocks noGrp="1"/>
-          </p:cNvSpPr>
-          <p:nvPr>
-            <p:ph type="title"/>
-          </p:nvPr>
-        </p:nvSpPr>
-        <p:spPr/>
-        <p:txBody>
-          <a:bodyPr/>
-          <a:lstStyle/>
-          <a:p>
-            <a:r>
-              <a:rPr lang="en-US" dirty="0"/>
-              <a:t>Responsive Design</a:t>
-            </a:r>
-          </a:p>
-        </p:txBody>
-      </p:sp>
-      <p:sp>
-        <p:nvSpPr>
-          <p:cNvPr id="3" name="Text Placeholder 2">
-            <a:extLst>
-              <a:ext uri="{FF2B5EF4-FFF2-40B4-BE49-F238E27FC236}">
-                <a16:creationId xmlns:a16="http://schemas.microsoft.com/office/drawing/2014/main" id="{F3E3244F-6179-405A-AC0E-31A4221B7888}"/>
-              </a:ext>
-            </a:extLst>
-          </p:cNvPr>
-          <p:cNvSpPr>
-            <a:spLocks noGrp="1"/>
-          </p:cNvSpPr>
-          <p:nvPr>
-            <p:ph type="body" idx="1"/>
-          </p:nvPr>
-        </p:nvSpPr>
-        <p:spPr/>
-        <p:txBody>
-          <a:bodyPr/>
-          <a:lstStyle/>
-          <a:p>
-            <a:endParaRPr lang="en-US"/>
-          </a:p>
-        </p:txBody>
-      </p:sp>
-    </p:spTree>
-    <p:extLst>
-      <p:ext uri="{BB962C8B-B14F-4D97-AF65-F5344CB8AC3E}">
-        <p14:creationId xmlns:p14="http://schemas.microsoft.com/office/powerpoint/2010/main" val="2317953309"/>
-      </p:ext>
-    </p:extLst>
-  </p:cSld>
-  <p:clrMapOvr>
-    <a:masterClrMapping/>
-  </p:clrMapOvr>
-</p:sld>
-</file>
-
-<file path=ppt/slides/slide29.xml><?xml version="1.0" encoding="utf-8"?>
-<p:sld xmlns:a="http://schemas.openxmlformats.org/drawingml/2006/main" xmlns:r="http://schemas.openxmlformats.org/officeDocument/2006/relationships" xmlns:p="http://schemas.openxmlformats.org/presentationml/2006/main">
-  <p:cSld>
-    <p:spTree>
-      <p:nvGrpSpPr>
-        <p:cNvPr id="1" name=""/>
-        <p:cNvGrpSpPr/>
-        <p:nvPr/>
-      </p:nvGrpSpPr>
-      <p:grpSpPr>
-        <a:xfrm>
-          <a:off x="0" y="0"/>
-          <a:ext cx="0" cy="0"/>
-          <a:chOff x="0" y="0"/>
-          <a:chExt cx="0" cy="0"/>
-        </a:xfrm>
-      </p:grpSpPr>
-      <p:sp>
-        <p:nvSpPr>
-          <p:cNvPr id="2" name="Title 1">
-            <a:extLst>
-              <a:ext uri="{FF2B5EF4-FFF2-40B4-BE49-F238E27FC236}">
-                <a16:creationId xmlns:a16="http://schemas.microsoft.com/office/drawing/2014/main" id="{BBE60801-9EE4-42D6-8610-C5C625F04937}"/>
-              </a:ext>
-            </a:extLst>
-          </p:cNvPr>
-          <p:cNvSpPr>
-            <a:spLocks noGrp="1"/>
-          </p:cNvSpPr>
-          <p:nvPr>
-            <p:ph type="title"/>
-          </p:nvPr>
-        </p:nvSpPr>
-        <p:spPr/>
-        <p:txBody>
-          <a:bodyPr/>
-          <a:lstStyle/>
-          <a:p>
-            <a:r>
-              <a:rPr lang="en-US" dirty="0"/>
-              <a:t>Performance and Deployment</a:t>
-            </a:r>
-          </a:p>
-        </p:txBody>
-      </p:sp>
-      <p:sp>
-        <p:nvSpPr>
-          <p:cNvPr id="3" name="Text Placeholder 2">
-            <a:extLst>
-              <a:ext uri="{FF2B5EF4-FFF2-40B4-BE49-F238E27FC236}">
-                <a16:creationId xmlns:a16="http://schemas.microsoft.com/office/drawing/2014/main" id="{F3E3244F-6179-405A-AC0E-31A4221B7888}"/>
-              </a:ext>
-            </a:extLst>
-          </p:cNvPr>
-          <p:cNvSpPr>
-            <a:spLocks noGrp="1"/>
-          </p:cNvSpPr>
-          <p:nvPr>
-            <p:ph type="body" idx="1"/>
-          </p:nvPr>
-        </p:nvSpPr>
-        <p:spPr/>
-        <p:txBody>
-          <a:bodyPr/>
-          <a:lstStyle/>
-          <a:p>
-            <a:endParaRPr lang="en-US"/>
-          </a:p>
-        </p:txBody>
-      </p:sp>
-    </p:spTree>
-    <p:extLst>
-      <p:ext uri="{BB962C8B-B14F-4D97-AF65-F5344CB8AC3E}">
-        <p14:creationId xmlns:p14="http://schemas.microsoft.com/office/powerpoint/2010/main" val="2231968089"/>
       </p:ext>
     </p:extLst>
   </p:cSld>
@@ -7120,6 +7249,476 @@
           <a:p>
             <a:r>
               <a:rPr lang="en-US" dirty="0"/>
+              <a:t>Speed Round</a:t>
+            </a:r>
+          </a:p>
+        </p:txBody>
+      </p:sp>
+      <p:sp>
+        <p:nvSpPr>
+          <p:cNvPr id="3" name="Text Placeholder 2">
+            <a:extLst>
+              <a:ext uri="{FF2B5EF4-FFF2-40B4-BE49-F238E27FC236}">
+                <a16:creationId xmlns:a16="http://schemas.microsoft.com/office/drawing/2014/main" id="{F3E3244F-6179-405A-AC0E-31A4221B7888}"/>
+              </a:ext>
+            </a:extLst>
+          </p:cNvPr>
+          <p:cNvSpPr>
+            <a:spLocks noGrp="1"/>
+          </p:cNvSpPr>
+          <p:nvPr>
+            <p:ph type="body" idx="1"/>
+          </p:nvPr>
+        </p:nvSpPr>
+        <p:spPr/>
+        <p:txBody>
+          <a:bodyPr/>
+          <a:lstStyle/>
+          <a:p>
+            <a:r>
+              <a:rPr lang="en-US" dirty="0"/>
+              <a:t>Let’s design some buttons</a:t>
+            </a:r>
+          </a:p>
+        </p:txBody>
+      </p:sp>
+    </p:spTree>
+    <p:extLst>
+      <p:ext uri="{BB962C8B-B14F-4D97-AF65-F5344CB8AC3E}">
+        <p14:creationId xmlns:p14="http://schemas.microsoft.com/office/powerpoint/2010/main" val="1340948692"/>
+      </p:ext>
+    </p:extLst>
+  </p:cSld>
+  <p:clrMapOvr>
+    <a:masterClrMapping/>
+  </p:clrMapOvr>
+</p:sld>
+</file>
+
+<file path=ppt/slides/slide31.xml><?xml version="1.0" encoding="utf-8"?>
+<p:sld xmlns:a="http://schemas.openxmlformats.org/drawingml/2006/main" xmlns:r="http://schemas.openxmlformats.org/officeDocument/2006/relationships" xmlns:p="http://schemas.openxmlformats.org/presentationml/2006/main">
+  <p:cSld>
+    <p:spTree>
+      <p:nvGrpSpPr>
+        <p:cNvPr id="1" name=""/>
+        <p:cNvGrpSpPr/>
+        <p:nvPr/>
+      </p:nvGrpSpPr>
+      <p:grpSpPr>
+        <a:xfrm>
+          <a:off x="0" y="0"/>
+          <a:ext cx="0" cy="0"/>
+          <a:chOff x="0" y="0"/>
+          <a:chExt cx="0" cy="0"/>
+        </a:xfrm>
+      </p:grpSpPr>
+      <p:sp>
+        <p:nvSpPr>
+          <p:cNvPr id="2" name="Title 1">
+            <a:extLst>
+              <a:ext uri="{FF2B5EF4-FFF2-40B4-BE49-F238E27FC236}">
+                <a16:creationId xmlns:a16="http://schemas.microsoft.com/office/drawing/2014/main" id="{BBE60801-9EE4-42D6-8610-C5C625F04937}"/>
+              </a:ext>
+            </a:extLst>
+          </p:cNvPr>
+          <p:cNvSpPr>
+            <a:spLocks noGrp="1"/>
+          </p:cNvSpPr>
+          <p:nvPr>
+            <p:ph type="title"/>
+          </p:nvPr>
+        </p:nvSpPr>
+        <p:spPr/>
+        <p:txBody>
+          <a:bodyPr/>
+          <a:lstStyle/>
+          <a:p>
+            <a:r>
+              <a:rPr lang="en-US" dirty="0"/>
+              <a:t>Custom Components</a:t>
+            </a:r>
+          </a:p>
+        </p:txBody>
+      </p:sp>
+      <p:sp>
+        <p:nvSpPr>
+          <p:cNvPr id="3" name="Text Placeholder 2">
+            <a:extLst>
+              <a:ext uri="{FF2B5EF4-FFF2-40B4-BE49-F238E27FC236}">
+                <a16:creationId xmlns:a16="http://schemas.microsoft.com/office/drawing/2014/main" id="{F3E3244F-6179-405A-AC0E-31A4221B7888}"/>
+              </a:ext>
+            </a:extLst>
+          </p:cNvPr>
+          <p:cNvSpPr>
+            <a:spLocks noGrp="1"/>
+          </p:cNvSpPr>
+          <p:nvPr>
+            <p:ph type="body" idx="1"/>
+          </p:nvPr>
+        </p:nvSpPr>
+        <p:spPr/>
+        <p:txBody>
+          <a:bodyPr/>
+          <a:lstStyle/>
+          <a:p>
+            <a:r>
+              <a:rPr lang="en-US" dirty="0"/>
+              <a:t>Or “that button CSS is </a:t>
+            </a:r>
+            <a:r>
+              <a:rPr lang="en-US"/>
+              <a:t>very verbose”</a:t>
+            </a:r>
+            <a:endParaRPr lang="en-US" dirty="0"/>
+          </a:p>
+        </p:txBody>
+      </p:sp>
+    </p:spTree>
+    <p:extLst>
+      <p:ext uri="{BB962C8B-B14F-4D97-AF65-F5344CB8AC3E}">
+        <p14:creationId xmlns:p14="http://schemas.microsoft.com/office/powerpoint/2010/main" val="3848502349"/>
+      </p:ext>
+    </p:extLst>
+  </p:cSld>
+  <p:clrMapOvr>
+    <a:masterClrMapping/>
+  </p:clrMapOvr>
+</p:sld>
+</file>
+
+<file path=ppt/slides/slide32.xml><?xml version="1.0" encoding="utf-8"?>
+<p:sld xmlns:a="http://schemas.openxmlformats.org/drawingml/2006/main" xmlns:r="http://schemas.openxmlformats.org/officeDocument/2006/relationships" xmlns:p="http://schemas.openxmlformats.org/presentationml/2006/main">
+  <p:cSld>
+    <p:spTree>
+      <p:nvGrpSpPr>
+        <p:cNvPr id="1" name=""/>
+        <p:cNvGrpSpPr/>
+        <p:nvPr/>
+      </p:nvGrpSpPr>
+      <p:grpSpPr>
+        <a:xfrm>
+          <a:off x="0" y="0"/>
+          <a:ext cx="0" cy="0"/>
+          <a:chOff x="0" y="0"/>
+          <a:chExt cx="0" cy="0"/>
+        </a:xfrm>
+      </p:grpSpPr>
+      <p:sp>
+        <p:nvSpPr>
+          <p:cNvPr id="2" name="Title 1">
+            <a:extLst>
+              <a:ext uri="{FF2B5EF4-FFF2-40B4-BE49-F238E27FC236}">
+                <a16:creationId xmlns:a16="http://schemas.microsoft.com/office/drawing/2014/main" id="{BBE60801-9EE4-42D6-8610-C5C625F04937}"/>
+              </a:ext>
+            </a:extLst>
+          </p:cNvPr>
+          <p:cNvSpPr>
+            <a:spLocks noGrp="1"/>
+          </p:cNvSpPr>
+          <p:nvPr>
+            <p:ph type="title"/>
+          </p:nvPr>
+        </p:nvSpPr>
+        <p:spPr/>
+        <p:txBody>
+          <a:bodyPr/>
+          <a:lstStyle/>
+          <a:p>
+            <a:r>
+              <a:rPr lang="en-US" dirty="0"/>
+              <a:t>Responsive Design</a:t>
+            </a:r>
+          </a:p>
+        </p:txBody>
+      </p:sp>
+      <p:sp>
+        <p:nvSpPr>
+          <p:cNvPr id="3" name="Text Placeholder 2">
+            <a:extLst>
+              <a:ext uri="{FF2B5EF4-FFF2-40B4-BE49-F238E27FC236}">
+                <a16:creationId xmlns:a16="http://schemas.microsoft.com/office/drawing/2014/main" id="{F3E3244F-6179-405A-AC0E-31A4221B7888}"/>
+              </a:ext>
+            </a:extLst>
+          </p:cNvPr>
+          <p:cNvSpPr>
+            <a:spLocks noGrp="1"/>
+          </p:cNvSpPr>
+          <p:nvPr>
+            <p:ph type="body" idx="1"/>
+          </p:nvPr>
+        </p:nvSpPr>
+        <p:spPr/>
+        <p:txBody>
+          <a:bodyPr/>
+          <a:lstStyle/>
+          <a:p>
+            <a:endParaRPr lang="en-US"/>
+          </a:p>
+        </p:txBody>
+      </p:sp>
+    </p:spTree>
+    <p:extLst>
+      <p:ext uri="{BB962C8B-B14F-4D97-AF65-F5344CB8AC3E}">
+        <p14:creationId xmlns:p14="http://schemas.microsoft.com/office/powerpoint/2010/main" val="2317953309"/>
+      </p:ext>
+    </p:extLst>
+  </p:cSld>
+  <p:clrMapOvr>
+    <a:masterClrMapping/>
+  </p:clrMapOvr>
+</p:sld>
+</file>
+
+<file path=ppt/slides/slide33.xml><?xml version="1.0" encoding="utf-8"?>
+<p:sld xmlns:a="http://schemas.openxmlformats.org/drawingml/2006/main" xmlns:r="http://schemas.openxmlformats.org/officeDocument/2006/relationships" xmlns:p="http://schemas.openxmlformats.org/presentationml/2006/main">
+  <p:cSld>
+    <p:spTree>
+      <p:nvGrpSpPr>
+        <p:cNvPr id="1" name=""/>
+        <p:cNvGrpSpPr/>
+        <p:nvPr/>
+      </p:nvGrpSpPr>
+      <p:grpSpPr>
+        <a:xfrm>
+          <a:off x="0" y="0"/>
+          <a:ext cx="0" cy="0"/>
+          <a:chOff x="0" y="0"/>
+          <a:chExt cx="0" cy="0"/>
+        </a:xfrm>
+      </p:grpSpPr>
+      <p:sp>
+        <p:nvSpPr>
+          <p:cNvPr id="2" name="Title 1">
+            <a:extLst>
+              <a:ext uri="{FF2B5EF4-FFF2-40B4-BE49-F238E27FC236}">
+                <a16:creationId xmlns:a16="http://schemas.microsoft.com/office/drawing/2014/main" id="{BBE60801-9EE4-42D6-8610-C5C625F04937}"/>
+              </a:ext>
+            </a:extLst>
+          </p:cNvPr>
+          <p:cNvSpPr>
+            <a:spLocks noGrp="1"/>
+          </p:cNvSpPr>
+          <p:nvPr>
+            <p:ph type="title"/>
+          </p:nvPr>
+        </p:nvSpPr>
+        <p:spPr/>
+        <p:txBody>
+          <a:bodyPr/>
+          <a:lstStyle/>
+          <a:p>
+            <a:r>
+              <a:rPr lang="en-US" dirty="0"/>
+              <a:t>Performance and Deployment</a:t>
+            </a:r>
+          </a:p>
+        </p:txBody>
+      </p:sp>
+      <p:sp>
+        <p:nvSpPr>
+          <p:cNvPr id="3" name="Text Placeholder 2">
+            <a:extLst>
+              <a:ext uri="{FF2B5EF4-FFF2-40B4-BE49-F238E27FC236}">
+                <a16:creationId xmlns:a16="http://schemas.microsoft.com/office/drawing/2014/main" id="{F3E3244F-6179-405A-AC0E-31A4221B7888}"/>
+              </a:ext>
+            </a:extLst>
+          </p:cNvPr>
+          <p:cNvSpPr>
+            <a:spLocks noGrp="1"/>
+          </p:cNvSpPr>
+          <p:nvPr>
+            <p:ph type="body" idx="1"/>
+          </p:nvPr>
+        </p:nvSpPr>
+        <p:spPr/>
+        <p:txBody>
+          <a:bodyPr/>
+          <a:lstStyle/>
+          <a:p>
+            <a:endParaRPr lang="en-US"/>
+          </a:p>
+        </p:txBody>
+      </p:sp>
+    </p:spTree>
+    <p:extLst>
+      <p:ext uri="{BB962C8B-B14F-4D97-AF65-F5344CB8AC3E}">
+        <p14:creationId xmlns:p14="http://schemas.microsoft.com/office/powerpoint/2010/main" val="2231968089"/>
+      </p:ext>
+    </p:extLst>
+  </p:cSld>
+  <p:clrMapOvr>
+    <a:masterClrMapping/>
+  </p:clrMapOvr>
+</p:sld>
+</file>
+
+<file path=ppt/slides/slide34.xml><?xml version="1.0" encoding="utf-8"?>
+<p:sld xmlns:a="http://schemas.openxmlformats.org/drawingml/2006/main" xmlns:r="http://schemas.openxmlformats.org/officeDocument/2006/relationships" xmlns:p="http://schemas.openxmlformats.org/presentationml/2006/main">
+  <p:cSld>
+    <p:spTree>
+      <p:nvGrpSpPr>
+        <p:cNvPr id="1" name=""/>
+        <p:cNvGrpSpPr/>
+        <p:nvPr/>
+      </p:nvGrpSpPr>
+      <p:grpSpPr>
+        <a:xfrm>
+          <a:off x="0" y="0"/>
+          <a:ext cx="0" cy="0"/>
+          <a:chOff x="0" y="0"/>
+          <a:chExt cx="0" cy="0"/>
+        </a:xfrm>
+      </p:grpSpPr>
+      <p:sp>
+        <p:nvSpPr>
+          <p:cNvPr id="6" name="Title 5">
+            <a:extLst>
+              <a:ext uri="{FF2B5EF4-FFF2-40B4-BE49-F238E27FC236}">
+                <a16:creationId xmlns:a16="http://schemas.microsoft.com/office/drawing/2014/main" id="{E259847D-8BD6-4BDE-9626-B9D1370CB3D3}"/>
+              </a:ext>
+            </a:extLst>
+          </p:cNvPr>
+          <p:cNvSpPr>
+            <a:spLocks noGrp="1"/>
+          </p:cNvSpPr>
+          <p:nvPr>
+            <p:ph type="title"/>
+          </p:nvPr>
+        </p:nvSpPr>
+        <p:spPr/>
+        <p:txBody>
+          <a:bodyPr/>
+          <a:lstStyle/>
+          <a:p>
+            <a:r>
+              <a:rPr lang="en-US" dirty="0"/>
+              <a:t>Performance and Deployment</a:t>
+            </a:r>
+          </a:p>
+        </p:txBody>
+      </p:sp>
+      <p:sp>
+        <p:nvSpPr>
+          <p:cNvPr id="7" name="Content Placeholder 6">
+            <a:extLst>
+              <a:ext uri="{FF2B5EF4-FFF2-40B4-BE49-F238E27FC236}">
+                <a16:creationId xmlns:a16="http://schemas.microsoft.com/office/drawing/2014/main" id="{91688DA2-D19A-4685-8D9A-2EDF209583A1}"/>
+              </a:ext>
+            </a:extLst>
+          </p:cNvPr>
+          <p:cNvSpPr>
+            <a:spLocks noGrp="1"/>
+          </p:cNvSpPr>
+          <p:nvPr>
+            <p:ph sz="half" idx="1"/>
+          </p:nvPr>
+        </p:nvSpPr>
+        <p:spPr/>
+        <p:txBody>
+          <a:bodyPr/>
+          <a:lstStyle/>
+          <a:p>
+            <a:r>
+              <a:rPr lang="en-US" dirty="0"/>
+              <a:t>Tailwind is designed to be a part of a build system</a:t>
+            </a:r>
+          </a:p>
+          <a:p>
+            <a:r>
+              <a:rPr lang="en-US" dirty="0"/>
+              <a:t>This include automatic tree shaking – no unnecessary CSS</a:t>
+            </a:r>
+          </a:p>
+          <a:p>
+            <a:r>
+              <a:rPr lang="en-US" dirty="0"/>
+              <a:t>The build grows only when you use more!</a:t>
+            </a:r>
+          </a:p>
+        </p:txBody>
+      </p:sp>
+      <p:pic>
+        <p:nvPicPr>
+          <p:cNvPr id="10" name="Content Placeholder 9">
+            <a:extLst>
+              <a:ext uri="{FF2B5EF4-FFF2-40B4-BE49-F238E27FC236}">
+                <a16:creationId xmlns:a16="http://schemas.microsoft.com/office/drawing/2014/main" id="{3480ADD5-AD98-42CB-8C37-AFAA95EEDC49}"/>
+              </a:ext>
+            </a:extLst>
+          </p:cNvPr>
+          <p:cNvPicPr>
+            <a:picLocks noGrp="1" noChangeAspect="1"/>
+          </p:cNvPicPr>
+          <p:nvPr>
+            <p:ph sz="half" idx="2"/>
+          </p:nvPr>
+        </p:nvPicPr>
+        <p:blipFill>
+          <a:blip r:embed="rId2"/>
+          <a:stretch>
+            <a:fillRect/>
+          </a:stretch>
+        </p:blipFill>
+        <p:spPr>
+          <a:xfrm>
+            <a:off x="6172200" y="3415828"/>
+            <a:ext cx="5181600" cy="1170931"/>
+          </a:xfrm>
+        </p:spPr>
+      </p:pic>
+    </p:spTree>
+    <p:extLst>
+      <p:ext uri="{BB962C8B-B14F-4D97-AF65-F5344CB8AC3E}">
+        <p14:creationId xmlns:p14="http://schemas.microsoft.com/office/powerpoint/2010/main" val="739894934"/>
+      </p:ext>
+    </p:extLst>
+  </p:cSld>
+  <p:clrMapOvr>
+    <a:masterClrMapping/>
+  </p:clrMapOvr>
+</p:sld>
+</file>
+
+<file path=ppt/slides/slide35.xml><?xml version="1.0" encoding="utf-8"?>
+<p:sld xmlns:a="http://schemas.openxmlformats.org/drawingml/2006/main" xmlns:r="http://schemas.openxmlformats.org/officeDocument/2006/relationships" xmlns:p="http://schemas.openxmlformats.org/presentationml/2006/main">
+  <p:cSld>
+    <p:spTree>
+      <p:nvGrpSpPr>
+        <p:cNvPr id="1" name=""/>
+        <p:cNvGrpSpPr/>
+        <p:nvPr/>
+      </p:nvGrpSpPr>
+      <p:grpSpPr>
+        <a:xfrm>
+          <a:off x="0" y="0"/>
+          <a:ext cx="0" cy="0"/>
+          <a:chOff x="0" y="0"/>
+          <a:chExt cx="0" cy="0"/>
+        </a:xfrm>
+      </p:grpSpPr>
+      <p:sp>
+        <p:nvSpPr>
+          <p:cNvPr id="2" name="Title 1">
+            <a:extLst>
+              <a:ext uri="{FF2B5EF4-FFF2-40B4-BE49-F238E27FC236}">
+                <a16:creationId xmlns:a16="http://schemas.microsoft.com/office/drawing/2014/main" id="{BBE60801-9EE4-42D6-8610-C5C625F04937}"/>
+              </a:ext>
+            </a:extLst>
+          </p:cNvPr>
+          <p:cNvSpPr>
+            <a:spLocks noGrp="1"/>
+          </p:cNvSpPr>
+          <p:nvPr>
+            <p:ph type="title"/>
+          </p:nvPr>
+        </p:nvSpPr>
+        <p:spPr/>
+        <p:txBody>
+          <a:bodyPr/>
+          <a:lstStyle/>
+          <a:p>
+            <a:r>
+              <a:rPr lang="en-US" dirty="0"/>
               <a:t>Framework Support</a:t>
             </a:r>
           </a:p>
@@ -7163,7 +7762,7 @@
 </p:sld>
 </file>
 
-<file path=ppt/slides/slide31.xml><?xml version="1.0" encoding="utf-8"?>
+<file path=ppt/slides/slide36.xml><?xml version="1.0" encoding="utf-8"?>
 <p:sld xmlns:a="http://schemas.openxmlformats.org/drawingml/2006/main" xmlns:r="http://schemas.openxmlformats.org/officeDocument/2006/relationships" xmlns:p="http://schemas.openxmlformats.org/presentationml/2006/main">
   <p:cSld>
     <p:spTree>
@@ -7450,6 +8049,173 @@
 </file>
 
 <file path=ppt/slides/slide5.xml><?xml version="1.0" encoding="utf-8"?>
+<p:sld xmlns:a="http://schemas.openxmlformats.org/drawingml/2006/main" xmlns:r="http://schemas.openxmlformats.org/officeDocument/2006/relationships" xmlns:p="http://schemas.openxmlformats.org/presentationml/2006/main">
+  <p:cSld>
+    <p:spTree>
+      <p:nvGrpSpPr>
+        <p:cNvPr id="1" name=""/>
+        <p:cNvGrpSpPr/>
+        <p:nvPr/>
+      </p:nvGrpSpPr>
+      <p:grpSpPr>
+        <a:xfrm>
+          <a:off x="0" y="0"/>
+          <a:ext cx="0" cy="0"/>
+          <a:chOff x="0" y="0"/>
+          <a:chExt cx="0" cy="0"/>
+        </a:xfrm>
+      </p:grpSpPr>
+      <p:sp>
+        <p:nvSpPr>
+          <p:cNvPr id="4" name="TextBox 3">
+            <a:extLst>
+              <a:ext uri="{FF2B5EF4-FFF2-40B4-BE49-F238E27FC236}">
+                <a16:creationId xmlns:a16="http://schemas.microsoft.com/office/drawing/2014/main" id="{369828F9-6B54-4777-8630-4CAD2CDE15D4}"/>
+              </a:ext>
+            </a:extLst>
+          </p:cNvPr>
+          <p:cNvSpPr txBox="1"/>
+          <p:nvPr/>
+        </p:nvSpPr>
+        <p:spPr>
+          <a:xfrm>
+            <a:off x="1821180" y="1188720"/>
+            <a:ext cx="8549640" cy="2308324"/>
+          </a:xfrm>
+          <a:prstGeom prst="rect">
+            <a:avLst/>
+          </a:prstGeom>
+          <a:noFill/>
+        </p:spPr>
+        <p:txBody>
+          <a:bodyPr wrap="square" rtlCol="0">
+            <a:spAutoFit/>
+          </a:bodyPr>
+          <a:lstStyle/>
+          <a:p>
+            <a:pPr algn="ctr"/>
+            <a:r>
+              <a:rPr lang="en-US" sz="7200" dirty="0"/>
+              <a:t>If CSS was in plain English…</a:t>
+            </a:r>
+          </a:p>
+        </p:txBody>
+      </p:sp>
+    </p:spTree>
+    <p:extLst>
+      <p:ext uri="{BB962C8B-B14F-4D97-AF65-F5344CB8AC3E}">
+        <p14:creationId xmlns:p14="http://schemas.microsoft.com/office/powerpoint/2010/main" val="2450786676"/>
+      </p:ext>
+    </p:extLst>
+  </p:cSld>
+  <p:clrMapOvr>
+    <a:masterClrMapping/>
+  </p:clrMapOvr>
+</p:sld>
+</file>
+
+<file path=ppt/slides/slide6.xml><?xml version="1.0" encoding="utf-8"?>
+<p:sld xmlns:a="http://schemas.openxmlformats.org/drawingml/2006/main" xmlns:r="http://schemas.openxmlformats.org/officeDocument/2006/relationships" xmlns:p="http://schemas.openxmlformats.org/presentationml/2006/main">
+  <p:cSld>
+    <p:spTree>
+      <p:nvGrpSpPr>
+        <p:cNvPr id="1" name=""/>
+        <p:cNvGrpSpPr/>
+        <p:nvPr/>
+      </p:nvGrpSpPr>
+      <p:grpSpPr>
+        <a:xfrm>
+          <a:off x="0" y="0"/>
+          <a:ext cx="0" cy="0"/>
+          <a:chOff x="0" y="0"/>
+          <a:chExt cx="0" cy="0"/>
+        </a:xfrm>
+      </p:grpSpPr>
+      <p:sp>
+        <p:nvSpPr>
+          <p:cNvPr id="2" name="Title 1">
+            <a:extLst>
+              <a:ext uri="{FF2B5EF4-FFF2-40B4-BE49-F238E27FC236}">
+                <a16:creationId xmlns:a16="http://schemas.microsoft.com/office/drawing/2014/main" id="{5FA863B9-9E7E-4F56-8EC2-87209015FF8F}"/>
+              </a:ext>
+            </a:extLst>
+          </p:cNvPr>
+          <p:cNvSpPr>
+            <a:spLocks noGrp="1"/>
+          </p:cNvSpPr>
+          <p:nvPr>
+            <p:ph type="title"/>
+          </p:nvPr>
+        </p:nvSpPr>
+        <p:spPr/>
+        <p:txBody>
+          <a:bodyPr/>
+          <a:lstStyle/>
+          <a:p>
+            <a:r>
+              <a:rPr lang="en-US" dirty="0"/>
+              <a:t>Installation and Setup</a:t>
+            </a:r>
+          </a:p>
+        </p:txBody>
+      </p:sp>
+      <p:sp>
+        <p:nvSpPr>
+          <p:cNvPr id="3" name="Content Placeholder 2">
+            <a:extLst>
+              <a:ext uri="{FF2B5EF4-FFF2-40B4-BE49-F238E27FC236}">
+                <a16:creationId xmlns:a16="http://schemas.microsoft.com/office/drawing/2014/main" id="{9395A6DF-DCE6-4441-8A09-6DC34F465C04}"/>
+              </a:ext>
+            </a:extLst>
+          </p:cNvPr>
+          <p:cNvSpPr>
+            <a:spLocks noGrp="1"/>
+          </p:cNvSpPr>
+          <p:nvPr>
+            <p:ph idx="1"/>
+          </p:nvPr>
+        </p:nvSpPr>
+        <p:spPr/>
+        <p:txBody>
+          <a:bodyPr/>
+          <a:lstStyle/>
+          <a:p>
+            <a:r>
+              <a:rPr lang="en-US" dirty="0"/>
+              <a:t>Skipping this as a convenience</a:t>
+            </a:r>
+          </a:p>
+          <a:p>
+            <a:endParaRPr lang="en-US" dirty="0"/>
+          </a:p>
+          <a:p>
+            <a:r>
+              <a:rPr lang="en-US" dirty="0">
+                <a:hlinkClick r:id="rId2"/>
+              </a:rPr>
+              <a:t>https://tailwindcss.com/docs/installation</a:t>
+            </a:r>
+            <a:r>
+              <a:rPr lang="en-US" dirty="0"/>
+              <a:t> for all the information</a:t>
+            </a:r>
+          </a:p>
+        </p:txBody>
+      </p:sp>
+    </p:spTree>
+    <p:extLst>
+      <p:ext uri="{BB962C8B-B14F-4D97-AF65-F5344CB8AC3E}">
+        <p14:creationId xmlns:p14="http://schemas.microsoft.com/office/powerpoint/2010/main" val="1771568051"/>
+      </p:ext>
+    </p:extLst>
+  </p:cSld>
+  <p:clrMapOvr>
+    <a:masterClrMapping/>
+  </p:clrMapOvr>
+</p:sld>
+</file>
+
+<file path=ppt/slides/slide7.xml><?xml version="1.0" encoding="utf-8"?>
 <p:sld xmlns:a="http://schemas.openxmlformats.org/drawingml/2006/main" xmlns:r="http://schemas.openxmlformats.org/officeDocument/2006/relationships" xmlns:p="http://schemas.openxmlformats.org/presentationml/2006/main">
   <p:cSld>
     <p:spTree>
@@ -7609,7 +8375,7 @@
 </p:sld>
 </file>
 
-<file path=ppt/slides/slide6.xml><?xml version="1.0" encoding="utf-8"?>
+<file path=ppt/slides/slide8.xml><?xml version="1.0" encoding="utf-8"?>
 <p:sld xmlns:a="http://schemas.openxmlformats.org/drawingml/2006/main" xmlns:r="http://schemas.openxmlformats.org/officeDocument/2006/relationships" xmlns:p="http://schemas.openxmlformats.org/presentationml/2006/main">
   <p:cSld>
     <p:spTree>
@@ -7739,7 +8505,7 @@
 </p:sld>
 </file>
 
-<file path=ppt/slides/slide7.xml><?xml version="1.0" encoding="utf-8"?>
+<file path=ppt/slides/slide9.xml><?xml version="1.0" encoding="utf-8"?>
 <p:sld xmlns:a="http://schemas.openxmlformats.org/drawingml/2006/main" xmlns:r="http://schemas.openxmlformats.org/officeDocument/2006/relationships" xmlns:p="http://schemas.openxmlformats.org/presentationml/2006/main">
   <p:cSld>
     <p:spTree>
@@ -7854,309 +8620,6 @@
     <p:extLst>
       <p:ext uri="{BB962C8B-B14F-4D97-AF65-F5344CB8AC3E}">
         <p14:creationId xmlns:p14="http://schemas.microsoft.com/office/powerpoint/2010/main" val="1934196899"/>
-      </p:ext>
-    </p:extLst>
-  </p:cSld>
-  <p:clrMapOvr>
-    <a:masterClrMapping/>
-  </p:clrMapOvr>
-</p:sld>
-</file>
-
-<file path=ppt/slides/slide8.xml><?xml version="1.0" encoding="utf-8"?>
-<p:sld xmlns:a="http://schemas.openxmlformats.org/drawingml/2006/main" xmlns:r="http://schemas.openxmlformats.org/officeDocument/2006/relationships" xmlns:p="http://schemas.openxmlformats.org/presentationml/2006/main">
-  <p:cSld>
-    <p:spTree>
-      <p:nvGrpSpPr>
-        <p:cNvPr id="1" name=""/>
-        <p:cNvGrpSpPr/>
-        <p:nvPr/>
-      </p:nvGrpSpPr>
-      <p:grpSpPr>
-        <a:xfrm>
-          <a:off x="0" y="0"/>
-          <a:ext cx="0" cy="0"/>
-          <a:chOff x="0" y="0"/>
-          <a:chExt cx="0" cy="0"/>
-        </a:xfrm>
-      </p:grpSpPr>
-      <p:sp>
-        <p:nvSpPr>
-          <p:cNvPr id="2" name="Title 1">
-            <a:extLst>
-              <a:ext uri="{FF2B5EF4-FFF2-40B4-BE49-F238E27FC236}">
-                <a16:creationId xmlns:a16="http://schemas.microsoft.com/office/drawing/2014/main" id="{506E8F51-7C67-435E-ADE1-4212709B652C}"/>
-              </a:ext>
-            </a:extLst>
-          </p:cNvPr>
-          <p:cNvSpPr>
-            <a:spLocks noGrp="1"/>
-          </p:cNvSpPr>
-          <p:nvPr>
-            <p:ph type="title"/>
-          </p:nvPr>
-        </p:nvSpPr>
-        <p:spPr/>
-        <p:txBody>
-          <a:bodyPr/>
-          <a:lstStyle/>
-          <a:p>
-            <a:r>
-              <a:rPr lang="en-US" dirty="0"/>
-              <a:t>We have a lot to cover!</a:t>
-            </a:r>
-          </a:p>
-        </p:txBody>
-      </p:sp>
-      <p:sp>
-        <p:nvSpPr>
-          <p:cNvPr id="3" name="Content Placeholder 2">
-            <a:extLst>
-              <a:ext uri="{FF2B5EF4-FFF2-40B4-BE49-F238E27FC236}">
-                <a16:creationId xmlns:a16="http://schemas.microsoft.com/office/drawing/2014/main" id="{9A4B5544-8796-4003-A225-F8D4DDC5DB10}"/>
-              </a:ext>
-            </a:extLst>
-          </p:cNvPr>
-          <p:cNvSpPr>
-            <a:spLocks noGrp="1"/>
-          </p:cNvSpPr>
-          <p:nvPr>
-            <p:ph sz="half" idx="1"/>
-          </p:nvPr>
-        </p:nvSpPr>
-        <p:spPr/>
-        <p:txBody>
-          <a:bodyPr/>
-          <a:lstStyle/>
-          <a:p>
-            <a:r>
-              <a:rPr lang="en-US" dirty="0"/>
-              <a:t>Layout</a:t>
-            </a:r>
-          </a:p>
-          <a:p>
-            <a:r>
-              <a:rPr lang="en-US" dirty="0"/>
-              <a:t>Sizing</a:t>
-            </a:r>
-          </a:p>
-          <a:p>
-            <a:r>
-              <a:rPr lang="en-US" dirty="0"/>
-              <a:t>Colors</a:t>
-            </a:r>
-          </a:p>
-          <a:p>
-            <a:r>
-              <a:rPr lang="en-US" dirty="0"/>
-              <a:t>Typography</a:t>
-            </a:r>
-          </a:p>
-          <a:p>
-            <a:endParaRPr lang="en-US" dirty="0"/>
-          </a:p>
-        </p:txBody>
-      </p:sp>
-      <p:sp>
-        <p:nvSpPr>
-          <p:cNvPr id="4" name="Content Placeholder 3">
-            <a:extLst>
-              <a:ext uri="{FF2B5EF4-FFF2-40B4-BE49-F238E27FC236}">
-                <a16:creationId xmlns:a16="http://schemas.microsoft.com/office/drawing/2014/main" id="{2CF53451-9FAF-4784-A959-EB921768FB52}"/>
-              </a:ext>
-            </a:extLst>
-          </p:cNvPr>
-          <p:cNvSpPr>
-            <a:spLocks noGrp="1"/>
-          </p:cNvSpPr>
-          <p:nvPr>
-            <p:ph sz="half" idx="2"/>
-          </p:nvPr>
-        </p:nvSpPr>
-        <p:spPr/>
-        <p:txBody>
-          <a:bodyPr/>
-          <a:lstStyle/>
-          <a:p>
-            <a:r>
-              <a:rPr lang="en-US" dirty="0"/>
-              <a:t>Variants</a:t>
-            </a:r>
-          </a:p>
-          <a:p>
-            <a:r>
-              <a:rPr lang="en-US" dirty="0"/>
-              <a:t>Responsive Design</a:t>
-            </a:r>
-          </a:p>
-          <a:p>
-            <a:r>
-              <a:rPr lang="en-US" dirty="0"/>
-              <a:t>Performance / Deployment</a:t>
-            </a:r>
-          </a:p>
-          <a:p>
-            <a:r>
-              <a:rPr lang="en-US" dirty="0"/>
-              <a:t>Frameworks Support</a:t>
-            </a:r>
-          </a:p>
-          <a:p>
-            <a:r>
-              <a:rPr lang="en-US" dirty="0"/>
-              <a:t>Extra</a:t>
-            </a:r>
-          </a:p>
-        </p:txBody>
-      </p:sp>
-    </p:spTree>
-    <p:extLst>
-      <p:ext uri="{BB962C8B-B14F-4D97-AF65-F5344CB8AC3E}">
-        <p14:creationId xmlns:p14="http://schemas.microsoft.com/office/powerpoint/2010/main" val="3221418229"/>
-      </p:ext>
-    </p:extLst>
-  </p:cSld>
-  <p:clrMapOvr>
-    <a:masterClrMapping/>
-  </p:clrMapOvr>
-</p:sld>
-</file>
-
-<file path=ppt/slides/slide9.xml><?xml version="1.0" encoding="utf-8"?>
-<p:sld xmlns:a="http://schemas.openxmlformats.org/drawingml/2006/main" xmlns:r="http://schemas.openxmlformats.org/officeDocument/2006/relationships" xmlns:p="http://schemas.openxmlformats.org/presentationml/2006/main">
-  <p:cSld>
-    <p:spTree>
-      <p:nvGrpSpPr>
-        <p:cNvPr id="1" name=""/>
-        <p:cNvGrpSpPr/>
-        <p:nvPr/>
-      </p:nvGrpSpPr>
-      <p:grpSpPr>
-        <a:xfrm>
-          <a:off x="0" y="0"/>
-          <a:ext cx="0" cy="0"/>
-          <a:chOff x="0" y="0"/>
-          <a:chExt cx="0" cy="0"/>
-        </a:xfrm>
-      </p:grpSpPr>
-      <p:sp>
-        <p:nvSpPr>
-          <p:cNvPr id="2" name="Title 1">
-            <a:extLst>
-              <a:ext uri="{FF2B5EF4-FFF2-40B4-BE49-F238E27FC236}">
-                <a16:creationId xmlns:a16="http://schemas.microsoft.com/office/drawing/2014/main" id="{794687A0-1EF9-414F-85F7-534D02F12E36}"/>
-              </a:ext>
-            </a:extLst>
-          </p:cNvPr>
-          <p:cNvSpPr>
-            <a:spLocks noGrp="1"/>
-          </p:cNvSpPr>
-          <p:nvPr>
-            <p:ph type="title"/>
-          </p:nvPr>
-        </p:nvSpPr>
-        <p:spPr/>
-        <p:txBody>
-          <a:bodyPr/>
-          <a:lstStyle/>
-          <a:p>
-            <a:r>
-              <a:rPr lang="en-US" dirty="0"/>
-              <a:t>Layout</a:t>
-            </a:r>
-          </a:p>
-        </p:txBody>
-      </p:sp>
-      <p:sp>
-        <p:nvSpPr>
-          <p:cNvPr id="4" name="Content Placeholder 3">
-            <a:extLst>
-              <a:ext uri="{FF2B5EF4-FFF2-40B4-BE49-F238E27FC236}">
-                <a16:creationId xmlns:a16="http://schemas.microsoft.com/office/drawing/2014/main" id="{DF0BCFA8-05A2-4610-ACEB-E7856192ACCA}"/>
-              </a:ext>
-            </a:extLst>
-          </p:cNvPr>
-          <p:cNvSpPr>
-            <a:spLocks noGrp="1"/>
-          </p:cNvSpPr>
-          <p:nvPr>
-            <p:ph sz="half" idx="2"/>
-          </p:nvPr>
-        </p:nvSpPr>
-        <p:spPr/>
-        <p:txBody>
-          <a:bodyPr/>
-          <a:lstStyle/>
-          <a:p>
-            <a:pPr marL="0" indent="0">
-              <a:buNone/>
-            </a:pPr>
-            <a:r>
-              <a:rPr lang="en-US" dirty="0"/>
-              <a:t>The Box Model</a:t>
-            </a:r>
-          </a:p>
-          <a:p>
-            <a:pPr marL="0" indent="0">
-              <a:buNone/>
-            </a:pPr>
-            <a:endParaRPr lang="en-US" dirty="0"/>
-          </a:p>
-        </p:txBody>
-      </p:sp>
-      <p:pic>
-        <p:nvPicPr>
-          <p:cNvPr id="1026" name="Picture 2">
-            <a:extLst>
-              <a:ext uri="{FF2B5EF4-FFF2-40B4-BE49-F238E27FC236}">
-                <a16:creationId xmlns:a16="http://schemas.microsoft.com/office/drawing/2014/main" id="{D7C126B6-E70B-40E7-8A33-08EF96EFC75B}"/>
-              </a:ext>
-            </a:extLst>
-          </p:cNvPr>
-          <p:cNvPicPr>
-            <a:picLocks noGrp="1" noChangeAspect="1" noChangeArrowheads="1"/>
-          </p:cNvPicPr>
-          <p:nvPr>
-            <p:ph sz="half" idx="1"/>
-          </p:nvPr>
-        </p:nvPicPr>
-        <p:blipFill>
-          <a:blip r:embed="rId2">
-            <a:extLst>
-              <a:ext uri="{28A0092B-C50C-407E-A947-70E740481C1C}">
-                <a14:useLocalDpi xmlns:a14="http://schemas.microsoft.com/office/drawing/2010/main" val="0"/>
-              </a:ext>
-            </a:extLst>
-          </a:blip>
-          <a:srcRect/>
-          <a:stretch>
-            <a:fillRect/>
-          </a:stretch>
-        </p:blipFill>
-        <p:spPr bwMode="auto">
-          <a:xfrm>
-            <a:off x="1253331" y="1825625"/>
-            <a:ext cx="4351338" cy="4351338"/>
-          </a:xfrm>
-          <a:prstGeom prst="rect">
-            <a:avLst/>
-          </a:prstGeom>
-          <a:noFill/>
-          <a:extLst>
-            <a:ext uri="{909E8E84-426E-40DD-AFC4-6F175D3DCCD1}">
-              <a14:hiddenFill xmlns:a14="http://schemas.microsoft.com/office/drawing/2010/main">
-                <a:solidFill>
-                  <a:srgbClr val="FFFFFF"/>
-                </a:solidFill>
-              </a14:hiddenFill>
-            </a:ext>
-          </a:extLst>
-        </p:spPr>
-      </p:pic>
-    </p:spTree>
-    <p:extLst>
-      <p:ext uri="{BB962C8B-B14F-4D97-AF65-F5344CB8AC3E}">
-        <p14:creationId xmlns:p14="http://schemas.microsoft.com/office/powerpoint/2010/main" val="1356978907"/>
       </p:ext>
     </p:extLst>
   </p:cSld>

--- a/Slides/Tailwind Essentials.pptx
+++ b/Slides/Tailwind Essentials.pptx
@@ -5,45 +5,44 @@
     <p:sldMasterId id="2147483648" r:id="rId1"/>
   </p:sldMasterIdLst>
   <p:notesMasterIdLst>
-    <p:notesMasterId r:id="rId38"/>
+    <p:notesMasterId r:id="rId37"/>
   </p:notesMasterIdLst>
   <p:sldIdLst>
     <p:sldId id="256" r:id="rId2"/>
     <p:sldId id="257" r:id="rId3"/>
     <p:sldId id="259" r:id="rId4"/>
     <p:sldId id="258" r:id="rId5"/>
-    <p:sldId id="289" r:id="rId6"/>
-    <p:sldId id="290" r:id="rId7"/>
-    <p:sldId id="260" r:id="rId8"/>
-    <p:sldId id="261" r:id="rId9"/>
-    <p:sldId id="262" r:id="rId10"/>
-    <p:sldId id="263" r:id="rId11"/>
-    <p:sldId id="291" r:id="rId12"/>
-    <p:sldId id="264" r:id="rId13"/>
-    <p:sldId id="265" r:id="rId14"/>
-    <p:sldId id="266" r:id="rId15"/>
-    <p:sldId id="267" r:id="rId16"/>
-    <p:sldId id="268" r:id="rId17"/>
-    <p:sldId id="269" r:id="rId18"/>
-    <p:sldId id="270" r:id="rId19"/>
-    <p:sldId id="271" r:id="rId20"/>
-    <p:sldId id="272" r:id="rId21"/>
-    <p:sldId id="283" r:id="rId22"/>
-    <p:sldId id="273" r:id="rId23"/>
-    <p:sldId id="274" r:id="rId24"/>
-    <p:sldId id="275" r:id="rId25"/>
-    <p:sldId id="276" r:id="rId26"/>
-    <p:sldId id="284" r:id="rId27"/>
-    <p:sldId id="282" r:id="rId28"/>
-    <p:sldId id="285" r:id="rId29"/>
-    <p:sldId id="286" r:id="rId30"/>
-    <p:sldId id="287" r:id="rId31"/>
-    <p:sldId id="292" r:id="rId32"/>
-    <p:sldId id="277" r:id="rId33"/>
-    <p:sldId id="278" r:id="rId34"/>
-    <p:sldId id="288" r:id="rId35"/>
-    <p:sldId id="279" r:id="rId36"/>
-    <p:sldId id="281" r:id="rId37"/>
+    <p:sldId id="290" r:id="rId6"/>
+    <p:sldId id="260" r:id="rId7"/>
+    <p:sldId id="261" r:id="rId8"/>
+    <p:sldId id="262" r:id="rId9"/>
+    <p:sldId id="263" r:id="rId10"/>
+    <p:sldId id="291" r:id="rId11"/>
+    <p:sldId id="264" r:id="rId12"/>
+    <p:sldId id="265" r:id="rId13"/>
+    <p:sldId id="266" r:id="rId14"/>
+    <p:sldId id="267" r:id="rId15"/>
+    <p:sldId id="268" r:id="rId16"/>
+    <p:sldId id="269" r:id="rId17"/>
+    <p:sldId id="270" r:id="rId18"/>
+    <p:sldId id="271" r:id="rId19"/>
+    <p:sldId id="272" r:id="rId20"/>
+    <p:sldId id="283" r:id="rId21"/>
+    <p:sldId id="273" r:id="rId22"/>
+    <p:sldId id="274" r:id="rId23"/>
+    <p:sldId id="275" r:id="rId24"/>
+    <p:sldId id="276" r:id="rId25"/>
+    <p:sldId id="284" r:id="rId26"/>
+    <p:sldId id="282" r:id="rId27"/>
+    <p:sldId id="285" r:id="rId28"/>
+    <p:sldId id="286" r:id="rId29"/>
+    <p:sldId id="287" r:id="rId30"/>
+    <p:sldId id="292" r:id="rId31"/>
+    <p:sldId id="277" r:id="rId32"/>
+    <p:sldId id="278" r:id="rId33"/>
+    <p:sldId id="288" r:id="rId34"/>
+    <p:sldId id="279" r:id="rId35"/>
+    <p:sldId id="281" r:id="rId36"/>
   </p:sldIdLst>
   <p:sldSz cx="12192000" cy="6858000"/>
   <p:notesSz cx="6858000" cy="9144000"/>
@@ -643,7 +642,7 @@
           <a:p>
             <a:fld id="{2D685A82-563E-4343-8EA6-0CF94D6DE585}" type="slidenum">
               <a:rPr lang="en-US" smtClean="0"/>
-              <a:t>36</a:t>
+              <a:t>35</a:t>
             </a:fld>
             <a:endParaRPr lang="en-US"/>
           </a:p>
@@ -3994,165 +3993,6 @@
       </p:grpSpPr>
       <p:sp>
         <p:nvSpPr>
-          <p:cNvPr id="2" name="Title 1">
-            <a:extLst>
-              <a:ext uri="{FF2B5EF4-FFF2-40B4-BE49-F238E27FC236}">
-                <a16:creationId xmlns:a16="http://schemas.microsoft.com/office/drawing/2014/main" id="{506E8F51-7C67-435E-ADE1-4212709B652C}"/>
-              </a:ext>
-            </a:extLst>
-          </p:cNvPr>
-          <p:cNvSpPr>
-            <a:spLocks noGrp="1"/>
-          </p:cNvSpPr>
-          <p:nvPr>
-            <p:ph type="title"/>
-          </p:nvPr>
-        </p:nvSpPr>
-        <p:spPr/>
-        <p:txBody>
-          <a:bodyPr/>
-          <a:lstStyle/>
-          <a:p>
-            <a:r>
-              <a:rPr lang="en-US" dirty="0"/>
-              <a:t>We have a lot to cover!</a:t>
-            </a:r>
-          </a:p>
-        </p:txBody>
-      </p:sp>
-      <p:sp>
-        <p:nvSpPr>
-          <p:cNvPr id="3" name="Content Placeholder 2">
-            <a:extLst>
-              <a:ext uri="{FF2B5EF4-FFF2-40B4-BE49-F238E27FC236}">
-                <a16:creationId xmlns:a16="http://schemas.microsoft.com/office/drawing/2014/main" id="{9A4B5544-8796-4003-A225-F8D4DDC5DB10}"/>
-              </a:ext>
-            </a:extLst>
-          </p:cNvPr>
-          <p:cNvSpPr>
-            <a:spLocks noGrp="1"/>
-          </p:cNvSpPr>
-          <p:nvPr>
-            <p:ph sz="half" idx="1"/>
-          </p:nvPr>
-        </p:nvSpPr>
-        <p:spPr/>
-        <p:txBody>
-          <a:bodyPr/>
-          <a:lstStyle/>
-          <a:p>
-            <a:r>
-              <a:rPr lang="en-US" dirty="0"/>
-              <a:t>Layout</a:t>
-            </a:r>
-          </a:p>
-          <a:p>
-            <a:r>
-              <a:rPr lang="en-US" dirty="0"/>
-              <a:t>Sizing</a:t>
-            </a:r>
-          </a:p>
-          <a:p>
-            <a:r>
-              <a:rPr lang="en-US" dirty="0"/>
-              <a:t>Colors</a:t>
-            </a:r>
-          </a:p>
-          <a:p>
-            <a:r>
-              <a:rPr lang="en-US" dirty="0"/>
-              <a:t>Typography</a:t>
-            </a:r>
-          </a:p>
-          <a:p>
-            <a:endParaRPr lang="en-US" dirty="0"/>
-          </a:p>
-        </p:txBody>
-      </p:sp>
-      <p:sp>
-        <p:nvSpPr>
-          <p:cNvPr id="4" name="Content Placeholder 3">
-            <a:extLst>
-              <a:ext uri="{FF2B5EF4-FFF2-40B4-BE49-F238E27FC236}">
-                <a16:creationId xmlns:a16="http://schemas.microsoft.com/office/drawing/2014/main" id="{2CF53451-9FAF-4784-A959-EB921768FB52}"/>
-              </a:ext>
-            </a:extLst>
-          </p:cNvPr>
-          <p:cNvSpPr>
-            <a:spLocks noGrp="1"/>
-          </p:cNvSpPr>
-          <p:nvPr>
-            <p:ph sz="half" idx="2"/>
-          </p:nvPr>
-        </p:nvSpPr>
-        <p:spPr/>
-        <p:txBody>
-          <a:bodyPr/>
-          <a:lstStyle/>
-          <a:p>
-            <a:r>
-              <a:rPr lang="en-US" dirty="0"/>
-              <a:t>Variants</a:t>
-            </a:r>
-          </a:p>
-          <a:p>
-            <a:r>
-              <a:rPr lang="en-US" dirty="0"/>
-              <a:t>Responsive Design</a:t>
-            </a:r>
-          </a:p>
-          <a:p>
-            <a:r>
-              <a:rPr lang="en-US" dirty="0"/>
-              <a:t>Performance / Deployment</a:t>
-            </a:r>
-          </a:p>
-          <a:p>
-            <a:r>
-              <a:rPr lang="en-US" dirty="0"/>
-              <a:t>Frameworks Support</a:t>
-            </a:r>
-          </a:p>
-          <a:p>
-            <a:r>
-              <a:rPr lang="en-US" dirty="0"/>
-              <a:t>Extra</a:t>
-            </a:r>
-          </a:p>
-        </p:txBody>
-      </p:sp>
-    </p:spTree>
-    <p:extLst>
-      <p:ext uri="{BB962C8B-B14F-4D97-AF65-F5344CB8AC3E}">
-        <p14:creationId xmlns:p14="http://schemas.microsoft.com/office/powerpoint/2010/main" val="3221418229"/>
-      </p:ext>
-    </p:extLst>
-  </p:cSld>
-  <p:clrMapOvr>
-    <a:masterClrMapping/>
-  </p:clrMapOvr>
-</p:sld>
-</file>
-
-<file path=ppt/slides/slide11.xml><?xml version="1.0" encoding="utf-8"?>
-<p:sld xmlns:a="http://schemas.openxmlformats.org/drawingml/2006/main" xmlns:r="http://schemas.openxmlformats.org/officeDocument/2006/relationships" xmlns:p="http://schemas.openxmlformats.org/presentationml/2006/main">
-  <p:cSld>
-    <p:spTree>
-      <p:nvGrpSpPr>
-        <p:cNvPr id="1" name=""/>
-        <p:cNvGrpSpPr/>
-        <p:nvPr/>
-      </p:nvGrpSpPr>
-      <p:grpSpPr>
-        <a:xfrm>
-          <a:off x="0" y="0"/>
-          <a:ext cx="0" cy="0"/>
-          <a:chOff x="0" y="0"/>
-          <a:chExt cx="0" cy="0"/>
-        </a:xfrm>
-      </p:grpSpPr>
-      <p:sp>
-        <p:nvSpPr>
           <p:cNvPr id="4" name="TextBox 3">
             <a:extLst>
               <a:ext uri="{FF2B5EF4-FFF2-40B4-BE49-F238E27FC236}">
@@ -4211,7 +4051,7 @@
 </p:sld>
 </file>
 
-<file path=ppt/slides/slide12.xml><?xml version="1.0" encoding="utf-8"?>
+<file path=ppt/slides/slide11.xml><?xml version="1.0" encoding="utf-8"?>
 <p:sld xmlns:a="http://schemas.openxmlformats.org/drawingml/2006/main" xmlns:r="http://schemas.openxmlformats.org/officeDocument/2006/relationships" xmlns:p="http://schemas.openxmlformats.org/presentationml/2006/main">
   <p:cSld>
     <p:spTree>
@@ -4355,7 +4195,7 @@
 </p:sld>
 </file>
 
-<file path=ppt/slides/slide13.xml><?xml version="1.0" encoding="utf-8"?>
+<file path=ppt/slides/slide12.xml><?xml version="1.0" encoding="utf-8"?>
 <p:sld xmlns:a="http://schemas.openxmlformats.org/drawingml/2006/main" xmlns:r="http://schemas.openxmlformats.org/officeDocument/2006/relationships" xmlns:p="http://schemas.openxmlformats.org/presentationml/2006/main">
   <p:cSld>
     <p:spTree>
@@ -4469,7 +4309,7 @@
 </p:sld>
 </file>
 
-<file path=ppt/slides/slide14.xml><?xml version="1.0" encoding="utf-8"?>
+<file path=ppt/slides/slide13.xml><?xml version="1.0" encoding="utf-8"?>
 <p:sld xmlns:a="http://schemas.openxmlformats.org/drawingml/2006/main" xmlns:r="http://schemas.openxmlformats.org/officeDocument/2006/relationships" xmlns:p="http://schemas.openxmlformats.org/presentationml/2006/main">
   <p:cSld>
     <p:spTree>
@@ -4664,7 +4504,7 @@
 </p:sld>
 </file>
 
-<file path=ppt/slides/slide15.xml><?xml version="1.0" encoding="utf-8"?>
+<file path=ppt/slides/slide14.xml><?xml version="1.0" encoding="utf-8"?>
 <p:sld xmlns:a="http://schemas.openxmlformats.org/drawingml/2006/main" xmlns:r="http://schemas.openxmlformats.org/officeDocument/2006/relationships" xmlns:p="http://schemas.openxmlformats.org/presentationml/2006/main">
   <p:cSld>
     <p:spTree>
@@ -4859,7 +4699,7 @@
 </p:sld>
 </file>
 
-<file path=ppt/slides/slide16.xml><?xml version="1.0" encoding="utf-8"?>
+<file path=ppt/slides/slide15.xml><?xml version="1.0" encoding="utf-8"?>
 <p:sld xmlns:a="http://schemas.openxmlformats.org/drawingml/2006/main" xmlns:r="http://schemas.openxmlformats.org/officeDocument/2006/relationships" xmlns:p="http://schemas.openxmlformats.org/presentationml/2006/main">
   <p:cSld>
     <p:spTree>
@@ -5054,7 +4894,7 @@
 </p:sld>
 </file>
 
-<file path=ppt/slides/slide17.xml><?xml version="1.0" encoding="utf-8"?>
+<file path=ppt/slides/slide16.xml><?xml version="1.0" encoding="utf-8"?>
 <p:sld xmlns:a="http://schemas.openxmlformats.org/drawingml/2006/main" xmlns:r="http://schemas.openxmlformats.org/officeDocument/2006/relationships" xmlns:p="http://schemas.openxmlformats.org/presentationml/2006/main">
   <p:cSld>
     <p:spTree>
@@ -5386,7 +5226,7 @@
 </p:sld>
 </file>
 
-<file path=ppt/slides/slide18.xml><?xml version="1.0" encoding="utf-8"?>
+<file path=ppt/slides/slide17.xml><?xml version="1.0" encoding="utf-8"?>
 <p:sld xmlns:a="http://schemas.openxmlformats.org/drawingml/2006/main" xmlns:r="http://schemas.openxmlformats.org/officeDocument/2006/relationships" xmlns:p="http://schemas.openxmlformats.org/presentationml/2006/main">
   <p:cSld>
     <p:spTree>
@@ -5581,7 +5421,7 @@
 </p:sld>
 </file>
 
-<file path=ppt/slides/slide19.xml><?xml version="1.0" encoding="utf-8"?>
+<file path=ppt/slides/slide18.xml><?xml version="1.0" encoding="utf-8"?>
 <p:sld xmlns:a="http://schemas.openxmlformats.org/drawingml/2006/main" xmlns:r="http://schemas.openxmlformats.org/officeDocument/2006/relationships" xmlns:p="http://schemas.openxmlformats.org/presentationml/2006/main">
   <p:cSld>
     <p:spTree>
@@ -5767,6 +5607,201 @@
     <p:extLst>
       <p:ext uri="{BB962C8B-B14F-4D97-AF65-F5344CB8AC3E}">
         <p14:creationId xmlns:p14="http://schemas.microsoft.com/office/powerpoint/2010/main" val="1715847"/>
+      </p:ext>
+    </p:extLst>
+  </p:cSld>
+  <p:clrMapOvr>
+    <a:masterClrMapping/>
+  </p:clrMapOvr>
+</p:sld>
+</file>
+
+<file path=ppt/slides/slide19.xml><?xml version="1.0" encoding="utf-8"?>
+<p:sld xmlns:a="http://schemas.openxmlformats.org/drawingml/2006/main" xmlns:r="http://schemas.openxmlformats.org/officeDocument/2006/relationships" xmlns:p="http://schemas.openxmlformats.org/presentationml/2006/main">
+  <p:cSld>
+    <p:spTree>
+      <p:nvGrpSpPr>
+        <p:cNvPr id="1" name=""/>
+        <p:cNvGrpSpPr/>
+        <p:nvPr/>
+      </p:nvGrpSpPr>
+      <p:grpSpPr>
+        <a:xfrm>
+          <a:off x="0" y="0"/>
+          <a:ext cx="0" cy="0"/>
+          <a:chOff x="0" y="0"/>
+          <a:chExt cx="0" cy="0"/>
+        </a:xfrm>
+      </p:grpSpPr>
+      <p:sp>
+        <p:nvSpPr>
+          <p:cNvPr id="2" name="Title 1">
+            <a:extLst>
+              <a:ext uri="{FF2B5EF4-FFF2-40B4-BE49-F238E27FC236}">
+                <a16:creationId xmlns:a16="http://schemas.microsoft.com/office/drawing/2014/main" id="{8AB3EBC1-B05F-4776-B1BC-36D6374403F6}"/>
+              </a:ext>
+            </a:extLst>
+          </p:cNvPr>
+          <p:cNvSpPr>
+            <a:spLocks noGrp="1"/>
+          </p:cNvSpPr>
+          <p:nvPr>
+            <p:ph type="title"/>
+          </p:nvPr>
+        </p:nvSpPr>
+        <p:spPr/>
+        <p:txBody>
+          <a:bodyPr/>
+          <a:lstStyle/>
+          <a:p>
+            <a:r>
+              <a:rPr lang="en-US" dirty="0"/>
+              <a:t>Box Model Helpers</a:t>
+            </a:r>
+          </a:p>
+        </p:txBody>
+      </p:sp>
+      <p:sp>
+        <p:nvSpPr>
+          <p:cNvPr id="24" name="Rectangle 23">
+            <a:extLst>
+              <a:ext uri="{FF2B5EF4-FFF2-40B4-BE49-F238E27FC236}">
+                <a16:creationId xmlns:a16="http://schemas.microsoft.com/office/drawing/2014/main" id="{8FBDD923-8243-44D8-8353-F3B3930BA6DD}"/>
+              </a:ext>
+            </a:extLst>
+          </p:cNvPr>
+          <p:cNvSpPr/>
+          <p:nvPr/>
+        </p:nvSpPr>
+        <p:spPr>
+          <a:xfrm>
+            <a:off x="3214255" y="2438399"/>
+            <a:ext cx="6082145" cy="3602183"/>
+          </a:xfrm>
+          <a:prstGeom prst="rect">
+            <a:avLst/>
+          </a:prstGeom>
+          <a:solidFill>
+            <a:schemeClr val="bg1"/>
+          </a:solidFill>
+        </p:spPr>
+        <p:style>
+          <a:lnRef idx="2">
+            <a:schemeClr val="accent1">
+              <a:shade val="50000"/>
+            </a:schemeClr>
+          </a:lnRef>
+          <a:fillRef idx="1">
+            <a:schemeClr val="accent1"/>
+          </a:fillRef>
+          <a:effectRef idx="0">
+            <a:schemeClr val="accent1"/>
+          </a:effectRef>
+          <a:fontRef idx="minor">
+            <a:schemeClr val="lt1"/>
+          </a:fontRef>
+        </p:style>
+        <p:txBody>
+          <a:bodyPr rtlCol="0" anchor="ctr"/>
+          <a:lstStyle/>
+          <a:p>
+            <a:pPr algn="ctr"/>
+            <a:r>
+              <a:rPr lang="en-US" sz="3200" dirty="0">
+                <a:solidFill>
+                  <a:schemeClr val="tx1"/>
+                </a:solidFill>
+              </a:rPr>
+              <a:t>&lt;div class=“</a:t>
+            </a:r>
+            <a:r>
+              <a:rPr lang="en-US" sz="3200" b="1" dirty="0">
+                <a:solidFill>
+                  <a:schemeClr val="tx1"/>
+                </a:solidFill>
+              </a:rPr>
+              <a:t>m-5</a:t>
+            </a:r>
+            <a:r>
+              <a:rPr lang="en-US" sz="3200" dirty="0">
+                <a:solidFill>
+                  <a:schemeClr val="tx1"/>
+                </a:solidFill>
+              </a:rPr>
+              <a:t>”&gt;</a:t>
+            </a:r>
+          </a:p>
+          <a:p>
+            <a:pPr algn="ctr"/>
+            <a:r>
+              <a:rPr lang="en-US" sz="3200" dirty="0">
+                <a:solidFill>
+                  <a:schemeClr val="tx1"/>
+                </a:solidFill>
+              </a:rPr>
+              <a:t>&lt;/div&gt;</a:t>
+            </a:r>
+          </a:p>
+        </p:txBody>
+      </p:sp>
+      <p:sp>
+        <p:nvSpPr>
+          <p:cNvPr id="4" name="Rectangle 3">
+            <a:extLst>
+              <a:ext uri="{FF2B5EF4-FFF2-40B4-BE49-F238E27FC236}">
+                <a16:creationId xmlns:a16="http://schemas.microsoft.com/office/drawing/2014/main" id="{0456CF99-1884-4DE6-9F76-B4A981965D37}"/>
+              </a:ext>
+            </a:extLst>
+          </p:cNvPr>
+          <p:cNvSpPr/>
+          <p:nvPr/>
+        </p:nvSpPr>
+        <p:spPr>
+          <a:xfrm>
+            <a:off x="2895600" y="2133600"/>
+            <a:ext cx="6677891" cy="4197927"/>
+          </a:xfrm>
+          <a:prstGeom prst="rect">
+            <a:avLst/>
+          </a:prstGeom>
+          <a:noFill/>
+          <a:ln>
+            <a:prstDash val="lgDash"/>
+          </a:ln>
+        </p:spPr>
+        <p:style>
+          <a:lnRef idx="2">
+            <a:schemeClr val="accent1">
+              <a:shade val="50000"/>
+            </a:schemeClr>
+          </a:lnRef>
+          <a:fillRef idx="1">
+            <a:schemeClr val="accent1"/>
+          </a:fillRef>
+          <a:effectRef idx="0">
+            <a:schemeClr val="accent1"/>
+          </a:effectRef>
+          <a:fontRef idx="minor">
+            <a:schemeClr val="lt1"/>
+          </a:fontRef>
+        </p:style>
+        <p:txBody>
+          <a:bodyPr rtlCol="0" anchor="ctr"/>
+          <a:lstStyle/>
+          <a:p>
+            <a:pPr algn="ctr"/>
+            <a:endParaRPr lang="en-US" sz="3200" dirty="0">
+              <a:solidFill>
+                <a:schemeClr val="tx1"/>
+              </a:solidFill>
+            </a:endParaRPr>
+          </a:p>
+        </p:txBody>
+      </p:sp>
+    </p:spTree>
+    <p:extLst>
+      <p:ext uri="{BB962C8B-B14F-4D97-AF65-F5344CB8AC3E}">
+        <p14:creationId xmlns:p14="http://schemas.microsoft.com/office/powerpoint/2010/main" val="3543082722"/>
       </p:ext>
     </p:extLst>
   </p:cSld>
@@ -5881,201 +5916,6 @@
           <p:cNvPr id="2" name="Title 1">
             <a:extLst>
               <a:ext uri="{FF2B5EF4-FFF2-40B4-BE49-F238E27FC236}">
-                <a16:creationId xmlns:a16="http://schemas.microsoft.com/office/drawing/2014/main" id="{8AB3EBC1-B05F-4776-B1BC-36D6374403F6}"/>
-              </a:ext>
-            </a:extLst>
-          </p:cNvPr>
-          <p:cNvSpPr>
-            <a:spLocks noGrp="1"/>
-          </p:cNvSpPr>
-          <p:nvPr>
-            <p:ph type="title"/>
-          </p:nvPr>
-        </p:nvSpPr>
-        <p:spPr/>
-        <p:txBody>
-          <a:bodyPr/>
-          <a:lstStyle/>
-          <a:p>
-            <a:r>
-              <a:rPr lang="en-US" dirty="0"/>
-              <a:t>Box Model Helpers</a:t>
-            </a:r>
-          </a:p>
-        </p:txBody>
-      </p:sp>
-      <p:sp>
-        <p:nvSpPr>
-          <p:cNvPr id="24" name="Rectangle 23">
-            <a:extLst>
-              <a:ext uri="{FF2B5EF4-FFF2-40B4-BE49-F238E27FC236}">
-                <a16:creationId xmlns:a16="http://schemas.microsoft.com/office/drawing/2014/main" id="{8FBDD923-8243-44D8-8353-F3B3930BA6DD}"/>
-              </a:ext>
-            </a:extLst>
-          </p:cNvPr>
-          <p:cNvSpPr/>
-          <p:nvPr/>
-        </p:nvSpPr>
-        <p:spPr>
-          <a:xfrm>
-            <a:off x="3214255" y="2438399"/>
-            <a:ext cx="6082145" cy="3602183"/>
-          </a:xfrm>
-          <a:prstGeom prst="rect">
-            <a:avLst/>
-          </a:prstGeom>
-          <a:solidFill>
-            <a:schemeClr val="bg1"/>
-          </a:solidFill>
-        </p:spPr>
-        <p:style>
-          <a:lnRef idx="2">
-            <a:schemeClr val="accent1">
-              <a:shade val="50000"/>
-            </a:schemeClr>
-          </a:lnRef>
-          <a:fillRef idx="1">
-            <a:schemeClr val="accent1"/>
-          </a:fillRef>
-          <a:effectRef idx="0">
-            <a:schemeClr val="accent1"/>
-          </a:effectRef>
-          <a:fontRef idx="minor">
-            <a:schemeClr val="lt1"/>
-          </a:fontRef>
-        </p:style>
-        <p:txBody>
-          <a:bodyPr rtlCol="0" anchor="ctr"/>
-          <a:lstStyle/>
-          <a:p>
-            <a:pPr algn="ctr"/>
-            <a:r>
-              <a:rPr lang="en-US" sz="3200" dirty="0">
-                <a:solidFill>
-                  <a:schemeClr val="tx1"/>
-                </a:solidFill>
-              </a:rPr>
-              <a:t>&lt;div class=“</a:t>
-            </a:r>
-            <a:r>
-              <a:rPr lang="en-US" sz="3200" b="1" dirty="0">
-                <a:solidFill>
-                  <a:schemeClr val="tx1"/>
-                </a:solidFill>
-              </a:rPr>
-              <a:t>m-5</a:t>
-            </a:r>
-            <a:r>
-              <a:rPr lang="en-US" sz="3200" dirty="0">
-                <a:solidFill>
-                  <a:schemeClr val="tx1"/>
-                </a:solidFill>
-              </a:rPr>
-              <a:t>”&gt;</a:t>
-            </a:r>
-          </a:p>
-          <a:p>
-            <a:pPr algn="ctr"/>
-            <a:r>
-              <a:rPr lang="en-US" sz="3200" dirty="0">
-                <a:solidFill>
-                  <a:schemeClr val="tx1"/>
-                </a:solidFill>
-              </a:rPr>
-              <a:t>&lt;/div&gt;</a:t>
-            </a:r>
-          </a:p>
-        </p:txBody>
-      </p:sp>
-      <p:sp>
-        <p:nvSpPr>
-          <p:cNvPr id="4" name="Rectangle 3">
-            <a:extLst>
-              <a:ext uri="{FF2B5EF4-FFF2-40B4-BE49-F238E27FC236}">
-                <a16:creationId xmlns:a16="http://schemas.microsoft.com/office/drawing/2014/main" id="{0456CF99-1884-4DE6-9F76-B4A981965D37}"/>
-              </a:ext>
-            </a:extLst>
-          </p:cNvPr>
-          <p:cNvSpPr/>
-          <p:nvPr/>
-        </p:nvSpPr>
-        <p:spPr>
-          <a:xfrm>
-            <a:off x="2895600" y="2133600"/>
-            <a:ext cx="6677891" cy="4197927"/>
-          </a:xfrm>
-          <a:prstGeom prst="rect">
-            <a:avLst/>
-          </a:prstGeom>
-          <a:noFill/>
-          <a:ln>
-            <a:prstDash val="lgDash"/>
-          </a:ln>
-        </p:spPr>
-        <p:style>
-          <a:lnRef idx="2">
-            <a:schemeClr val="accent1">
-              <a:shade val="50000"/>
-            </a:schemeClr>
-          </a:lnRef>
-          <a:fillRef idx="1">
-            <a:schemeClr val="accent1"/>
-          </a:fillRef>
-          <a:effectRef idx="0">
-            <a:schemeClr val="accent1"/>
-          </a:effectRef>
-          <a:fontRef idx="minor">
-            <a:schemeClr val="lt1"/>
-          </a:fontRef>
-        </p:style>
-        <p:txBody>
-          <a:bodyPr rtlCol="0" anchor="ctr"/>
-          <a:lstStyle/>
-          <a:p>
-            <a:pPr algn="ctr"/>
-            <a:endParaRPr lang="en-US" sz="3200" dirty="0">
-              <a:solidFill>
-                <a:schemeClr val="tx1"/>
-              </a:solidFill>
-            </a:endParaRPr>
-          </a:p>
-        </p:txBody>
-      </p:sp>
-    </p:spTree>
-    <p:extLst>
-      <p:ext uri="{BB962C8B-B14F-4D97-AF65-F5344CB8AC3E}">
-        <p14:creationId xmlns:p14="http://schemas.microsoft.com/office/powerpoint/2010/main" val="3543082722"/>
-      </p:ext>
-    </p:extLst>
-  </p:cSld>
-  <p:clrMapOvr>
-    <a:masterClrMapping/>
-  </p:clrMapOvr>
-</p:sld>
-</file>
-
-<file path=ppt/slides/slide21.xml><?xml version="1.0" encoding="utf-8"?>
-<p:sld xmlns:a="http://schemas.openxmlformats.org/drawingml/2006/main" xmlns:r="http://schemas.openxmlformats.org/officeDocument/2006/relationships" xmlns:p="http://schemas.openxmlformats.org/presentationml/2006/main">
-  <p:cSld>
-    <p:spTree>
-      <p:nvGrpSpPr>
-        <p:cNvPr id="1" name=""/>
-        <p:cNvGrpSpPr/>
-        <p:nvPr/>
-      </p:nvGrpSpPr>
-      <p:grpSpPr>
-        <a:xfrm>
-          <a:off x="0" y="0"/>
-          <a:ext cx="0" cy="0"/>
-          <a:chOff x="0" y="0"/>
-          <a:chExt cx="0" cy="0"/>
-        </a:xfrm>
-      </p:grpSpPr>
-      <p:sp>
-        <p:nvSpPr>
-          <p:cNvPr id="2" name="Title 1">
-            <a:extLst>
-              <a:ext uri="{FF2B5EF4-FFF2-40B4-BE49-F238E27FC236}">
                 <a16:creationId xmlns:a16="http://schemas.microsoft.com/office/drawing/2014/main" id="{2C8FF3E7-D908-4AB0-B3EB-522DB1B3DD4F}"/>
               </a:ext>
             </a:extLst>
@@ -6170,7 +6010,7 @@
 </p:sld>
 </file>
 
-<file path=ppt/slides/slide22.xml><?xml version="1.0" encoding="utf-8"?>
+<file path=ppt/slides/slide21.xml><?xml version="1.0" encoding="utf-8"?>
 <p:sld xmlns:a="http://schemas.openxmlformats.org/drawingml/2006/main" xmlns:r="http://schemas.openxmlformats.org/officeDocument/2006/relationships" xmlns:p="http://schemas.openxmlformats.org/presentationml/2006/main">
   <p:cSld>
     <p:spTree>
@@ -6253,7 +6093,7 @@
 </p:sld>
 </file>
 
-<file path=ppt/slides/slide23.xml><?xml version="1.0" encoding="utf-8"?>
+<file path=ppt/slides/slide22.xml><?xml version="1.0" encoding="utf-8"?>
 <p:sld xmlns:a="http://schemas.openxmlformats.org/drawingml/2006/main" xmlns:r="http://schemas.openxmlformats.org/officeDocument/2006/relationships" xmlns:p="http://schemas.openxmlformats.org/presentationml/2006/main">
   <p:cSld>
     <p:spTree>
@@ -6340,7 +6180,7 @@
 </p:sld>
 </file>
 
-<file path=ppt/slides/slide24.xml><?xml version="1.0" encoding="utf-8"?>
+<file path=ppt/slides/slide23.xml><?xml version="1.0" encoding="utf-8"?>
 <p:sld xmlns:a="http://schemas.openxmlformats.org/drawingml/2006/main" xmlns:r="http://schemas.openxmlformats.org/officeDocument/2006/relationships" xmlns:p="http://schemas.openxmlformats.org/presentationml/2006/main">
   <p:cSld>
     <p:spTree>
@@ -6428,7 +6268,7 @@
 </p:sld>
 </file>
 
-<file path=ppt/slides/slide25.xml><?xml version="1.0" encoding="utf-8"?>
+<file path=ppt/slides/slide24.xml><?xml version="1.0" encoding="utf-8"?>
 <p:sld xmlns:a="http://schemas.openxmlformats.org/drawingml/2006/main" xmlns:r="http://schemas.openxmlformats.org/officeDocument/2006/relationships" xmlns:p="http://schemas.openxmlformats.org/presentationml/2006/main">
   <p:cSld>
     <p:spTree>
@@ -6511,7 +6351,7 @@
 </p:sld>
 </file>
 
-<file path=ppt/slides/slide26.xml><?xml version="1.0" encoding="utf-8"?>
+<file path=ppt/slides/slide25.xml><?xml version="1.0" encoding="utf-8"?>
 <p:sld xmlns:a="http://schemas.openxmlformats.org/drawingml/2006/main" xmlns:r="http://schemas.openxmlformats.org/officeDocument/2006/relationships" xmlns:p="http://schemas.openxmlformats.org/presentationml/2006/main">
   <p:cSld>
     <p:spTree>
@@ -6674,6 +6514,89 @@
 </p:sld>
 </file>
 
+<file path=ppt/slides/slide26.xml><?xml version="1.0" encoding="utf-8"?>
+<p:sld xmlns:a="http://schemas.openxmlformats.org/drawingml/2006/main" xmlns:r="http://schemas.openxmlformats.org/officeDocument/2006/relationships" xmlns:p="http://schemas.openxmlformats.org/presentationml/2006/main">
+  <p:cSld>
+    <p:spTree>
+      <p:nvGrpSpPr>
+        <p:cNvPr id="1" name=""/>
+        <p:cNvGrpSpPr/>
+        <p:nvPr/>
+      </p:nvGrpSpPr>
+      <p:grpSpPr>
+        <a:xfrm>
+          <a:off x="0" y="0"/>
+          <a:ext cx="0" cy="0"/>
+          <a:chOff x="0" y="0"/>
+          <a:chExt cx="0" cy="0"/>
+        </a:xfrm>
+      </p:grpSpPr>
+      <p:sp>
+        <p:nvSpPr>
+          <p:cNvPr id="2" name="Title 1">
+            <a:extLst>
+              <a:ext uri="{FF2B5EF4-FFF2-40B4-BE49-F238E27FC236}">
+                <a16:creationId xmlns:a16="http://schemas.microsoft.com/office/drawing/2014/main" id="{BBE60801-9EE4-42D6-8610-C5C625F04937}"/>
+              </a:ext>
+            </a:extLst>
+          </p:cNvPr>
+          <p:cNvSpPr>
+            <a:spLocks noGrp="1"/>
+          </p:cNvSpPr>
+          <p:nvPr>
+            <p:ph type="title"/>
+          </p:nvPr>
+        </p:nvSpPr>
+        <p:spPr/>
+        <p:txBody>
+          <a:bodyPr/>
+          <a:lstStyle/>
+          <a:p>
+            <a:r>
+              <a:rPr lang="en-US" dirty="0"/>
+              <a:t>Variants</a:t>
+            </a:r>
+          </a:p>
+        </p:txBody>
+      </p:sp>
+      <p:sp>
+        <p:nvSpPr>
+          <p:cNvPr id="3" name="Text Placeholder 2">
+            <a:extLst>
+              <a:ext uri="{FF2B5EF4-FFF2-40B4-BE49-F238E27FC236}">
+                <a16:creationId xmlns:a16="http://schemas.microsoft.com/office/drawing/2014/main" id="{F3E3244F-6179-405A-AC0E-31A4221B7888}"/>
+              </a:ext>
+            </a:extLst>
+          </p:cNvPr>
+          <p:cNvSpPr>
+            <a:spLocks noGrp="1"/>
+          </p:cNvSpPr>
+          <p:nvPr>
+            <p:ph type="body" idx="1"/>
+          </p:nvPr>
+        </p:nvSpPr>
+        <p:spPr/>
+        <p:txBody>
+          <a:bodyPr/>
+          <a:lstStyle/>
+          <a:p>
+            <a:endParaRPr lang="en-US"/>
+          </a:p>
+        </p:txBody>
+      </p:sp>
+    </p:spTree>
+    <p:extLst>
+      <p:ext uri="{BB962C8B-B14F-4D97-AF65-F5344CB8AC3E}">
+        <p14:creationId xmlns:p14="http://schemas.microsoft.com/office/powerpoint/2010/main" val="2138411163"/>
+      </p:ext>
+    </p:extLst>
+  </p:cSld>
+  <p:clrMapOvr>
+    <a:masterClrMapping/>
+  </p:clrMapOvr>
+</p:sld>
+</file>
+
 <file path=ppt/slides/slide27.xml><?xml version="1.0" encoding="utf-8"?>
 <p:sld xmlns:a="http://schemas.openxmlformats.org/drawingml/2006/main" xmlns:r="http://schemas.openxmlformats.org/officeDocument/2006/relationships" xmlns:p="http://schemas.openxmlformats.org/presentationml/2006/main">
   <p:cSld>
@@ -6693,10 +6616,10 @@
       </p:grpSpPr>
       <p:sp>
         <p:nvSpPr>
-          <p:cNvPr id="2" name="Title 1">
-            <a:extLst>
-              <a:ext uri="{FF2B5EF4-FFF2-40B4-BE49-F238E27FC236}">
-                <a16:creationId xmlns:a16="http://schemas.microsoft.com/office/drawing/2014/main" id="{BBE60801-9EE4-42D6-8610-C5C625F04937}"/>
+          <p:cNvPr id="4" name="Title 3">
+            <a:extLst>
+              <a:ext uri="{FF2B5EF4-FFF2-40B4-BE49-F238E27FC236}">
+                <a16:creationId xmlns:a16="http://schemas.microsoft.com/office/drawing/2014/main" id="{C05D8B13-8541-4F46-B7E0-EB8E069C27F1}"/>
               </a:ext>
             </a:extLst>
           </p:cNvPr>
@@ -6714,40 +6637,73 @@
           <a:p>
             <a:r>
               <a:rPr lang="en-US" dirty="0"/>
-              <a:t>Variants</a:t>
-            </a:r>
-          </a:p>
-        </p:txBody>
-      </p:sp>
-      <p:sp>
-        <p:nvSpPr>
-          <p:cNvPr id="3" name="Text Placeholder 2">
-            <a:extLst>
-              <a:ext uri="{FF2B5EF4-FFF2-40B4-BE49-F238E27FC236}">
-                <a16:creationId xmlns:a16="http://schemas.microsoft.com/office/drawing/2014/main" id="{F3E3244F-6179-405A-AC0E-31A4221B7888}"/>
-              </a:ext>
-            </a:extLst>
-          </p:cNvPr>
-          <p:cNvSpPr>
-            <a:spLocks noGrp="1"/>
-          </p:cNvSpPr>
-          <p:nvPr>
-            <p:ph type="body" idx="1"/>
-          </p:nvPr>
-        </p:nvSpPr>
-        <p:spPr/>
-        <p:txBody>
-          <a:bodyPr/>
-          <a:lstStyle/>
-          <a:p>
-            <a:endParaRPr lang="en-US"/>
-          </a:p>
-        </p:txBody>
-      </p:sp>
+              <a:t>Variants (hover, active, disabled)</a:t>
+            </a:r>
+          </a:p>
+        </p:txBody>
+      </p:sp>
+      <p:pic>
+        <p:nvPicPr>
+          <p:cNvPr id="10" name="Content Placeholder 9">
+            <a:extLst>
+              <a:ext uri="{FF2B5EF4-FFF2-40B4-BE49-F238E27FC236}">
+                <a16:creationId xmlns:a16="http://schemas.microsoft.com/office/drawing/2014/main" id="{998BEEAD-A61D-4D16-8BA4-6481BDE06B66}"/>
+              </a:ext>
+            </a:extLst>
+          </p:cNvPr>
+          <p:cNvPicPr>
+            <a:picLocks noGrp="1" noChangeAspect="1"/>
+          </p:cNvPicPr>
+          <p:nvPr>
+            <p:ph sz="half" idx="2"/>
+          </p:nvPr>
+        </p:nvPicPr>
+        <p:blipFill>
+          <a:blip r:embed="rId2"/>
+          <a:stretch>
+            <a:fillRect/>
+          </a:stretch>
+        </p:blipFill>
+        <p:spPr>
+          <a:xfrm>
+            <a:off x="7643952" y="3548913"/>
+            <a:ext cx="2238095" cy="904762"/>
+          </a:xfrm>
+        </p:spPr>
+      </p:pic>
+      <p:pic>
+        <p:nvPicPr>
+          <p:cNvPr id="20" name="Content Placeholder 19">
+            <a:extLst>
+              <a:ext uri="{FF2B5EF4-FFF2-40B4-BE49-F238E27FC236}">
+                <a16:creationId xmlns:a16="http://schemas.microsoft.com/office/drawing/2014/main" id="{B66B4A2D-D4B5-42E6-91EB-76DDD805CA99}"/>
+              </a:ext>
+            </a:extLst>
+          </p:cNvPr>
+          <p:cNvPicPr>
+            <a:picLocks noGrp="1" noChangeAspect="1"/>
+          </p:cNvPicPr>
+          <p:nvPr>
+            <p:ph sz="half" idx="1"/>
+          </p:nvPr>
+        </p:nvPicPr>
+        <p:blipFill>
+          <a:blip r:embed="rId3"/>
+          <a:stretch>
+            <a:fillRect/>
+          </a:stretch>
+        </p:blipFill>
+        <p:spPr>
+          <a:xfrm>
+            <a:off x="838200" y="3206718"/>
+            <a:ext cx="5181600" cy="1589152"/>
+          </a:xfrm>
+        </p:spPr>
+      </p:pic>
     </p:spTree>
     <p:extLst>
       <p:ext uri="{BB962C8B-B14F-4D97-AF65-F5344CB8AC3E}">
-        <p14:creationId xmlns:p14="http://schemas.microsoft.com/office/powerpoint/2010/main" val="2138411163"/>
+        <p14:creationId xmlns:p14="http://schemas.microsoft.com/office/powerpoint/2010/main" val="72002770"/>
       </p:ext>
     </p:extLst>
   </p:cSld>
@@ -6804,10 +6760,10 @@
       </p:sp>
       <p:pic>
         <p:nvPicPr>
-          <p:cNvPr id="10" name="Content Placeholder 9">
-            <a:extLst>
-              <a:ext uri="{FF2B5EF4-FFF2-40B4-BE49-F238E27FC236}">
-                <a16:creationId xmlns:a16="http://schemas.microsoft.com/office/drawing/2014/main" id="{998BEEAD-A61D-4D16-8BA4-6481BDE06B66}"/>
+          <p:cNvPr id="16" name="Content Placeholder 15">
+            <a:extLst>
+              <a:ext uri="{FF2B5EF4-FFF2-40B4-BE49-F238E27FC236}">
+                <a16:creationId xmlns:a16="http://schemas.microsoft.com/office/drawing/2014/main" id="{05F1B79F-1FBA-415E-AF25-66BFA04CE09B}"/>
               </a:ext>
             </a:extLst>
           </p:cNvPr>
@@ -6815,7 +6771,7 @@
             <a:picLocks noGrp="1" noChangeAspect="1"/>
           </p:cNvPicPr>
           <p:nvPr>
-            <p:ph sz="half" idx="2"/>
+            <p:ph sz="half" idx="1"/>
           </p:nvPr>
         </p:nvPicPr>
         <p:blipFill>
@@ -6826,17 +6782,17 @@
         </p:blipFill>
         <p:spPr>
           <a:xfrm>
-            <a:off x="7643952" y="3548913"/>
-            <a:ext cx="2238095" cy="904762"/>
+            <a:off x="838200" y="3408392"/>
+            <a:ext cx="5181600" cy="1185803"/>
           </a:xfrm>
         </p:spPr>
       </p:pic>
       <p:pic>
         <p:nvPicPr>
-          <p:cNvPr id="14" name="Content Placeholder 13">
-            <a:extLst>
-              <a:ext uri="{FF2B5EF4-FFF2-40B4-BE49-F238E27FC236}">
-                <a16:creationId xmlns:a16="http://schemas.microsoft.com/office/drawing/2014/main" id="{94518D71-6A7E-47FA-A8A4-686A787EFA92}"/>
+          <p:cNvPr id="20" name="Content Placeholder 19">
+            <a:extLst>
+              <a:ext uri="{FF2B5EF4-FFF2-40B4-BE49-F238E27FC236}">
+                <a16:creationId xmlns:a16="http://schemas.microsoft.com/office/drawing/2014/main" id="{8D08A5B2-07C3-43EA-9B07-B487116E906B}"/>
               </a:ext>
             </a:extLst>
           </p:cNvPr>
@@ -6844,7 +6800,7 @@
             <a:picLocks noGrp="1" noChangeAspect="1"/>
           </p:cNvPicPr>
           <p:nvPr>
-            <p:ph sz="half" idx="1"/>
+            <p:ph sz="half" idx="2"/>
           </p:nvPr>
         </p:nvPicPr>
         <p:blipFill>
@@ -6855,15 +6811,15 @@
         </p:blipFill>
         <p:spPr>
           <a:xfrm>
-            <a:off x="838200" y="3234019"/>
-            <a:ext cx="5181600" cy="1534550"/>
+            <a:off x="7820143" y="3653675"/>
+            <a:ext cx="1885714" cy="695238"/>
           </a:xfrm>
         </p:spPr>
       </p:pic>
     </p:spTree>
     <p:extLst>
       <p:ext uri="{BB962C8B-B14F-4D97-AF65-F5344CB8AC3E}">
-        <p14:creationId xmlns:p14="http://schemas.microsoft.com/office/powerpoint/2010/main" val="72002770"/>
+        <p14:creationId xmlns:p14="http://schemas.microsoft.com/office/powerpoint/2010/main" val="1892738261"/>
       </p:ext>
     </p:extLst>
   </p:cSld>
@@ -6892,10 +6848,10 @@
       </p:grpSpPr>
       <p:sp>
         <p:nvSpPr>
-          <p:cNvPr id="4" name="Title 3">
-            <a:extLst>
-              <a:ext uri="{FF2B5EF4-FFF2-40B4-BE49-F238E27FC236}">
-                <a16:creationId xmlns:a16="http://schemas.microsoft.com/office/drawing/2014/main" id="{C05D8B13-8541-4F46-B7E0-EB8E069C27F1}"/>
+          <p:cNvPr id="2" name="Title 1">
+            <a:extLst>
+              <a:ext uri="{FF2B5EF4-FFF2-40B4-BE49-F238E27FC236}">
+                <a16:creationId xmlns:a16="http://schemas.microsoft.com/office/drawing/2014/main" id="{BBE60801-9EE4-42D6-8610-C5C625F04937}"/>
               </a:ext>
             </a:extLst>
           </p:cNvPr>
@@ -6913,73 +6869,43 @@
           <a:p>
             <a:r>
               <a:rPr lang="en-US" dirty="0"/>
-              <a:t>Variants (hover, active, disabled)</a:t>
-            </a:r>
-          </a:p>
-        </p:txBody>
-      </p:sp>
-      <p:pic>
-        <p:nvPicPr>
-          <p:cNvPr id="16" name="Content Placeholder 15">
-            <a:extLst>
-              <a:ext uri="{FF2B5EF4-FFF2-40B4-BE49-F238E27FC236}">
-                <a16:creationId xmlns:a16="http://schemas.microsoft.com/office/drawing/2014/main" id="{05F1B79F-1FBA-415E-AF25-66BFA04CE09B}"/>
-              </a:ext>
-            </a:extLst>
-          </p:cNvPr>
-          <p:cNvPicPr>
-            <a:picLocks noGrp="1" noChangeAspect="1"/>
-          </p:cNvPicPr>
-          <p:nvPr>
-            <p:ph sz="half" idx="1"/>
-          </p:nvPr>
-        </p:nvPicPr>
-        <p:blipFill>
-          <a:blip r:embed="rId2"/>
-          <a:stretch>
-            <a:fillRect/>
-          </a:stretch>
-        </p:blipFill>
-        <p:spPr>
-          <a:xfrm>
-            <a:off x="838200" y="3408392"/>
-            <a:ext cx="5181600" cy="1185803"/>
-          </a:xfrm>
-        </p:spPr>
-      </p:pic>
-      <p:pic>
-        <p:nvPicPr>
-          <p:cNvPr id="20" name="Content Placeholder 19">
-            <a:extLst>
-              <a:ext uri="{FF2B5EF4-FFF2-40B4-BE49-F238E27FC236}">
-                <a16:creationId xmlns:a16="http://schemas.microsoft.com/office/drawing/2014/main" id="{8D08A5B2-07C3-43EA-9B07-B487116E906B}"/>
-              </a:ext>
-            </a:extLst>
-          </p:cNvPr>
-          <p:cNvPicPr>
-            <a:picLocks noGrp="1" noChangeAspect="1"/>
-          </p:cNvPicPr>
-          <p:nvPr>
-            <p:ph sz="half" idx="2"/>
-          </p:nvPr>
-        </p:nvPicPr>
-        <p:blipFill>
-          <a:blip r:embed="rId3"/>
-          <a:stretch>
-            <a:fillRect/>
-          </a:stretch>
-        </p:blipFill>
-        <p:spPr>
-          <a:xfrm>
-            <a:off x="7820143" y="3653675"/>
-            <a:ext cx="1885714" cy="695238"/>
-          </a:xfrm>
-        </p:spPr>
-      </p:pic>
+              <a:t>Speed Round</a:t>
+            </a:r>
+          </a:p>
+        </p:txBody>
+      </p:sp>
+      <p:sp>
+        <p:nvSpPr>
+          <p:cNvPr id="3" name="Text Placeholder 2">
+            <a:extLst>
+              <a:ext uri="{FF2B5EF4-FFF2-40B4-BE49-F238E27FC236}">
+                <a16:creationId xmlns:a16="http://schemas.microsoft.com/office/drawing/2014/main" id="{F3E3244F-6179-405A-AC0E-31A4221B7888}"/>
+              </a:ext>
+            </a:extLst>
+          </p:cNvPr>
+          <p:cNvSpPr>
+            <a:spLocks noGrp="1"/>
+          </p:cNvSpPr>
+          <p:nvPr>
+            <p:ph type="body" idx="1"/>
+          </p:nvPr>
+        </p:nvSpPr>
+        <p:spPr/>
+        <p:txBody>
+          <a:bodyPr/>
+          <a:lstStyle/>
+          <a:p>
+            <a:r>
+              <a:rPr lang="en-US" dirty="0"/>
+              <a:t>Let’s design some buttons</a:t>
+            </a:r>
+          </a:p>
+        </p:txBody>
+      </p:sp>
     </p:spTree>
     <p:extLst>
       <p:ext uri="{BB962C8B-B14F-4D97-AF65-F5344CB8AC3E}">
-        <p14:creationId xmlns:p14="http://schemas.microsoft.com/office/powerpoint/2010/main" val="1892738261"/>
+        <p14:creationId xmlns:p14="http://schemas.microsoft.com/office/powerpoint/2010/main" val="1340948692"/>
       </p:ext>
     </p:extLst>
   </p:cSld>
@@ -7249,7 +7175,7 @@
           <a:p>
             <a:r>
               <a:rPr lang="en-US" dirty="0"/>
-              <a:t>Speed Round</a:t>
+              <a:t>Custom Components</a:t>
             </a:r>
           </a:p>
         </p:txBody>
@@ -7277,7 +7203,7 @@
           <a:p>
             <a:r>
               <a:rPr lang="en-US" dirty="0"/>
-              <a:t>Let’s design some buttons</a:t>
+              <a:t>Or “that button CSS is very verbose”</a:t>
             </a:r>
           </a:p>
         </p:txBody>
@@ -7285,7 +7211,7 @@
     </p:spTree>
     <p:extLst>
       <p:ext uri="{BB962C8B-B14F-4D97-AF65-F5344CB8AC3E}">
-        <p14:creationId xmlns:p14="http://schemas.microsoft.com/office/powerpoint/2010/main" val="1340948692"/>
+        <p14:creationId xmlns:p14="http://schemas.microsoft.com/office/powerpoint/2010/main" val="3848502349"/>
       </p:ext>
     </p:extLst>
   </p:cSld>
@@ -7335,7 +7261,7 @@
           <a:p>
             <a:r>
               <a:rPr lang="en-US" dirty="0"/>
-              <a:t>Custom Components</a:t>
+              <a:t>Responsive Design</a:t>
             </a:r>
           </a:p>
         </p:txBody>
@@ -7361,22 +7287,14 @@
           <a:bodyPr/>
           <a:lstStyle/>
           <a:p>
-            <a:r>
-              <a:rPr lang="en-US" dirty="0"/>
-              <a:t>Or “that button CSS is </a:t>
-            </a:r>
-            <a:r>
-              <a:rPr lang="en-US"/>
-              <a:t>very verbose”</a:t>
-            </a:r>
-            <a:endParaRPr lang="en-US" dirty="0"/>
+            <a:endParaRPr lang="en-US"/>
           </a:p>
         </p:txBody>
       </p:sp>
     </p:spTree>
     <p:extLst>
       <p:ext uri="{BB962C8B-B14F-4D97-AF65-F5344CB8AC3E}">
-        <p14:creationId xmlns:p14="http://schemas.microsoft.com/office/powerpoint/2010/main" val="3848502349"/>
+        <p14:creationId xmlns:p14="http://schemas.microsoft.com/office/powerpoint/2010/main" val="2317953309"/>
       </p:ext>
     </p:extLst>
   </p:cSld>
@@ -7426,89 +7344,6 @@
           <a:p>
             <a:r>
               <a:rPr lang="en-US" dirty="0"/>
-              <a:t>Responsive Design</a:t>
-            </a:r>
-          </a:p>
-        </p:txBody>
-      </p:sp>
-      <p:sp>
-        <p:nvSpPr>
-          <p:cNvPr id="3" name="Text Placeholder 2">
-            <a:extLst>
-              <a:ext uri="{FF2B5EF4-FFF2-40B4-BE49-F238E27FC236}">
-                <a16:creationId xmlns:a16="http://schemas.microsoft.com/office/drawing/2014/main" id="{F3E3244F-6179-405A-AC0E-31A4221B7888}"/>
-              </a:ext>
-            </a:extLst>
-          </p:cNvPr>
-          <p:cNvSpPr>
-            <a:spLocks noGrp="1"/>
-          </p:cNvSpPr>
-          <p:nvPr>
-            <p:ph type="body" idx="1"/>
-          </p:nvPr>
-        </p:nvSpPr>
-        <p:spPr/>
-        <p:txBody>
-          <a:bodyPr/>
-          <a:lstStyle/>
-          <a:p>
-            <a:endParaRPr lang="en-US"/>
-          </a:p>
-        </p:txBody>
-      </p:sp>
-    </p:spTree>
-    <p:extLst>
-      <p:ext uri="{BB962C8B-B14F-4D97-AF65-F5344CB8AC3E}">
-        <p14:creationId xmlns:p14="http://schemas.microsoft.com/office/powerpoint/2010/main" val="2317953309"/>
-      </p:ext>
-    </p:extLst>
-  </p:cSld>
-  <p:clrMapOvr>
-    <a:masterClrMapping/>
-  </p:clrMapOvr>
-</p:sld>
-</file>
-
-<file path=ppt/slides/slide33.xml><?xml version="1.0" encoding="utf-8"?>
-<p:sld xmlns:a="http://schemas.openxmlformats.org/drawingml/2006/main" xmlns:r="http://schemas.openxmlformats.org/officeDocument/2006/relationships" xmlns:p="http://schemas.openxmlformats.org/presentationml/2006/main">
-  <p:cSld>
-    <p:spTree>
-      <p:nvGrpSpPr>
-        <p:cNvPr id="1" name=""/>
-        <p:cNvGrpSpPr/>
-        <p:nvPr/>
-      </p:nvGrpSpPr>
-      <p:grpSpPr>
-        <a:xfrm>
-          <a:off x="0" y="0"/>
-          <a:ext cx="0" cy="0"/>
-          <a:chOff x="0" y="0"/>
-          <a:chExt cx="0" cy="0"/>
-        </a:xfrm>
-      </p:grpSpPr>
-      <p:sp>
-        <p:nvSpPr>
-          <p:cNvPr id="2" name="Title 1">
-            <a:extLst>
-              <a:ext uri="{FF2B5EF4-FFF2-40B4-BE49-F238E27FC236}">
-                <a16:creationId xmlns:a16="http://schemas.microsoft.com/office/drawing/2014/main" id="{BBE60801-9EE4-42D6-8610-C5C625F04937}"/>
-              </a:ext>
-            </a:extLst>
-          </p:cNvPr>
-          <p:cNvSpPr>
-            <a:spLocks noGrp="1"/>
-          </p:cNvSpPr>
-          <p:nvPr>
-            <p:ph type="title"/>
-          </p:nvPr>
-        </p:nvSpPr>
-        <p:spPr/>
-        <p:txBody>
-          <a:bodyPr/>
-          <a:lstStyle/>
-          <a:p>
-            <a:r>
-              <a:rPr lang="en-US" dirty="0"/>
               <a:t>Performance and Deployment</a:t>
             </a:r>
           </a:p>
@@ -7552,7 +7387,7 @@
 </p:sld>
 </file>
 
-<file path=ppt/slides/slide34.xml><?xml version="1.0" encoding="utf-8"?>
+<file path=ppt/slides/slide33.xml><?xml version="1.0" encoding="utf-8"?>
 <p:sld xmlns:a="http://schemas.openxmlformats.org/drawingml/2006/main" xmlns:r="http://schemas.openxmlformats.org/officeDocument/2006/relationships" xmlns:p="http://schemas.openxmlformats.org/presentationml/2006/main">
   <p:cSld>
     <p:spTree>
@@ -7679,7 +7514,7 @@
 </p:sld>
 </file>
 
-<file path=ppt/slides/slide35.xml><?xml version="1.0" encoding="utf-8"?>
+<file path=ppt/slides/slide34.xml><?xml version="1.0" encoding="utf-8"?>
 <p:sld xmlns:a="http://schemas.openxmlformats.org/drawingml/2006/main" xmlns:r="http://schemas.openxmlformats.org/officeDocument/2006/relationships" xmlns:p="http://schemas.openxmlformats.org/presentationml/2006/main">
   <p:cSld>
     <p:spTree>
@@ -7762,7 +7597,7 @@
 </p:sld>
 </file>
 
-<file path=ppt/slides/slide36.xml><?xml version="1.0" encoding="utf-8"?>
+<file path=ppt/slides/slide35.xml><?xml version="1.0" encoding="utf-8"?>
 <p:sld xmlns:a="http://schemas.openxmlformats.org/drawingml/2006/main" xmlns:r="http://schemas.openxmlformats.org/officeDocument/2006/relationships" xmlns:p="http://schemas.openxmlformats.org/presentationml/2006/main">
   <p:cSld>
     <p:spTree>
@@ -8067,72 +7902,6 @@
       </p:grpSpPr>
       <p:sp>
         <p:nvSpPr>
-          <p:cNvPr id="4" name="TextBox 3">
-            <a:extLst>
-              <a:ext uri="{FF2B5EF4-FFF2-40B4-BE49-F238E27FC236}">
-                <a16:creationId xmlns:a16="http://schemas.microsoft.com/office/drawing/2014/main" id="{369828F9-6B54-4777-8630-4CAD2CDE15D4}"/>
-              </a:ext>
-            </a:extLst>
-          </p:cNvPr>
-          <p:cNvSpPr txBox="1"/>
-          <p:nvPr/>
-        </p:nvSpPr>
-        <p:spPr>
-          <a:xfrm>
-            <a:off x="1821180" y="1188720"/>
-            <a:ext cx="8549640" cy="2308324"/>
-          </a:xfrm>
-          <a:prstGeom prst="rect">
-            <a:avLst/>
-          </a:prstGeom>
-          <a:noFill/>
-        </p:spPr>
-        <p:txBody>
-          <a:bodyPr wrap="square" rtlCol="0">
-            <a:spAutoFit/>
-          </a:bodyPr>
-          <a:lstStyle/>
-          <a:p>
-            <a:pPr algn="ctr"/>
-            <a:r>
-              <a:rPr lang="en-US" sz="7200" dirty="0"/>
-              <a:t>If CSS was in plain English…</a:t>
-            </a:r>
-          </a:p>
-        </p:txBody>
-      </p:sp>
-    </p:spTree>
-    <p:extLst>
-      <p:ext uri="{BB962C8B-B14F-4D97-AF65-F5344CB8AC3E}">
-        <p14:creationId xmlns:p14="http://schemas.microsoft.com/office/powerpoint/2010/main" val="2450786676"/>
-      </p:ext>
-    </p:extLst>
-  </p:cSld>
-  <p:clrMapOvr>
-    <a:masterClrMapping/>
-  </p:clrMapOvr>
-</p:sld>
-</file>
-
-<file path=ppt/slides/slide6.xml><?xml version="1.0" encoding="utf-8"?>
-<p:sld xmlns:a="http://schemas.openxmlformats.org/drawingml/2006/main" xmlns:r="http://schemas.openxmlformats.org/officeDocument/2006/relationships" xmlns:p="http://schemas.openxmlformats.org/presentationml/2006/main">
-  <p:cSld>
-    <p:spTree>
-      <p:nvGrpSpPr>
-        <p:cNvPr id="1" name=""/>
-        <p:cNvGrpSpPr/>
-        <p:nvPr/>
-      </p:nvGrpSpPr>
-      <p:grpSpPr>
-        <a:xfrm>
-          <a:off x="0" y="0"/>
-          <a:ext cx="0" cy="0"/>
-          <a:chOff x="0" y="0"/>
-          <a:chExt cx="0" cy="0"/>
-        </a:xfrm>
-      </p:grpSpPr>
-      <p:sp>
-        <p:nvSpPr>
           <p:cNvPr id="2" name="Title 1">
             <a:extLst>
               <a:ext uri="{FF2B5EF4-FFF2-40B4-BE49-F238E27FC236}">
@@ -8215,7 +7984,7 @@
 </p:sld>
 </file>
 
-<file path=ppt/slides/slide7.xml><?xml version="1.0" encoding="utf-8"?>
+<file path=ppt/slides/slide6.xml><?xml version="1.0" encoding="utf-8"?>
 <p:sld xmlns:a="http://schemas.openxmlformats.org/drawingml/2006/main" xmlns:r="http://schemas.openxmlformats.org/officeDocument/2006/relationships" xmlns:p="http://schemas.openxmlformats.org/presentationml/2006/main">
   <p:cSld>
     <p:spTree>
@@ -8372,10 +8141,186 @@
   <p:clrMapOvr>
     <a:masterClrMapping/>
   </p:clrMapOvr>
+  <p:timing>
+    <p:tnLst>
+      <p:par>
+        <p:cTn id="1" dur="indefinite" restart="never" nodeType="tmRoot">
+          <p:childTnLst>
+            <p:seq concurrent="1" nextAc="seek">
+              <p:cTn id="2" dur="indefinite" nodeType="mainSeq">
+                <p:childTnLst>
+                  <p:par>
+                    <p:cTn id="3" fill="hold">
+                      <p:stCondLst>
+                        <p:cond delay="indefinite"/>
+                      </p:stCondLst>
+                      <p:childTnLst>
+                        <p:par>
+                          <p:cTn id="4" fill="hold">
+                            <p:stCondLst>
+                              <p:cond delay="0"/>
+                            </p:stCondLst>
+                            <p:childTnLst>
+                              <p:par>
+                                <p:cTn id="5" presetID="1" presetClass="entr" presetSubtype="0" fill="hold" grpId="0" nodeType="clickEffect">
+                                  <p:stCondLst>
+                                    <p:cond delay="0"/>
+                                  </p:stCondLst>
+                                  <p:childTnLst>
+                                    <p:set>
+                                      <p:cBhvr>
+                                        <p:cTn id="6" dur="1" fill="hold">
+                                          <p:stCondLst>
+                                            <p:cond delay="0"/>
+                                          </p:stCondLst>
+                                        </p:cTn>
+                                        <p:tgtEl>
+                                          <p:spTgt spid="6">
+                                            <p:txEl>
+                                              <p:pRg st="0" end="0"/>
+                                            </p:txEl>
+                                          </p:spTgt>
+                                        </p:tgtEl>
+                                        <p:attrNameLst>
+                                          <p:attrName>style.visibility</p:attrName>
+                                        </p:attrNameLst>
+                                      </p:cBhvr>
+                                      <p:to>
+                                        <p:strVal val="visible"/>
+                                      </p:to>
+                                    </p:set>
+                                  </p:childTnLst>
+                                </p:cTn>
+                              </p:par>
+                            </p:childTnLst>
+                          </p:cTn>
+                        </p:par>
+                      </p:childTnLst>
+                    </p:cTn>
+                  </p:par>
+                  <p:par>
+                    <p:cTn id="7" fill="hold">
+                      <p:stCondLst>
+                        <p:cond delay="indefinite"/>
+                      </p:stCondLst>
+                      <p:childTnLst>
+                        <p:par>
+                          <p:cTn id="8" fill="hold">
+                            <p:stCondLst>
+                              <p:cond delay="0"/>
+                            </p:stCondLst>
+                            <p:childTnLst>
+                              <p:par>
+                                <p:cTn id="9" presetID="1" presetClass="entr" presetSubtype="0" fill="hold" grpId="0" nodeType="clickEffect">
+                                  <p:stCondLst>
+                                    <p:cond delay="0"/>
+                                  </p:stCondLst>
+                                  <p:childTnLst>
+                                    <p:set>
+                                      <p:cBhvr>
+                                        <p:cTn id="10" dur="1" fill="hold">
+                                          <p:stCondLst>
+                                            <p:cond delay="0"/>
+                                          </p:stCondLst>
+                                        </p:cTn>
+                                        <p:tgtEl>
+                                          <p:spTgt spid="6">
+                                            <p:txEl>
+                                              <p:pRg st="1" end="1"/>
+                                            </p:txEl>
+                                          </p:spTgt>
+                                        </p:tgtEl>
+                                        <p:attrNameLst>
+                                          <p:attrName>style.visibility</p:attrName>
+                                        </p:attrNameLst>
+                                      </p:cBhvr>
+                                      <p:to>
+                                        <p:strVal val="visible"/>
+                                      </p:to>
+                                    </p:set>
+                                  </p:childTnLst>
+                                </p:cTn>
+                              </p:par>
+                            </p:childTnLst>
+                          </p:cTn>
+                        </p:par>
+                      </p:childTnLst>
+                    </p:cTn>
+                  </p:par>
+                  <p:par>
+                    <p:cTn id="11" fill="hold">
+                      <p:stCondLst>
+                        <p:cond delay="indefinite"/>
+                      </p:stCondLst>
+                      <p:childTnLst>
+                        <p:par>
+                          <p:cTn id="12" fill="hold">
+                            <p:stCondLst>
+                              <p:cond delay="0"/>
+                            </p:stCondLst>
+                            <p:childTnLst>
+                              <p:par>
+                                <p:cTn id="13" presetID="1" presetClass="entr" presetSubtype="0" fill="hold" nodeType="clickEffect">
+                                  <p:stCondLst>
+                                    <p:cond delay="0"/>
+                                  </p:stCondLst>
+                                  <p:childTnLst>
+                                    <p:set>
+                                      <p:cBhvr>
+                                        <p:cTn id="14" dur="1" fill="hold">
+                                          <p:stCondLst>
+                                            <p:cond delay="0"/>
+                                          </p:stCondLst>
+                                        </p:cTn>
+                                        <p:tgtEl>
+                                          <p:spTgt spid="9"/>
+                                        </p:tgtEl>
+                                        <p:attrNameLst>
+                                          <p:attrName>style.visibility</p:attrName>
+                                        </p:attrNameLst>
+                                      </p:cBhvr>
+                                      <p:to>
+                                        <p:strVal val="visible"/>
+                                      </p:to>
+                                    </p:set>
+                                  </p:childTnLst>
+                                </p:cTn>
+                              </p:par>
+                            </p:childTnLst>
+                          </p:cTn>
+                        </p:par>
+                      </p:childTnLst>
+                    </p:cTn>
+                  </p:par>
+                </p:childTnLst>
+              </p:cTn>
+              <p:prevCondLst>
+                <p:cond evt="onPrev" delay="0">
+                  <p:tgtEl>
+                    <p:sldTgt/>
+                  </p:tgtEl>
+                </p:cond>
+              </p:prevCondLst>
+              <p:nextCondLst>
+                <p:cond evt="onNext" delay="0">
+                  <p:tgtEl>
+                    <p:sldTgt/>
+                  </p:tgtEl>
+                </p:cond>
+              </p:nextCondLst>
+            </p:seq>
+          </p:childTnLst>
+        </p:cTn>
+      </p:par>
+    </p:tnLst>
+    <p:bldLst>
+      <p:bldP spid="6" grpId="0" build="p"/>
+    </p:bldLst>
+  </p:timing>
 </p:sld>
 </file>
 
-<file path=ppt/slides/slide8.xml><?xml version="1.0" encoding="utf-8"?>
+<file path=ppt/slides/slide7.xml><?xml version="1.0" encoding="utf-8"?>
 <p:sld xmlns:a="http://schemas.openxmlformats.org/drawingml/2006/main" xmlns:r="http://schemas.openxmlformats.org/officeDocument/2006/relationships" xmlns:p="http://schemas.openxmlformats.org/presentationml/2006/main">
   <p:cSld>
     <p:spTree>
@@ -8502,10 +8447,141 @@
   <p:clrMapOvr>
     <a:masterClrMapping/>
   </p:clrMapOvr>
+  <p:timing>
+    <p:tnLst>
+      <p:par>
+        <p:cTn id="1" dur="indefinite" restart="never" nodeType="tmRoot">
+          <p:childTnLst>
+            <p:seq concurrent="1" nextAc="seek">
+              <p:cTn id="2" dur="indefinite" nodeType="mainSeq">
+                <p:childTnLst>
+                  <p:par>
+                    <p:cTn id="3" fill="hold">
+                      <p:stCondLst>
+                        <p:cond delay="indefinite"/>
+                      </p:stCondLst>
+                      <p:childTnLst>
+                        <p:par>
+                          <p:cTn id="4" fill="hold">
+                            <p:stCondLst>
+                              <p:cond delay="0"/>
+                            </p:stCondLst>
+                            <p:childTnLst>
+                              <p:par>
+                                <p:cTn id="5" presetID="1" presetClass="entr" presetSubtype="0" fill="hold" grpId="0" nodeType="clickEffect">
+                                  <p:stCondLst>
+                                    <p:cond delay="0"/>
+                                  </p:stCondLst>
+                                  <p:childTnLst>
+                                    <p:set>
+                                      <p:cBhvr>
+                                        <p:cTn id="6" dur="1" fill="hold">
+                                          <p:stCondLst>
+                                            <p:cond delay="0"/>
+                                          </p:stCondLst>
+                                        </p:cTn>
+                                        <p:tgtEl>
+                                          <p:spTgt spid="6">
+                                            <p:txEl>
+                                              <p:pRg st="0" end="0"/>
+                                            </p:txEl>
+                                          </p:spTgt>
+                                        </p:tgtEl>
+                                        <p:attrNameLst>
+                                          <p:attrName>style.visibility</p:attrName>
+                                        </p:attrNameLst>
+                                      </p:cBhvr>
+                                      <p:to>
+                                        <p:strVal val="visible"/>
+                                      </p:to>
+                                    </p:set>
+                                  </p:childTnLst>
+                                </p:cTn>
+                              </p:par>
+                            </p:childTnLst>
+                          </p:cTn>
+                        </p:par>
+                      </p:childTnLst>
+                    </p:cTn>
+                  </p:par>
+                  <p:par>
+                    <p:cTn id="7" fill="hold">
+                      <p:stCondLst>
+                        <p:cond delay="indefinite"/>
+                      </p:stCondLst>
+                      <p:childTnLst>
+                        <p:par>
+                          <p:cTn id="8" fill="hold">
+                            <p:stCondLst>
+                              <p:cond delay="0"/>
+                            </p:stCondLst>
+                            <p:childTnLst>
+                              <p:par>
+                                <p:cTn id="9" presetID="1" presetClass="entr" presetSubtype="0" fill="hold" grpId="0" nodeType="clickEffect">
+                                  <p:stCondLst>
+                                    <p:cond delay="0"/>
+                                  </p:stCondLst>
+                                  <p:childTnLst>
+                                    <p:set>
+                                      <p:cBhvr>
+                                        <p:cTn id="10" dur="1" fill="hold">
+                                          <p:stCondLst>
+                                            <p:cond delay="0"/>
+                                          </p:stCondLst>
+                                        </p:cTn>
+                                        <p:tgtEl>
+                                          <p:spTgt spid="6">
+                                            <p:txEl>
+                                              <p:pRg st="1" end="1"/>
+                                            </p:txEl>
+                                          </p:spTgt>
+                                        </p:tgtEl>
+                                        <p:attrNameLst>
+                                          <p:attrName>style.visibility</p:attrName>
+                                        </p:attrNameLst>
+                                      </p:cBhvr>
+                                      <p:to>
+                                        <p:strVal val="visible"/>
+                                      </p:to>
+                                    </p:set>
+                                  </p:childTnLst>
+                                </p:cTn>
+                              </p:par>
+                            </p:childTnLst>
+                          </p:cTn>
+                        </p:par>
+                      </p:childTnLst>
+                    </p:cTn>
+                  </p:par>
+                </p:childTnLst>
+              </p:cTn>
+              <p:prevCondLst>
+                <p:cond evt="onPrev" delay="0">
+                  <p:tgtEl>
+                    <p:sldTgt/>
+                  </p:tgtEl>
+                </p:cond>
+              </p:prevCondLst>
+              <p:nextCondLst>
+                <p:cond evt="onNext" delay="0">
+                  <p:tgtEl>
+                    <p:sldTgt/>
+                  </p:tgtEl>
+                </p:cond>
+              </p:nextCondLst>
+            </p:seq>
+          </p:childTnLst>
+        </p:cTn>
+      </p:par>
+    </p:tnLst>
+    <p:bldLst>
+      <p:bldP spid="6" grpId="0" build="p"/>
+    </p:bldLst>
+  </p:timing>
 </p:sld>
 </file>
 
-<file path=ppt/slides/slide9.xml><?xml version="1.0" encoding="utf-8"?>
+<file path=ppt/slides/slide8.xml><?xml version="1.0" encoding="utf-8"?>
 <p:sld xmlns:a="http://schemas.openxmlformats.org/drawingml/2006/main" xmlns:r="http://schemas.openxmlformats.org/officeDocument/2006/relationships" xmlns:p="http://schemas.openxmlformats.org/presentationml/2006/main">
   <p:cSld>
     <p:spTree>
@@ -8626,6 +8702,722 @@
   <p:clrMapOvr>
     <a:masterClrMapping/>
   </p:clrMapOvr>
+  <p:timing>
+    <p:tnLst>
+      <p:par>
+        <p:cTn id="1" dur="indefinite" restart="never" nodeType="tmRoot">
+          <p:childTnLst>
+            <p:seq concurrent="1" nextAc="seek">
+              <p:cTn id="2" dur="indefinite" nodeType="mainSeq">
+                <p:childTnLst>
+                  <p:par>
+                    <p:cTn id="3" fill="hold">
+                      <p:stCondLst>
+                        <p:cond delay="indefinite"/>
+                      </p:stCondLst>
+                      <p:childTnLst>
+                        <p:par>
+                          <p:cTn id="4" fill="hold">
+                            <p:stCondLst>
+                              <p:cond delay="0"/>
+                            </p:stCondLst>
+                            <p:childTnLst>
+                              <p:par>
+                                <p:cTn id="5" presetID="1" presetClass="entr" presetSubtype="0" fill="hold" grpId="0" nodeType="clickEffect">
+                                  <p:stCondLst>
+                                    <p:cond delay="0"/>
+                                  </p:stCondLst>
+                                  <p:childTnLst>
+                                    <p:set>
+                                      <p:cBhvr>
+                                        <p:cTn id="6" dur="1" fill="hold">
+                                          <p:stCondLst>
+                                            <p:cond delay="0"/>
+                                          </p:stCondLst>
+                                        </p:cTn>
+                                        <p:tgtEl>
+                                          <p:spTgt spid="6">
+                                            <p:txEl>
+                                              <p:pRg st="0" end="0"/>
+                                            </p:txEl>
+                                          </p:spTgt>
+                                        </p:tgtEl>
+                                        <p:attrNameLst>
+                                          <p:attrName>style.visibility</p:attrName>
+                                        </p:attrNameLst>
+                                      </p:cBhvr>
+                                      <p:to>
+                                        <p:strVal val="visible"/>
+                                      </p:to>
+                                    </p:set>
+                                  </p:childTnLst>
+                                </p:cTn>
+                              </p:par>
+                            </p:childTnLst>
+                          </p:cTn>
+                        </p:par>
+                      </p:childTnLst>
+                    </p:cTn>
+                  </p:par>
+                </p:childTnLst>
+              </p:cTn>
+              <p:prevCondLst>
+                <p:cond evt="onPrev" delay="0">
+                  <p:tgtEl>
+                    <p:sldTgt/>
+                  </p:tgtEl>
+                </p:cond>
+              </p:prevCondLst>
+              <p:nextCondLst>
+                <p:cond evt="onNext" delay="0">
+                  <p:tgtEl>
+                    <p:sldTgt/>
+                  </p:tgtEl>
+                </p:cond>
+              </p:nextCondLst>
+            </p:seq>
+          </p:childTnLst>
+        </p:cTn>
+      </p:par>
+    </p:tnLst>
+    <p:bldLst>
+      <p:bldP spid="6" grpId="0" build="p"/>
+    </p:bldLst>
+  </p:timing>
+</p:sld>
+</file>
+
+<file path=ppt/slides/slide9.xml><?xml version="1.0" encoding="utf-8"?>
+<p:sld xmlns:a="http://schemas.openxmlformats.org/drawingml/2006/main" xmlns:r="http://schemas.openxmlformats.org/officeDocument/2006/relationships" xmlns:p="http://schemas.openxmlformats.org/presentationml/2006/main">
+  <p:cSld>
+    <p:spTree>
+      <p:nvGrpSpPr>
+        <p:cNvPr id="1" name=""/>
+        <p:cNvGrpSpPr/>
+        <p:nvPr/>
+      </p:nvGrpSpPr>
+      <p:grpSpPr>
+        <a:xfrm>
+          <a:off x="0" y="0"/>
+          <a:ext cx="0" cy="0"/>
+          <a:chOff x="0" y="0"/>
+          <a:chExt cx="0" cy="0"/>
+        </a:xfrm>
+      </p:grpSpPr>
+      <p:sp>
+        <p:nvSpPr>
+          <p:cNvPr id="2" name="Title 1">
+            <a:extLst>
+              <a:ext uri="{FF2B5EF4-FFF2-40B4-BE49-F238E27FC236}">
+                <a16:creationId xmlns:a16="http://schemas.microsoft.com/office/drawing/2014/main" id="{506E8F51-7C67-435E-ADE1-4212709B652C}"/>
+              </a:ext>
+            </a:extLst>
+          </p:cNvPr>
+          <p:cNvSpPr>
+            <a:spLocks noGrp="1"/>
+          </p:cNvSpPr>
+          <p:nvPr>
+            <p:ph type="title"/>
+          </p:nvPr>
+        </p:nvSpPr>
+        <p:spPr/>
+        <p:txBody>
+          <a:bodyPr/>
+          <a:lstStyle/>
+          <a:p>
+            <a:r>
+              <a:rPr lang="en-US" dirty="0"/>
+              <a:t>We have a lot to cover!</a:t>
+            </a:r>
+          </a:p>
+        </p:txBody>
+      </p:sp>
+      <p:sp>
+        <p:nvSpPr>
+          <p:cNvPr id="3" name="Content Placeholder 2">
+            <a:extLst>
+              <a:ext uri="{FF2B5EF4-FFF2-40B4-BE49-F238E27FC236}">
+                <a16:creationId xmlns:a16="http://schemas.microsoft.com/office/drawing/2014/main" id="{9A4B5544-8796-4003-A225-F8D4DDC5DB10}"/>
+              </a:ext>
+            </a:extLst>
+          </p:cNvPr>
+          <p:cNvSpPr>
+            <a:spLocks noGrp="1"/>
+          </p:cNvSpPr>
+          <p:nvPr>
+            <p:ph sz="half" idx="1"/>
+          </p:nvPr>
+        </p:nvSpPr>
+        <p:spPr/>
+        <p:txBody>
+          <a:bodyPr/>
+          <a:lstStyle/>
+          <a:p>
+            <a:r>
+              <a:rPr lang="en-US" dirty="0"/>
+              <a:t>Layout</a:t>
+            </a:r>
+          </a:p>
+          <a:p>
+            <a:r>
+              <a:rPr lang="en-US" dirty="0"/>
+              <a:t>Sizing</a:t>
+            </a:r>
+          </a:p>
+          <a:p>
+            <a:r>
+              <a:rPr lang="en-US" dirty="0"/>
+              <a:t>Colors</a:t>
+            </a:r>
+          </a:p>
+          <a:p>
+            <a:r>
+              <a:rPr lang="en-US" dirty="0"/>
+              <a:t>Typography</a:t>
+            </a:r>
+          </a:p>
+          <a:p>
+            <a:endParaRPr lang="en-US" dirty="0"/>
+          </a:p>
+        </p:txBody>
+      </p:sp>
+      <p:sp>
+        <p:nvSpPr>
+          <p:cNvPr id="4" name="Content Placeholder 3">
+            <a:extLst>
+              <a:ext uri="{FF2B5EF4-FFF2-40B4-BE49-F238E27FC236}">
+                <a16:creationId xmlns:a16="http://schemas.microsoft.com/office/drawing/2014/main" id="{2CF53451-9FAF-4784-A959-EB921768FB52}"/>
+              </a:ext>
+            </a:extLst>
+          </p:cNvPr>
+          <p:cNvSpPr>
+            <a:spLocks noGrp="1"/>
+          </p:cNvSpPr>
+          <p:nvPr>
+            <p:ph sz="half" idx="2"/>
+          </p:nvPr>
+        </p:nvSpPr>
+        <p:spPr/>
+        <p:txBody>
+          <a:bodyPr/>
+          <a:lstStyle/>
+          <a:p>
+            <a:r>
+              <a:rPr lang="en-US" dirty="0"/>
+              <a:t>Variants</a:t>
+            </a:r>
+          </a:p>
+          <a:p>
+            <a:r>
+              <a:rPr lang="en-US" dirty="0"/>
+              <a:t>Responsive Design</a:t>
+            </a:r>
+          </a:p>
+          <a:p>
+            <a:r>
+              <a:rPr lang="en-US" dirty="0"/>
+              <a:t>Performance / Deployment</a:t>
+            </a:r>
+          </a:p>
+          <a:p>
+            <a:r>
+              <a:rPr lang="en-US" dirty="0"/>
+              <a:t>Frameworks Support</a:t>
+            </a:r>
+          </a:p>
+          <a:p>
+            <a:r>
+              <a:rPr lang="en-US" dirty="0"/>
+              <a:t>Extras?</a:t>
+            </a:r>
+          </a:p>
+        </p:txBody>
+      </p:sp>
+    </p:spTree>
+    <p:extLst>
+      <p:ext uri="{BB962C8B-B14F-4D97-AF65-F5344CB8AC3E}">
+        <p14:creationId xmlns:p14="http://schemas.microsoft.com/office/powerpoint/2010/main" val="3221418229"/>
+      </p:ext>
+    </p:extLst>
+  </p:cSld>
+  <p:clrMapOvr>
+    <a:masterClrMapping/>
+  </p:clrMapOvr>
+  <p:timing>
+    <p:tnLst>
+      <p:par>
+        <p:cTn id="1" dur="indefinite" restart="never" nodeType="tmRoot">
+          <p:childTnLst>
+            <p:seq concurrent="1" nextAc="seek">
+              <p:cTn id="2" dur="indefinite" nodeType="mainSeq">
+                <p:childTnLst>
+                  <p:par>
+                    <p:cTn id="3" fill="hold">
+                      <p:stCondLst>
+                        <p:cond delay="indefinite"/>
+                      </p:stCondLst>
+                      <p:childTnLst>
+                        <p:par>
+                          <p:cTn id="4" fill="hold">
+                            <p:stCondLst>
+                              <p:cond delay="0"/>
+                            </p:stCondLst>
+                            <p:childTnLst>
+                              <p:par>
+                                <p:cTn id="5" presetID="1" presetClass="entr" presetSubtype="0" fill="hold" grpId="0" nodeType="clickEffect">
+                                  <p:stCondLst>
+                                    <p:cond delay="0"/>
+                                  </p:stCondLst>
+                                  <p:childTnLst>
+                                    <p:set>
+                                      <p:cBhvr>
+                                        <p:cTn id="6" dur="1" fill="hold">
+                                          <p:stCondLst>
+                                            <p:cond delay="0"/>
+                                          </p:stCondLst>
+                                        </p:cTn>
+                                        <p:tgtEl>
+                                          <p:spTgt spid="3">
+                                            <p:txEl>
+                                              <p:pRg st="0" end="0"/>
+                                            </p:txEl>
+                                          </p:spTgt>
+                                        </p:tgtEl>
+                                        <p:attrNameLst>
+                                          <p:attrName>style.visibility</p:attrName>
+                                        </p:attrNameLst>
+                                      </p:cBhvr>
+                                      <p:to>
+                                        <p:strVal val="visible"/>
+                                      </p:to>
+                                    </p:set>
+                                  </p:childTnLst>
+                                </p:cTn>
+                              </p:par>
+                            </p:childTnLst>
+                          </p:cTn>
+                        </p:par>
+                      </p:childTnLst>
+                    </p:cTn>
+                  </p:par>
+                  <p:par>
+                    <p:cTn id="7" fill="hold">
+                      <p:stCondLst>
+                        <p:cond delay="indefinite"/>
+                      </p:stCondLst>
+                      <p:childTnLst>
+                        <p:par>
+                          <p:cTn id="8" fill="hold">
+                            <p:stCondLst>
+                              <p:cond delay="0"/>
+                            </p:stCondLst>
+                            <p:childTnLst>
+                              <p:par>
+                                <p:cTn id="9" presetID="1" presetClass="entr" presetSubtype="0" fill="hold" grpId="0" nodeType="clickEffect">
+                                  <p:stCondLst>
+                                    <p:cond delay="0"/>
+                                  </p:stCondLst>
+                                  <p:childTnLst>
+                                    <p:set>
+                                      <p:cBhvr>
+                                        <p:cTn id="10" dur="1" fill="hold">
+                                          <p:stCondLst>
+                                            <p:cond delay="0"/>
+                                          </p:stCondLst>
+                                        </p:cTn>
+                                        <p:tgtEl>
+                                          <p:spTgt spid="3">
+                                            <p:txEl>
+                                              <p:pRg st="1" end="1"/>
+                                            </p:txEl>
+                                          </p:spTgt>
+                                        </p:tgtEl>
+                                        <p:attrNameLst>
+                                          <p:attrName>style.visibility</p:attrName>
+                                        </p:attrNameLst>
+                                      </p:cBhvr>
+                                      <p:to>
+                                        <p:strVal val="visible"/>
+                                      </p:to>
+                                    </p:set>
+                                  </p:childTnLst>
+                                </p:cTn>
+                              </p:par>
+                            </p:childTnLst>
+                          </p:cTn>
+                        </p:par>
+                      </p:childTnLst>
+                    </p:cTn>
+                  </p:par>
+                  <p:par>
+                    <p:cTn id="11" fill="hold">
+                      <p:stCondLst>
+                        <p:cond delay="indefinite"/>
+                      </p:stCondLst>
+                      <p:childTnLst>
+                        <p:par>
+                          <p:cTn id="12" fill="hold">
+                            <p:stCondLst>
+                              <p:cond delay="0"/>
+                            </p:stCondLst>
+                            <p:childTnLst>
+                              <p:par>
+                                <p:cTn id="13" presetID="1" presetClass="entr" presetSubtype="0" fill="hold" grpId="0" nodeType="clickEffect">
+                                  <p:stCondLst>
+                                    <p:cond delay="0"/>
+                                  </p:stCondLst>
+                                  <p:childTnLst>
+                                    <p:set>
+                                      <p:cBhvr>
+                                        <p:cTn id="14" dur="1" fill="hold">
+                                          <p:stCondLst>
+                                            <p:cond delay="0"/>
+                                          </p:stCondLst>
+                                        </p:cTn>
+                                        <p:tgtEl>
+                                          <p:spTgt spid="3">
+                                            <p:txEl>
+                                              <p:pRg st="2" end="2"/>
+                                            </p:txEl>
+                                          </p:spTgt>
+                                        </p:tgtEl>
+                                        <p:attrNameLst>
+                                          <p:attrName>style.visibility</p:attrName>
+                                        </p:attrNameLst>
+                                      </p:cBhvr>
+                                      <p:to>
+                                        <p:strVal val="visible"/>
+                                      </p:to>
+                                    </p:set>
+                                  </p:childTnLst>
+                                </p:cTn>
+                              </p:par>
+                            </p:childTnLst>
+                          </p:cTn>
+                        </p:par>
+                      </p:childTnLst>
+                    </p:cTn>
+                  </p:par>
+                  <p:par>
+                    <p:cTn id="15" fill="hold">
+                      <p:stCondLst>
+                        <p:cond delay="indefinite"/>
+                      </p:stCondLst>
+                      <p:childTnLst>
+                        <p:par>
+                          <p:cTn id="16" fill="hold">
+                            <p:stCondLst>
+                              <p:cond delay="0"/>
+                            </p:stCondLst>
+                            <p:childTnLst>
+                              <p:par>
+                                <p:cTn id="17" presetID="1" presetClass="entr" presetSubtype="0" fill="hold" grpId="0" nodeType="clickEffect">
+                                  <p:stCondLst>
+                                    <p:cond delay="0"/>
+                                  </p:stCondLst>
+                                  <p:childTnLst>
+                                    <p:set>
+                                      <p:cBhvr>
+                                        <p:cTn id="18" dur="1" fill="hold">
+                                          <p:stCondLst>
+                                            <p:cond delay="0"/>
+                                          </p:stCondLst>
+                                        </p:cTn>
+                                        <p:tgtEl>
+                                          <p:spTgt spid="3">
+                                            <p:txEl>
+                                              <p:pRg st="3" end="3"/>
+                                            </p:txEl>
+                                          </p:spTgt>
+                                        </p:tgtEl>
+                                        <p:attrNameLst>
+                                          <p:attrName>style.visibility</p:attrName>
+                                        </p:attrNameLst>
+                                      </p:cBhvr>
+                                      <p:to>
+                                        <p:strVal val="visible"/>
+                                      </p:to>
+                                    </p:set>
+                                  </p:childTnLst>
+                                </p:cTn>
+                              </p:par>
+                            </p:childTnLst>
+                          </p:cTn>
+                        </p:par>
+                      </p:childTnLst>
+                    </p:cTn>
+                  </p:par>
+                  <p:par>
+                    <p:cTn id="19" fill="hold">
+                      <p:stCondLst>
+                        <p:cond delay="indefinite"/>
+                      </p:stCondLst>
+                      <p:childTnLst>
+                        <p:par>
+                          <p:cTn id="20" fill="hold">
+                            <p:stCondLst>
+                              <p:cond delay="0"/>
+                            </p:stCondLst>
+                            <p:childTnLst>
+                              <p:par>
+                                <p:cTn id="21" presetID="1" presetClass="entr" presetSubtype="0" fill="hold" grpId="0" nodeType="clickEffect">
+                                  <p:stCondLst>
+                                    <p:cond delay="0"/>
+                                  </p:stCondLst>
+                                  <p:childTnLst>
+                                    <p:set>
+                                      <p:cBhvr>
+                                        <p:cTn id="22" dur="1" fill="hold">
+                                          <p:stCondLst>
+                                            <p:cond delay="0"/>
+                                          </p:stCondLst>
+                                        </p:cTn>
+                                        <p:tgtEl>
+                                          <p:spTgt spid="4">
+                                            <p:txEl>
+                                              <p:pRg st="0" end="0"/>
+                                            </p:txEl>
+                                          </p:spTgt>
+                                        </p:tgtEl>
+                                        <p:attrNameLst>
+                                          <p:attrName>style.visibility</p:attrName>
+                                        </p:attrNameLst>
+                                      </p:cBhvr>
+                                      <p:to>
+                                        <p:strVal val="visible"/>
+                                      </p:to>
+                                    </p:set>
+                                  </p:childTnLst>
+                                </p:cTn>
+                              </p:par>
+                            </p:childTnLst>
+                          </p:cTn>
+                        </p:par>
+                      </p:childTnLst>
+                    </p:cTn>
+                  </p:par>
+                  <p:par>
+                    <p:cTn id="23" fill="hold">
+                      <p:stCondLst>
+                        <p:cond delay="indefinite"/>
+                      </p:stCondLst>
+                      <p:childTnLst>
+                        <p:par>
+                          <p:cTn id="24" fill="hold">
+                            <p:stCondLst>
+                              <p:cond delay="0"/>
+                            </p:stCondLst>
+                            <p:childTnLst>
+                              <p:par>
+                                <p:cTn id="25" presetID="1" presetClass="entr" presetSubtype="0" fill="hold" grpId="0" nodeType="clickEffect">
+                                  <p:stCondLst>
+                                    <p:cond delay="0"/>
+                                  </p:stCondLst>
+                                  <p:childTnLst>
+                                    <p:set>
+                                      <p:cBhvr>
+                                        <p:cTn id="26" dur="1" fill="hold">
+                                          <p:stCondLst>
+                                            <p:cond delay="0"/>
+                                          </p:stCondLst>
+                                        </p:cTn>
+                                        <p:tgtEl>
+                                          <p:spTgt spid="4">
+                                            <p:txEl>
+                                              <p:pRg st="1" end="1"/>
+                                            </p:txEl>
+                                          </p:spTgt>
+                                        </p:tgtEl>
+                                        <p:attrNameLst>
+                                          <p:attrName>style.visibility</p:attrName>
+                                        </p:attrNameLst>
+                                      </p:cBhvr>
+                                      <p:to>
+                                        <p:strVal val="visible"/>
+                                      </p:to>
+                                    </p:set>
+                                  </p:childTnLst>
+                                </p:cTn>
+                              </p:par>
+                            </p:childTnLst>
+                          </p:cTn>
+                        </p:par>
+                      </p:childTnLst>
+                    </p:cTn>
+                  </p:par>
+                  <p:par>
+                    <p:cTn id="27" fill="hold">
+                      <p:stCondLst>
+                        <p:cond delay="indefinite"/>
+                      </p:stCondLst>
+                      <p:childTnLst>
+                        <p:par>
+                          <p:cTn id="28" fill="hold">
+                            <p:stCondLst>
+                              <p:cond delay="0"/>
+                            </p:stCondLst>
+                            <p:childTnLst>
+                              <p:par>
+                                <p:cTn id="29" presetID="1" presetClass="entr" presetSubtype="0" fill="hold" grpId="0" nodeType="clickEffect">
+                                  <p:stCondLst>
+                                    <p:cond delay="0"/>
+                                  </p:stCondLst>
+                                  <p:childTnLst>
+                                    <p:set>
+                                      <p:cBhvr>
+                                        <p:cTn id="30" dur="1" fill="hold">
+                                          <p:stCondLst>
+                                            <p:cond delay="0"/>
+                                          </p:stCondLst>
+                                        </p:cTn>
+                                        <p:tgtEl>
+                                          <p:spTgt spid="4">
+                                            <p:txEl>
+                                              <p:pRg st="2" end="2"/>
+                                            </p:txEl>
+                                          </p:spTgt>
+                                        </p:tgtEl>
+                                        <p:attrNameLst>
+                                          <p:attrName>style.visibility</p:attrName>
+                                        </p:attrNameLst>
+                                      </p:cBhvr>
+                                      <p:to>
+                                        <p:strVal val="visible"/>
+                                      </p:to>
+                                    </p:set>
+                                  </p:childTnLst>
+                                </p:cTn>
+                              </p:par>
+                            </p:childTnLst>
+                          </p:cTn>
+                        </p:par>
+                      </p:childTnLst>
+                    </p:cTn>
+                  </p:par>
+                  <p:par>
+                    <p:cTn id="31" fill="hold">
+                      <p:stCondLst>
+                        <p:cond delay="indefinite"/>
+                      </p:stCondLst>
+                      <p:childTnLst>
+                        <p:par>
+                          <p:cTn id="32" fill="hold">
+                            <p:stCondLst>
+                              <p:cond delay="0"/>
+                            </p:stCondLst>
+                            <p:childTnLst>
+                              <p:par>
+                                <p:cTn id="33" presetID="1" presetClass="entr" presetSubtype="0" fill="hold" grpId="0" nodeType="clickEffect">
+                                  <p:stCondLst>
+                                    <p:cond delay="0"/>
+                                  </p:stCondLst>
+                                  <p:childTnLst>
+                                    <p:set>
+                                      <p:cBhvr>
+                                        <p:cTn id="34" dur="1" fill="hold">
+                                          <p:stCondLst>
+                                            <p:cond delay="0"/>
+                                          </p:stCondLst>
+                                        </p:cTn>
+                                        <p:tgtEl>
+                                          <p:spTgt spid="4">
+                                            <p:txEl>
+                                              <p:pRg st="3" end="3"/>
+                                            </p:txEl>
+                                          </p:spTgt>
+                                        </p:tgtEl>
+                                        <p:attrNameLst>
+                                          <p:attrName>style.visibility</p:attrName>
+                                        </p:attrNameLst>
+                                      </p:cBhvr>
+                                      <p:to>
+                                        <p:strVal val="visible"/>
+                                      </p:to>
+                                    </p:set>
+                                  </p:childTnLst>
+                                </p:cTn>
+                              </p:par>
+                            </p:childTnLst>
+                          </p:cTn>
+                        </p:par>
+                      </p:childTnLst>
+                    </p:cTn>
+                  </p:par>
+                  <p:par>
+                    <p:cTn id="35" fill="hold">
+                      <p:stCondLst>
+                        <p:cond delay="indefinite"/>
+                      </p:stCondLst>
+                      <p:childTnLst>
+                        <p:par>
+                          <p:cTn id="36" fill="hold">
+                            <p:stCondLst>
+                              <p:cond delay="0"/>
+                            </p:stCondLst>
+                            <p:childTnLst>
+                              <p:par>
+                                <p:cTn id="37" presetID="1" presetClass="entr" presetSubtype="0" fill="hold" grpId="0" nodeType="clickEffect">
+                                  <p:stCondLst>
+                                    <p:cond delay="0"/>
+                                  </p:stCondLst>
+                                  <p:childTnLst>
+                                    <p:set>
+                                      <p:cBhvr>
+                                        <p:cTn id="38" dur="1" fill="hold">
+                                          <p:stCondLst>
+                                            <p:cond delay="0"/>
+                                          </p:stCondLst>
+                                        </p:cTn>
+                                        <p:tgtEl>
+                                          <p:spTgt spid="4">
+                                            <p:txEl>
+                                              <p:pRg st="4" end="4"/>
+                                            </p:txEl>
+                                          </p:spTgt>
+                                        </p:tgtEl>
+                                        <p:attrNameLst>
+                                          <p:attrName>style.visibility</p:attrName>
+                                        </p:attrNameLst>
+                                      </p:cBhvr>
+                                      <p:to>
+                                        <p:strVal val="visible"/>
+                                      </p:to>
+                                    </p:set>
+                                  </p:childTnLst>
+                                </p:cTn>
+                              </p:par>
+                            </p:childTnLst>
+                          </p:cTn>
+                        </p:par>
+                      </p:childTnLst>
+                    </p:cTn>
+                  </p:par>
+                </p:childTnLst>
+              </p:cTn>
+              <p:prevCondLst>
+                <p:cond evt="onPrev" delay="0">
+                  <p:tgtEl>
+                    <p:sldTgt/>
+                  </p:tgtEl>
+                </p:cond>
+              </p:prevCondLst>
+              <p:nextCondLst>
+                <p:cond evt="onNext" delay="0">
+                  <p:tgtEl>
+                    <p:sldTgt/>
+                  </p:tgtEl>
+                </p:cond>
+              </p:nextCondLst>
+            </p:seq>
+          </p:childTnLst>
+        </p:cTn>
+      </p:par>
+    </p:tnLst>
+    <p:bldLst>
+      <p:bldP spid="3" grpId="0" build="p"/>
+      <p:bldP spid="4" grpId="0" build="p"/>
+    </p:bldLst>
+  </p:timing>
 </p:sld>
 </file>
 
